--- a/Gestión de un proyecto Software.pptx
+++ b/Gestión de un proyecto Software.pptx
@@ -125,6 +125,50 @@
     </p:ext>
   </p:extLst>
 </p:presentation>
+</file>
+
+<file path=ppt/changesInfos/changesInfo1.xml><?xml version="1.0" encoding="utf-8"?>
+<pc:chgInfo xmlns:a="http://schemas.openxmlformats.org/drawingml/2006/main" xmlns:r="http://schemas.openxmlformats.org/officeDocument/2006/relationships" xmlns:ac="http://schemas.microsoft.com/office/drawing/2013/main/command" xmlns:pc="http://schemas.microsoft.com/office/powerpoint/2013/main/command">
+  <pc:docChgLst>
+    <pc:chgData name="Jorge Garcia" userId="3b3bbd501dc8c21f" providerId="LiveId" clId="{5F78498C-CA96-4824-94D3-81633AC89FD0}"/>
+    <pc:docChg chg="custSel modSld">
+      <pc:chgData name="Jorge Garcia" userId="3b3bbd501dc8c21f" providerId="LiveId" clId="{5F78498C-CA96-4824-94D3-81633AC89FD0}" dt="2018-04-25T12:11:44.376" v="714" actId="20577"/>
+      <pc:docMkLst>
+        <pc:docMk/>
+      </pc:docMkLst>
+      <pc:sldChg chg="modSp">
+        <pc:chgData name="Jorge Garcia" userId="3b3bbd501dc8c21f" providerId="LiveId" clId="{5F78498C-CA96-4824-94D3-81633AC89FD0}" dt="2018-04-25T12:10:36.952" v="648" actId="20577"/>
+        <pc:sldMkLst>
+          <pc:docMk/>
+          <pc:sldMk cId="2169076520" sldId="259"/>
+        </pc:sldMkLst>
+        <pc:spChg chg="mod">
+          <ac:chgData name="Jorge Garcia" userId="3b3bbd501dc8c21f" providerId="LiveId" clId="{5F78498C-CA96-4824-94D3-81633AC89FD0}" dt="2018-04-25T12:10:36.952" v="648" actId="20577"/>
+          <ac:spMkLst>
+            <pc:docMk/>
+            <pc:sldMk cId="2169076520" sldId="259"/>
+            <ac:spMk id="3" creationId="{7F93DD8A-4384-4583-B7AD-A0C723032B39}"/>
+          </ac:spMkLst>
+        </pc:spChg>
+      </pc:sldChg>
+      <pc:sldChg chg="modSp">
+        <pc:chgData name="Jorge Garcia" userId="3b3bbd501dc8c21f" providerId="LiveId" clId="{5F78498C-CA96-4824-94D3-81633AC89FD0}" dt="2018-04-25T12:11:44.376" v="714" actId="20577"/>
+        <pc:sldMkLst>
+          <pc:docMk/>
+          <pc:sldMk cId="1829107682" sldId="267"/>
+        </pc:sldMkLst>
+        <pc:spChg chg="mod">
+          <ac:chgData name="Jorge Garcia" userId="3b3bbd501dc8c21f" providerId="LiveId" clId="{5F78498C-CA96-4824-94D3-81633AC89FD0}" dt="2018-04-25T12:11:44.376" v="714" actId="20577"/>
+          <ac:spMkLst>
+            <pc:docMk/>
+            <pc:sldMk cId="1829107682" sldId="267"/>
+            <ac:spMk id="3" creationId="{55DA7826-6D5A-4B59-8C5E-EEDB854A9611}"/>
+          </ac:spMkLst>
+        </pc:spChg>
+      </pc:sldChg>
+    </pc:docChg>
+  </pc:docChgLst>
+</pc:chgInfo>
 </file>
 
 <file path=ppt/diagrams/colors1.xml><?xml version="1.0" encoding="utf-8"?>
@@ -12388,8 +12432,27 @@
           <a:p>
             <a:r>
               <a:rPr lang="es-ES" dirty="0"/>
-              <a:t>Desde el menú de inicio sólo se puede  cargar una partida guardada anteriormente. </a:t>
-            </a:r>
+              <a:t>Desde el menú de inicio no se puede:</a:t>
+            </a:r>
+          </a:p>
+          <a:p>
+            <a:pPr lvl="1"/>
+            <a:r>
+              <a:rPr lang="es-ES" dirty="0"/>
+              <a:t>Guardar una partida.</a:t>
+            </a:r>
+          </a:p>
+          <a:p>
+            <a:pPr lvl="1"/>
+            <a:r>
+              <a:rPr lang="es-ES" dirty="0"/>
+              <a:t>Reiniciar </a:t>
+            </a:r>
+            <a:r>
+              <a:rPr lang="es-ES"/>
+              <a:t>un nivel.</a:t>
+            </a:r>
+            <a:endParaRPr lang="es-ES" dirty="0"/>
           </a:p>
           <a:p>
             <a:r>
@@ -12401,35 +12464,7 @@
             <a:pPr lvl="1"/>
             <a:r>
               <a:rPr lang="es-ES" dirty="0"/>
-              <a:t>Ver los 10 mejores tiempos </a:t>
-            </a:r>
-          </a:p>
-          <a:p>
-            <a:pPr lvl="1"/>
-            <a:r>
-              <a:rPr lang="es-ES" dirty="0"/>
-              <a:t>Guardar la partida en curso </a:t>
-            </a:r>
-          </a:p>
-          <a:p>
-            <a:pPr lvl="1"/>
-            <a:r>
-              <a:rPr lang="es-ES" dirty="0"/>
-              <a:t>Cargar una partida guardada</a:t>
-            </a:r>
-          </a:p>
-          <a:p>
-            <a:pPr lvl="1"/>
-            <a:r>
-              <a:rPr lang="es-ES" dirty="0"/>
-              <a:t>Reiniciar la partida actual</a:t>
-            </a:r>
-          </a:p>
-          <a:p>
-            <a:pPr lvl="1"/>
-            <a:r>
-              <a:rPr lang="es-ES" dirty="0"/>
-              <a:t>Volver a inicio para cambiar la dificultar de juego</a:t>
+              <a:t>Ver los 10 mejores tiempos.</a:t>
             </a:r>
           </a:p>
         </p:txBody>
@@ -12632,8 +12667,51 @@
           <a:p>
             <a:r>
               <a:rPr lang="es-ES" dirty="0"/>
-              <a:t>(Jorge)</a:t>
-            </a:r>
+              <a:t>Problema en el tablero de juego del Nivel Experto, se desbloqueaban mal las celdas.</a:t>
+            </a:r>
+          </a:p>
+          <a:p>
+            <a:r>
+              <a:rPr lang="es-ES" dirty="0"/>
+              <a:t>Ese problema se trasladaba al nivel Personalizado cuando las columnas eran distintas de las filas.</a:t>
+            </a:r>
+          </a:p>
+          <a:p>
+            <a:r>
+              <a:rPr lang="es-ES" dirty="0"/>
+              <a:t>Solución: Poner un nivel Experto de mismas columnas y filas con la misma cantidad de celdas aproximadamente. Hacer que el usuario solo pueda insertar filas y columnas iguales.</a:t>
+            </a:r>
+          </a:p>
+          <a:p>
+            <a:r>
+              <a:rPr lang="es-ES" dirty="0"/>
+              <a:t>Problema con el guardado de la partida en un fichero debido a una clase.</a:t>
+            </a:r>
+          </a:p>
+          <a:p>
+            <a:r>
+              <a:rPr lang="es-ES" dirty="0"/>
+              <a:t>Solución: Paso del valor del </a:t>
+            </a:r>
+            <a:r>
+              <a:rPr lang="es-ES" dirty="0" err="1"/>
+              <a:t>String</a:t>
+            </a:r>
+            <a:r>
+              <a:rPr lang="es-ES" dirty="0"/>
+              <a:t> de la clase </a:t>
+            </a:r>
+            <a:r>
+              <a:rPr lang="es-ES" dirty="0" err="1"/>
+              <a:t>JButton</a:t>
+            </a:r>
+            <a:r>
+              <a:rPr lang="es-ES" dirty="0"/>
+              <a:t> uno a uno.</a:t>
+            </a:r>
+          </a:p>
+          <a:p>
+            <a:endParaRPr lang="es-ES" dirty="0"/>
           </a:p>
         </p:txBody>
       </p:sp>

--- a/Gestión de un proyecto Software.pptx
+++ b/Gestión de un proyecto Software.pptx
@@ -1847,6 +1847,13 @@
         </dgm:presLayoutVars>
       </dgm:prSet>
       <dgm:spPr/>
+      <dgm:t>
+        <a:bodyPr/>
+        <a:lstStyle/>
+        <a:p>
+          <a:endParaRPr lang="es-ES"/>
+        </a:p>
+      </dgm:t>
     </dgm:pt>
     <dgm:pt modelId="{B2E3F683-9CCD-47F1-A9AC-C356A21D4E4D}" type="pres">
       <dgm:prSet presAssocID="{F02892E4-4798-4CFA-9FE2-B8361D851E5B}" presName="root1" presStyleCnt="0"/>
@@ -1859,6 +1866,13 @@
         </dgm:presLayoutVars>
       </dgm:prSet>
       <dgm:spPr/>
+      <dgm:t>
+        <a:bodyPr/>
+        <a:lstStyle/>
+        <a:p>
+          <a:endParaRPr lang="es-ES"/>
+        </a:p>
+      </dgm:t>
     </dgm:pt>
     <dgm:pt modelId="{496CB9D1-3224-4247-8B8D-4E5FBA233C36}" type="pres">
       <dgm:prSet presAssocID="{F02892E4-4798-4CFA-9FE2-B8361D851E5B}" presName="level2hierChild" presStyleCnt="0"/>
@@ -1867,10 +1881,24 @@
     <dgm:pt modelId="{BFF1365F-825B-490A-9491-C2A9086DA0CC}" type="pres">
       <dgm:prSet presAssocID="{2013A976-9626-4706-B736-CCEBC9A526D4}" presName="conn2-1" presStyleLbl="parChTrans1D2" presStyleIdx="0" presStyleCnt="6"/>
       <dgm:spPr/>
+      <dgm:t>
+        <a:bodyPr/>
+        <a:lstStyle/>
+        <a:p>
+          <a:endParaRPr lang="es-ES"/>
+        </a:p>
+      </dgm:t>
     </dgm:pt>
     <dgm:pt modelId="{5FF16927-7532-4194-BC03-AE89F4CC6F01}" type="pres">
       <dgm:prSet presAssocID="{2013A976-9626-4706-B736-CCEBC9A526D4}" presName="connTx" presStyleLbl="parChTrans1D2" presStyleIdx="0" presStyleCnt="6"/>
       <dgm:spPr/>
+      <dgm:t>
+        <a:bodyPr/>
+        <a:lstStyle/>
+        <a:p>
+          <a:endParaRPr lang="es-ES"/>
+        </a:p>
+      </dgm:t>
     </dgm:pt>
     <dgm:pt modelId="{DE10AD42-8A85-457C-B5B4-DF09D70F2196}" type="pres">
       <dgm:prSet presAssocID="{AF5A8C4F-0B2D-47AB-BC91-456F9D955560}" presName="root2" presStyleCnt="0"/>
@@ -1883,6 +1911,13 @@
         </dgm:presLayoutVars>
       </dgm:prSet>
       <dgm:spPr/>
+      <dgm:t>
+        <a:bodyPr/>
+        <a:lstStyle/>
+        <a:p>
+          <a:endParaRPr lang="es-ES"/>
+        </a:p>
+      </dgm:t>
     </dgm:pt>
     <dgm:pt modelId="{2801F3A1-9F75-43A5-92A7-332B33A8ED40}" type="pres">
       <dgm:prSet presAssocID="{AF5A8C4F-0B2D-47AB-BC91-456F9D955560}" presName="level3hierChild" presStyleCnt="0"/>
@@ -1891,10 +1926,24 @@
     <dgm:pt modelId="{2E5CE375-6246-43EE-91D7-C33E9AE5782A}" type="pres">
       <dgm:prSet presAssocID="{F9211877-83EE-4FB3-80F5-800BE2268021}" presName="conn2-1" presStyleLbl="parChTrans1D3" presStyleIdx="0" presStyleCnt="8"/>
       <dgm:spPr/>
+      <dgm:t>
+        <a:bodyPr/>
+        <a:lstStyle/>
+        <a:p>
+          <a:endParaRPr lang="es-ES"/>
+        </a:p>
+      </dgm:t>
     </dgm:pt>
     <dgm:pt modelId="{BC212194-7374-4269-968B-01AE26C8E7E7}" type="pres">
       <dgm:prSet presAssocID="{F9211877-83EE-4FB3-80F5-800BE2268021}" presName="connTx" presStyleLbl="parChTrans1D3" presStyleIdx="0" presStyleCnt="8"/>
       <dgm:spPr/>
+      <dgm:t>
+        <a:bodyPr/>
+        <a:lstStyle/>
+        <a:p>
+          <a:endParaRPr lang="es-ES"/>
+        </a:p>
+      </dgm:t>
     </dgm:pt>
     <dgm:pt modelId="{4F68EB3B-DC9E-4277-9D95-3872FDEBB9A9}" type="pres">
       <dgm:prSet presAssocID="{4CA19D27-1525-4917-9452-1D98D69E4E90}" presName="root2" presStyleCnt="0"/>
@@ -1907,6 +1956,13 @@
         </dgm:presLayoutVars>
       </dgm:prSet>
       <dgm:spPr/>
+      <dgm:t>
+        <a:bodyPr/>
+        <a:lstStyle/>
+        <a:p>
+          <a:endParaRPr lang="es-ES"/>
+        </a:p>
+      </dgm:t>
     </dgm:pt>
     <dgm:pt modelId="{647418EA-C5B3-47C5-B815-ED5668445E9D}" type="pres">
       <dgm:prSet presAssocID="{4CA19D27-1525-4917-9452-1D98D69E4E90}" presName="level3hierChild" presStyleCnt="0"/>
@@ -1915,10 +1971,24 @@
     <dgm:pt modelId="{C82602F8-0349-4B99-A39A-33C65352B125}" type="pres">
       <dgm:prSet presAssocID="{63FA7234-CD69-411D-8704-C339195B6FE1}" presName="conn2-1" presStyleLbl="parChTrans1D4" presStyleIdx="0" presStyleCnt="9"/>
       <dgm:spPr/>
+      <dgm:t>
+        <a:bodyPr/>
+        <a:lstStyle/>
+        <a:p>
+          <a:endParaRPr lang="es-ES"/>
+        </a:p>
+      </dgm:t>
     </dgm:pt>
     <dgm:pt modelId="{EF7DDFB5-FB87-49FC-9C33-B7A9410F9D6E}" type="pres">
       <dgm:prSet presAssocID="{63FA7234-CD69-411D-8704-C339195B6FE1}" presName="connTx" presStyleLbl="parChTrans1D4" presStyleIdx="0" presStyleCnt="9"/>
       <dgm:spPr/>
+      <dgm:t>
+        <a:bodyPr/>
+        <a:lstStyle/>
+        <a:p>
+          <a:endParaRPr lang="es-ES"/>
+        </a:p>
+      </dgm:t>
     </dgm:pt>
     <dgm:pt modelId="{43640B90-DA98-4ACD-91CD-FF5214E3FACD}" type="pres">
       <dgm:prSet presAssocID="{582268F8-C507-49AD-8DD2-CCA1A89A9B6A}" presName="root2" presStyleCnt="0"/>
@@ -1931,6 +2001,13 @@
         </dgm:presLayoutVars>
       </dgm:prSet>
       <dgm:spPr/>
+      <dgm:t>
+        <a:bodyPr/>
+        <a:lstStyle/>
+        <a:p>
+          <a:endParaRPr lang="es-ES"/>
+        </a:p>
+      </dgm:t>
     </dgm:pt>
     <dgm:pt modelId="{15D8CD8D-F2ED-4574-8573-97D2166801FB}" type="pres">
       <dgm:prSet presAssocID="{582268F8-C507-49AD-8DD2-CCA1A89A9B6A}" presName="level3hierChild" presStyleCnt="0"/>
@@ -1939,10 +2016,24 @@
     <dgm:pt modelId="{DA919181-FAAD-4C16-B75A-7594C7148CE1}" type="pres">
       <dgm:prSet presAssocID="{77123F68-3803-4A64-A39D-4F1672ACD934}" presName="conn2-1" presStyleLbl="parChTrans1D4" presStyleIdx="1" presStyleCnt="9"/>
       <dgm:spPr/>
+      <dgm:t>
+        <a:bodyPr/>
+        <a:lstStyle/>
+        <a:p>
+          <a:endParaRPr lang="es-ES"/>
+        </a:p>
+      </dgm:t>
     </dgm:pt>
     <dgm:pt modelId="{AA98D9DA-09E4-40BD-B36D-FC56D05BD4C9}" type="pres">
       <dgm:prSet presAssocID="{77123F68-3803-4A64-A39D-4F1672ACD934}" presName="connTx" presStyleLbl="parChTrans1D4" presStyleIdx="1" presStyleCnt="9"/>
       <dgm:spPr/>
+      <dgm:t>
+        <a:bodyPr/>
+        <a:lstStyle/>
+        <a:p>
+          <a:endParaRPr lang="es-ES"/>
+        </a:p>
+      </dgm:t>
     </dgm:pt>
     <dgm:pt modelId="{C2BB4A0E-F4A7-4E5A-A92E-8FB0FD74B461}" type="pres">
       <dgm:prSet presAssocID="{A69C5F1F-FD11-42A2-8CE6-F6266978F37A}" presName="root2" presStyleCnt="0"/>
@@ -1955,6 +2046,13 @@
         </dgm:presLayoutVars>
       </dgm:prSet>
       <dgm:spPr/>
+      <dgm:t>
+        <a:bodyPr/>
+        <a:lstStyle/>
+        <a:p>
+          <a:endParaRPr lang="es-ES"/>
+        </a:p>
+      </dgm:t>
     </dgm:pt>
     <dgm:pt modelId="{B9010533-4278-4667-A813-FFE4A34968E6}" type="pres">
       <dgm:prSet presAssocID="{A69C5F1F-FD11-42A2-8CE6-F6266978F37A}" presName="level3hierChild" presStyleCnt="0"/>
@@ -1963,10 +2061,24 @@
     <dgm:pt modelId="{AEB92F3D-3E90-4B7F-8F2C-FC35DADED716}" type="pres">
       <dgm:prSet presAssocID="{FB83C6F6-F8B7-41FC-BBF8-0B2F92A002C1}" presName="conn2-1" presStyleLbl="parChTrans1D4" presStyleIdx="2" presStyleCnt="9"/>
       <dgm:spPr/>
+      <dgm:t>
+        <a:bodyPr/>
+        <a:lstStyle/>
+        <a:p>
+          <a:endParaRPr lang="es-ES"/>
+        </a:p>
+      </dgm:t>
     </dgm:pt>
     <dgm:pt modelId="{1968E761-EEC0-4D9F-9DFB-64EC53305073}" type="pres">
       <dgm:prSet presAssocID="{FB83C6F6-F8B7-41FC-BBF8-0B2F92A002C1}" presName="connTx" presStyleLbl="parChTrans1D4" presStyleIdx="2" presStyleCnt="9"/>
       <dgm:spPr/>
+      <dgm:t>
+        <a:bodyPr/>
+        <a:lstStyle/>
+        <a:p>
+          <a:endParaRPr lang="es-ES"/>
+        </a:p>
+      </dgm:t>
     </dgm:pt>
     <dgm:pt modelId="{A862E8CD-C28E-49D7-9FD9-E965C6639222}" type="pres">
       <dgm:prSet presAssocID="{5D9C9459-6708-44EE-95A4-812372C730CE}" presName="root2" presStyleCnt="0"/>
@@ -1979,6 +2091,13 @@
         </dgm:presLayoutVars>
       </dgm:prSet>
       <dgm:spPr/>
+      <dgm:t>
+        <a:bodyPr/>
+        <a:lstStyle/>
+        <a:p>
+          <a:endParaRPr lang="es-ES"/>
+        </a:p>
+      </dgm:t>
     </dgm:pt>
     <dgm:pt modelId="{F2D6C966-82A2-4BE6-BBEF-EA568F3A2DC1}" type="pres">
       <dgm:prSet presAssocID="{5D9C9459-6708-44EE-95A4-812372C730CE}" presName="level3hierChild" presStyleCnt="0"/>
@@ -1987,10 +2106,24 @@
     <dgm:pt modelId="{A7DEC78C-B813-49E5-8B40-85B90434DFDE}" type="pres">
       <dgm:prSet presAssocID="{CB451582-96A1-4422-B6F9-BBD688E3A0E3}" presName="conn2-1" presStyleLbl="parChTrans1D3" presStyleIdx="1" presStyleCnt="8"/>
       <dgm:spPr/>
+      <dgm:t>
+        <a:bodyPr/>
+        <a:lstStyle/>
+        <a:p>
+          <a:endParaRPr lang="es-ES"/>
+        </a:p>
+      </dgm:t>
     </dgm:pt>
     <dgm:pt modelId="{9E30B63F-2FB0-43E9-BD66-D69A79C603CD}" type="pres">
       <dgm:prSet presAssocID="{CB451582-96A1-4422-B6F9-BBD688E3A0E3}" presName="connTx" presStyleLbl="parChTrans1D3" presStyleIdx="1" presStyleCnt="8"/>
       <dgm:spPr/>
+      <dgm:t>
+        <a:bodyPr/>
+        <a:lstStyle/>
+        <a:p>
+          <a:endParaRPr lang="es-ES"/>
+        </a:p>
+      </dgm:t>
     </dgm:pt>
     <dgm:pt modelId="{BEBA17FE-2765-4285-A70B-E60D2DA69A83}" type="pres">
       <dgm:prSet presAssocID="{01BCC422-7019-4C31-B5AB-55F8D4FEDC1F}" presName="root2" presStyleCnt="0"/>
@@ -2003,6 +2136,13 @@
         </dgm:presLayoutVars>
       </dgm:prSet>
       <dgm:spPr/>
+      <dgm:t>
+        <a:bodyPr/>
+        <a:lstStyle/>
+        <a:p>
+          <a:endParaRPr lang="es-ES"/>
+        </a:p>
+      </dgm:t>
     </dgm:pt>
     <dgm:pt modelId="{E4C52494-1DA7-49D7-A89E-9EAD41E6DC06}" type="pres">
       <dgm:prSet presAssocID="{01BCC422-7019-4C31-B5AB-55F8D4FEDC1F}" presName="level3hierChild" presStyleCnt="0"/>
@@ -2011,10 +2151,24 @@
     <dgm:pt modelId="{72391683-CA39-4CBF-B3AB-442149D5D006}" type="pres">
       <dgm:prSet presAssocID="{AE69E38B-C9B3-42E5-87D3-30B557227A8E}" presName="conn2-1" presStyleLbl="parChTrans1D4" presStyleIdx="3" presStyleCnt="9"/>
       <dgm:spPr/>
+      <dgm:t>
+        <a:bodyPr/>
+        <a:lstStyle/>
+        <a:p>
+          <a:endParaRPr lang="es-ES"/>
+        </a:p>
+      </dgm:t>
     </dgm:pt>
     <dgm:pt modelId="{441FB366-D47B-42BC-BB39-1106869C34C1}" type="pres">
       <dgm:prSet presAssocID="{AE69E38B-C9B3-42E5-87D3-30B557227A8E}" presName="connTx" presStyleLbl="parChTrans1D4" presStyleIdx="3" presStyleCnt="9"/>
       <dgm:spPr/>
+      <dgm:t>
+        <a:bodyPr/>
+        <a:lstStyle/>
+        <a:p>
+          <a:endParaRPr lang="es-ES"/>
+        </a:p>
+      </dgm:t>
     </dgm:pt>
     <dgm:pt modelId="{D04DA60B-19FE-45DF-A2CC-585A1D17C349}" type="pres">
       <dgm:prSet presAssocID="{6E9B27E2-CE02-4660-860A-F45613B62EF8}" presName="root2" presStyleCnt="0"/>
@@ -2027,6 +2181,13 @@
         </dgm:presLayoutVars>
       </dgm:prSet>
       <dgm:spPr/>
+      <dgm:t>
+        <a:bodyPr/>
+        <a:lstStyle/>
+        <a:p>
+          <a:endParaRPr lang="es-ES"/>
+        </a:p>
+      </dgm:t>
     </dgm:pt>
     <dgm:pt modelId="{C2851F25-43A1-45E3-9B65-0C16C02E74E3}" type="pres">
       <dgm:prSet presAssocID="{6E9B27E2-CE02-4660-860A-F45613B62EF8}" presName="level3hierChild" presStyleCnt="0"/>
@@ -2035,10 +2196,24 @@
     <dgm:pt modelId="{E2D2FF66-6440-418D-90AF-014434079EB4}" type="pres">
       <dgm:prSet presAssocID="{80E74D8C-542F-4CC5-BC98-FAF5FE974176}" presName="conn2-1" presStyleLbl="parChTrans1D2" presStyleIdx="1" presStyleCnt="6"/>
       <dgm:spPr/>
+      <dgm:t>
+        <a:bodyPr/>
+        <a:lstStyle/>
+        <a:p>
+          <a:endParaRPr lang="es-ES"/>
+        </a:p>
+      </dgm:t>
     </dgm:pt>
     <dgm:pt modelId="{6E47D520-F4BE-414A-B85C-6428C39B27F3}" type="pres">
       <dgm:prSet presAssocID="{80E74D8C-542F-4CC5-BC98-FAF5FE974176}" presName="connTx" presStyleLbl="parChTrans1D2" presStyleIdx="1" presStyleCnt="6"/>
       <dgm:spPr/>
+      <dgm:t>
+        <a:bodyPr/>
+        <a:lstStyle/>
+        <a:p>
+          <a:endParaRPr lang="es-ES"/>
+        </a:p>
+      </dgm:t>
     </dgm:pt>
     <dgm:pt modelId="{114051D8-6E79-4FA8-A362-859A0A847DBD}" type="pres">
       <dgm:prSet presAssocID="{6DCD5A69-E68C-4867-AFE1-DA5BA10D38F8}" presName="root2" presStyleCnt="0"/>
@@ -2051,6 +2226,13 @@
         </dgm:presLayoutVars>
       </dgm:prSet>
       <dgm:spPr/>
+      <dgm:t>
+        <a:bodyPr/>
+        <a:lstStyle/>
+        <a:p>
+          <a:endParaRPr lang="es-ES"/>
+        </a:p>
+      </dgm:t>
     </dgm:pt>
     <dgm:pt modelId="{07AD717C-4895-45C9-8D0F-E30C0EAF075B}" type="pres">
       <dgm:prSet presAssocID="{6DCD5A69-E68C-4867-AFE1-DA5BA10D38F8}" presName="level3hierChild" presStyleCnt="0"/>
@@ -2059,10 +2241,24 @@
     <dgm:pt modelId="{8A44B239-B375-417E-BD64-F588906047FC}" type="pres">
       <dgm:prSet presAssocID="{A028C982-2A92-43B9-B350-D57C10FBAB0A}" presName="conn2-1" presStyleLbl="parChTrans1D3" presStyleIdx="2" presStyleCnt="8"/>
       <dgm:spPr/>
+      <dgm:t>
+        <a:bodyPr/>
+        <a:lstStyle/>
+        <a:p>
+          <a:endParaRPr lang="es-ES"/>
+        </a:p>
+      </dgm:t>
     </dgm:pt>
     <dgm:pt modelId="{1CEE8638-8326-4A74-8D12-808D1DDFFCA7}" type="pres">
       <dgm:prSet presAssocID="{A028C982-2A92-43B9-B350-D57C10FBAB0A}" presName="connTx" presStyleLbl="parChTrans1D3" presStyleIdx="2" presStyleCnt="8"/>
       <dgm:spPr/>
+      <dgm:t>
+        <a:bodyPr/>
+        <a:lstStyle/>
+        <a:p>
+          <a:endParaRPr lang="es-ES"/>
+        </a:p>
+      </dgm:t>
     </dgm:pt>
     <dgm:pt modelId="{9D1979A3-870F-47B5-964A-C84DFA1FDEF7}" type="pres">
       <dgm:prSet presAssocID="{B584F320-C209-4EC3-93BC-D68F9FB62184}" presName="root2" presStyleCnt="0"/>
@@ -2075,6 +2271,13 @@
         </dgm:presLayoutVars>
       </dgm:prSet>
       <dgm:spPr/>
+      <dgm:t>
+        <a:bodyPr/>
+        <a:lstStyle/>
+        <a:p>
+          <a:endParaRPr lang="es-ES"/>
+        </a:p>
+      </dgm:t>
     </dgm:pt>
     <dgm:pt modelId="{B3C6EDA6-E6BF-453F-9268-35123CB50D5D}" type="pres">
       <dgm:prSet presAssocID="{B584F320-C209-4EC3-93BC-D68F9FB62184}" presName="level3hierChild" presStyleCnt="0"/>
@@ -2083,10 +2286,24 @@
     <dgm:pt modelId="{F9979F22-0827-468E-B344-F8893B828C5D}" type="pres">
       <dgm:prSet presAssocID="{A66F1D8E-5685-46E3-BE8D-7FCA83E9FDE9}" presName="conn2-1" presStyleLbl="parChTrans1D4" presStyleIdx="4" presStyleCnt="9"/>
       <dgm:spPr/>
+      <dgm:t>
+        <a:bodyPr/>
+        <a:lstStyle/>
+        <a:p>
+          <a:endParaRPr lang="es-ES"/>
+        </a:p>
+      </dgm:t>
     </dgm:pt>
     <dgm:pt modelId="{FFF5DBD4-11AC-4A60-A1E0-7F73FD9B4013}" type="pres">
       <dgm:prSet presAssocID="{A66F1D8E-5685-46E3-BE8D-7FCA83E9FDE9}" presName="connTx" presStyleLbl="parChTrans1D4" presStyleIdx="4" presStyleCnt="9"/>
       <dgm:spPr/>
+      <dgm:t>
+        <a:bodyPr/>
+        <a:lstStyle/>
+        <a:p>
+          <a:endParaRPr lang="es-ES"/>
+        </a:p>
+      </dgm:t>
     </dgm:pt>
     <dgm:pt modelId="{65BC2E1E-45BD-4131-8566-609F9E764A4D}" type="pres">
       <dgm:prSet presAssocID="{755EFD14-40AD-48B6-B94C-C4DE10443888}" presName="root2" presStyleCnt="0"/>
@@ -2099,6 +2316,13 @@
         </dgm:presLayoutVars>
       </dgm:prSet>
       <dgm:spPr/>
+      <dgm:t>
+        <a:bodyPr/>
+        <a:lstStyle/>
+        <a:p>
+          <a:endParaRPr lang="es-ES"/>
+        </a:p>
+      </dgm:t>
     </dgm:pt>
     <dgm:pt modelId="{87D83FED-1993-419E-AB68-87F9A0B3F78A}" type="pres">
       <dgm:prSet presAssocID="{755EFD14-40AD-48B6-B94C-C4DE10443888}" presName="level3hierChild" presStyleCnt="0"/>
@@ -2107,10 +2331,24 @@
     <dgm:pt modelId="{9C4524FA-D7AA-4CEF-B700-CC67A645B438}" type="pres">
       <dgm:prSet presAssocID="{F5641F43-DBCB-42CF-9810-CE2938BA372C}" presName="conn2-1" presStyleLbl="parChTrans1D4" presStyleIdx="5" presStyleCnt="9"/>
       <dgm:spPr/>
+      <dgm:t>
+        <a:bodyPr/>
+        <a:lstStyle/>
+        <a:p>
+          <a:endParaRPr lang="es-ES"/>
+        </a:p>
+      </dgm:t>
     </dgm:pt>
     <dgm:pt modelId="{224E18EF-F645-4465-A195-E8400C0E1586}" type="pres">
       <dgm:prSet presAssocID="{F5641F43-DBCB-42CF-9810-CE2938BA372C}" presName="connTx" presStyleLbl="parChTrans1D4" presStyleIdx="5" presStyleCnt="9"/>
       <dgm:spPr/>
+      <dgm:t>
+        <a:bodyPr/>
+        <a:lstStyle/>
+        <a:p>
+          <a:endParaRPr lang="es-ES"/>
+        </a:p>
+      </dgm:t>
     </dgm:pt>
     <dgm:pt modelId="{67B1467B-FB03-46C5-BC48-AC44BD40F92E}" type="pres">
       <dgm:prSet presAssocID="{E6B63A6B-5C6A-461C-92B5-8BC27C7F3CF4}" presName="root2" presStyleCnt="0"/>
@@ -2123,6 +2361,13 @@
         </dgm:presLayoutVars>
       </dgm:prSet>
       <dgm:spPr/>
+      <dgm:t>
+        <a:bodyPr/>
+        <a:lstStyle/>
+        <a:p>
+          <a:endParaRPr lang="es-ES"/>
+        </a:p>
+      </dgm:t>
     </dgm:pt>
     <dgm:pt modelId="{741A7382-B0C2-4440-B560-CAD62DE7361E}" type="pres">
       <dgm:prSet presAssocID="{E6B63A6B-5C6A-461C-92B5-8BC27C7F3CF4}" presName="level3hierChild" presStyleCnt="0"/>
@@ -2131,10 +2376,24 @@
     <dgm:pt modelId="{C6AA5DF5-3707-4789-8F01-87EBF3477839}" type="pres">
       <dgm:prSet presAssocID="{7863B7E2-F15F-4225-85BA-E5F85442CECA}" presName="conn2-1" presStyleLbl="parChTrans1D4" presStyleIdx="6" presStyleCnt="9"/>
       <dgm:spPr/>
+      <dgm:t>
+        <a:bodyPr/>
+        <a:lstStyle/>
+        <a:p>
+          <a:endParaRPr lang="es-ES"/>
+        </a:p>
+      </dgm:t>
     </dgm:pt>
     <dgm:pt modelId="{DD833ACC-8683-46BC-8B1C-9D9D20868D2B}" type="pres">
       <dgm:prSet presAssocID="{7863B7E2-F15F-4225-85BA-E5F85442CECA}" presName="connTx" presStyleLbl="parChTrans1D4" presStyleIdx="6" presStyleCnt="9"/>
       <dgm:spPr/>
+      <dgm:t>
+        <a:bodyPr/>
+        <a:lstStyle/>
+        <a:p>
+          <a:endParaRPr lang="es-ES"/>
+        </a:p>
+      </dgm:t>
     </dgm:pt>
     <dgm:pt modelId="{F4CC1774-214E-4BEA-8722-8CCC1E876041}" type="pres">
       <dgm:prSet presAssocID="{41CCBF91-7BF8-4961-8F93-C0B5B64E05DB}" presName="root2" presStyleCnt="0"/>
@@ -2147,6 +2406,13 @@
         </dgm:presLayoutVars>
       </dgm:prSet>
       <dgm:spPr/>
+      <dgm:t>
+        <a:bodyPr/>
+        <a:lstStyle/>
+        <a:p>
+          <a:endParaRPr lang="es-ES"/>
+        </a:p>
+      </dgm:t>
     </dgm:pt>
     <dgm:pt modelId="{B0D7F0A6-E4A6-46C7-B3B6-D12146FF343A}" type="pres">
       <dgm:prSet presAssocID="{41CCBF91-7BF8-4961-8F93-C0B5B64E05DB}" presName="level3hierChild" presStyleCnt="0"/>
@@ -2155,10 +2421,24 @@
     <dgm:pt modelId="{F613943E-168E-40AB-9475-7456F53CCF9A}" type="pres">
       <dgm:prSet presAssocID="{5ADC04EF-F9E3-49C9-8B1F-7A938E956F49}" presName="conn2-1" presStyleLbl="parChTrans1D3" presStyleIdx="3" presStyleCnt="8"/>
       <dgm:spPr/>
+      <dgm:t>
+        <a:bodyPr/>
+        <a:lstStyle/>
+        <a:p>
+          <a:endParaRPr lang="es-ES"/>
+        </a:p>
+      </dgm:t>
     </dgm:pt>
     <dgm:pt modelId="{E86144F1-6F44-45CC-92DE-655D018FAFBB}" type="pres">
       <dgm:prSet presAssocID="{5ADC04EF-F9E3-49C9-8B1F-7A938E956F49}" presName="connTx" presStyleLbl="parChTrans1D3" presStyleIdx="3" presStyleCnt="8"/>
       <dgm:spPr/>
+      <dgm:t>
+        <a:bodyPr/>
+        <a:lstStyle/>
+        <a:p>
+          <a:endParaRPr lang="es-ES"/>
+        </a:p>
+      </dgm:t>
     </dgm:pt>
     <dgm:pt modelId="{9E9F18BB-3705-44EF-8A27-32A368A4F515}" type="pres">
       <dgm:prSet presAssocID="{1546E2A4-646A-438F-90F9-AF0CAE732DAC}" presName="root2" presStyleCnt="0"/>
@@ -2171,6 +2451,13 @@
         </dgm:presLayoutVars>
       </dgm:prSet>
       <dgm:spPr/>
+      <dgm:t>
+        <a:bodyPr/>
+        <a:lstStyle/>
+        <a:p>
+          <a:endParaRPr lang="es-ES"/>
+        </a:p>
+      </dgm:t>
     </dgm:pt>
     <dgm:pt modelId="{34BC87A7-C4B8-494D-A2F1-E82243CF38C9}" type="pres">
       <dgm:prSet presAssocID="{1546E2A4-646A-438F-90F9-AF0CAE732DAC}" presName="level3hierChild" presStyleCnt="0"/>
@@ -2179,10 +2466,24 @@
     <dgm:pt modelId="{ED0E97A1-321D-4845-A906-80C74040ED25}" type="pres">
       <dgm:prSet presAssocID="{9C4DFB95-232B-49DD-A6E2-B4AD62E042DC}" presName="conn2-1" presStyleLbl="parChTrans1D4" presStyleIdx="7" presStyleCnt="9"/>
       <dgm:spPr/>
+      <dgm:t>
+        <a:bodyPr/>
+        <a:lstStyle/>
+        <a:p>
+          <a:endParaRPr lang="es-ES"/>
+        </a:p>
+      </dgm:t>
     </dgm:pt>
     <dgm:pt modelId="{927FAD8B-6756-4069-B973-DFC306B9782C}" type="pres">
       <dgm:prSet presAssocID="{9C4DFB95-232B-49DD-A6E2-B4AD62E042DC}" presName="connTx" presStyleLbl="parChTrans1D4" presStyleIdx="7" presStyleCnt="9"/>
       <dgm:spPr/>
+      <dgm:t>
+        <a:bodyPr/>
+        <a:lstStyle/>
+        <a:p>
+          <a:endParaRPr lang="es-ES"/>
+        </a:p>
+      </dgm:t>
     </dgm:pt>
     <dgm:pt modelId="{679EC731-6838-46D0-962F-9F44FBBA915C}" type="pres">
       <dgm:prSet presAssocID="{A5E68B0A-0845-4BD0-9C59-75877FD895DB}" presName="root2" presStyleCnt="0"/>
@@ -2195,6 +2496,13 @@
         </dgm:presLayoutVars>
       </dgm:prSet>
       <dgm:spPr/>
+      <dgm:t>
+        <a:bodyPr/>
+        <a:lstStyle/>
+        <a:p>
+          <a:endParaRPr lang="es-ES"/>
+        </a:p>
+      </dgm:t>
     </dgm:pt>
     <dgm:pt modelId="{338DFAEA-AC4E-461A-AB66-B8190CEBD0B7}" type="pres">
       <dgm:prSet presAssocID="{A5E68B0A-0845-4BD0-9C59-75877FD895DB}" presName="level3hierChild" presStyleCnt="0"/>
@@ -2203,10 +2511,24 @@
     <dgm:pt modelId="{CC75584B-4935-4760-B8E8-EDC702A46ED2}" type="pres">
       <dgm:prSet presAssocID="{9ADB1338-2672-492F-ABA6-2927C5674444}" presName="conn2-1" presStyleLbl="parChTrans1D2" presStyleIdx="2" presStyleCnt="6"/>
       <dgm:spPr/>
+      <dgm:t>
+        <a:bodyPr/>
+        <a:lstStyle/>
+        <a:p>
+          <a:endParaRPr lang="es-ES"/>
+        </a:p>
+      </dgm:t>
     </dgm:pt>
     <dgm:pt modelId="{3D0B6B84-56F8-44D3-9DD4-B6B6C3D779D6}" type="pres">
       <dgm:prSet presAssocID="{9ADB1338-2672-492F-ABA6-2927C5674444}" presName="connTx" presStyleLbl="parChTrans1D2" presStyleIdx="2" presStyleCnt="6"/>
       <dgm:spPr/>
+      <dgm:t>
+        <a:bodyPr/>
+        <a:lstStyle/>
+        <a:p>
+          <a:endParaRPr lang="es-ES"/>
+        </a:p>
+      </dgm:t>
     </dgm:pt>
     <dgm:pt modelId="{A45A6766-94BD-4C08-BCC2-C6F6EF9C8E29}" type="pres">
       <dgm:prSet presAssocID="{8AA86B0C-D917-4176-94E6-205946283056}" presName="root2" presStyleCnt="0"/>
@@ -2219,6 +2541,13 @@
         </dgm:presLayoutVars>
       </dgm:prSet>
       <dgm:spPr/>
+      <dgm:t>
+        <a:bodyPr/>
+        <a:lstStyle/>
+        <a:p>
+          <a:endParaRPr lang="es-ES"/>
+        </a:p>
+      </dgm:t>
     </dgm:pt>
     <dgm:pt modelId="{2BE1E24D-D866-404E-8831-17B117656EF3}" type="pres">
       <dgm:prSet presAssocID="{8AA86B0C-D917-4176-94E6-205946283056}" presName="level3hierChild" presStyleCnt="0"/>
@@ -2227,10 +2556,24 @@
     <dgm:pt modelId="{23ADCD83-A68C-4920-A91C-A68D518B9629}" type="pres">
       <dgm:prSet presAssocID="{52539E7A-43F5-4E10-9DDC-01B3396399F8}" presName="conn2-1" presStyleLbl="parChTrans1D3" presStyleIdx="4" presStyleCnt="8"/>
       <dgm:spPr/>
+      <dgm:t>
+        <a:bodyPr/>
+        <a:lstStyle/>
+        <a:p>
+          <a:endParaRPr lang="es-ES"/>
+        </a:p>
+      </dgm:t>
     </dgm:pt>
     <dgm:pt modelId="{C3ED37B6-D9D7-4DD3-86A6-14B8D93F143F}" type="pres">
       <dgm:prSet presAssocID="{52539E7A-43F5-4E10-9DDC-01B3396399F8}" presName="connTx" presStyleLbl="parChTrans1D3" presStyleIdx="4" presStyleCnt="8"/>
       <dgm:spPr/>
+      <dgm:t>
+        <a:bodyPr/>
+        <a:lstStyle/>
+        <a:p>
+          <a:endParaRPr lang="es-ES"/>
+        </a:p>
+      </dgm:t>
     </dgm:pt>
     <dgm:pt modelId="{E4690B54-8D58-4951-B6B6-1C9860274C8E}" type="pres">
       <dgm:prSet presAssocID="{D46BB214-ECDE-477C-B1C7-EAA71933BACE}" presName="root2" presStyleCnt="0"/>
@@ -2243,6 +2586,13 @@
         </dgm:presLayoutVars>
       </dgm:prSet>
       <dgm:spPr/>
+      <dgm:t>
+        <a:bodyPr/>
+        <a:lstStyle/>
+        <a:p>
+          <a:endParaRPr lang="es-ES"/>
+        </a:p>
+      </dgm:t>
     </dgm:pt>
     <dgm:pt modelId="{8CFC6301-4D76-42C7-BFE6-897E0311697C}" type="pres">
       <dgm:prSet presAssocID="{D46BB214-ECDE-477C-B1C7-EAA71933BACE}" presName="level3hierChild" presStyleCnt="0"/>
@@ -2251,10 +2601,24 @@
     <dgm:pt modelId="{698D5EF6-6D12-4061-88E5-5E8825772A19}" type="pres">
       <dgm:prSet presAssocID="{35AB48A9-1300-4BD5-8CBF-8E807A0ECBD4}" presName="conn2-1" presStyleLbl="parChTrans1D2" presStyleIdx="3" presStyleCnt="6"/>
       <dgm:spPr/>
+      <dgm:t>
+        <a:bodyPr/>
+        <a:lstStyle/>
+        <a:p>
+          <a:endParaRPr lang="es-ES"/>
+        </a:p>
+      </dgm:t>
     </dgm:pt>
     <dgm:pt modelId="{2985DE3F-4E31-4120-BA36-866DCE422D96}" type="pres">
       <dgm:prSet presAssocID="{35AB48A9-1300-4BD5-8CBF-8E807A0ECBD4}" presName="connTx" presStyleLbl="parChTrans1D2" presStyleIdx="3" presStyleCnt="6"/>
       <dgm:spPr/>
+      <dgm:t>
+        <a:bodyPr/>
+        <a:lstStyle/>
+        <a:p>
+          <a:endParaRPr lang="es-ES"/>
+        </a:p>
+      </dgm:t>
     </dgm:pt>
     <dgm:pt modelId="{03B4830D-93C4-4B3B-A28A-CAAFABFE3156}" type="pres">
       <dgm:prSet presAssocID="{CB36923F-7B0C-4F83-8707-AFA3DB0C0A5E}" presName="root2" presStyleCnt="0"/>
@@ -2267,6 +2631,13 @@
         </dgm:presLayoutVars>
       </dgm:prSet>
       <dgm:spPr/>
+      <dgm:t>
+        <a:bodyPr/>
+        <a:lstStyle/>
+        <a:p>
+          <a:endParaRPr lang="es-ES"/>
+        </a:p>
+      </dgm:t>
     </dgm:pt>
     <dgm:pt modelId="{A7E4CB4E-CCA5-4BB0-BB88-D489E81FFF08}" type="pres">
       <dgm:prSet presAssocID="{CB36923F-7B0C-4F83-8707-AFA3DB0C0A5E}" presName="level3hierChild" presStyleCnt="0"/>
@@ -2275,10 +2646,24 @@
     <dgm:pt modelId="{B71402E3-4CE0-4A97-87DE-07C3467EE444}" type="pres">
       <dgm:prSet presAssocID="{BF93CB55-A873-4673-8274-E521FC71B063}" presName="conn2-1" presStyleLbl="parChTrans1D3" presStyleIdx="5" presStyleCnt="8"/>
       <dgm:spPr/>
+      <dgm:t>
+        <a:bodyPr/>
+        <a:lstStyle/>
+        <a:p>
+          <a:endParaRPr lang="es-ES"/>
+        </a:p>
+      </dgm:t>
     </dgm:pt>
     <dgm:pt modelId="{20573BA9-FC9F-43F7-AAFD-94ACF9104640}" type="pres">
       <dgm:prSet presAssocID="{BF93CB55-A873-4673-8274-E521FC71B063}" presName="connTx" presStyleLbl="parChTrans1D3" presStyleIdx="5" presStyleCnt="8"/>
       <dgm:spPr/>
+      <dgm:t>
+        <a:bodyPr/>
+        <a:lstStyle/>
+        <a:p>
+          <a:endParaRPr lang="es-ES"/>
+        </a:p>
+      </dgm:t>
     </dgm:pt>
     <dgm:pt modelId="{130ED109-35C9-48F0-B651-8DBD0BF5C563}" type="pres">
       <dgm:prSet presAssocID="{966FF253-3587-4C11-8FEC-C0BC13CAA401}" presName="root2" presStyleCnt="0"/>
@@ -2291,6 +2676,13 @@
         </dgm:presLayoutVars>
       </dgm:prSet>
       <dgm:spPr/>
+      <dgm:t>
+        <a:bodyPr/>
+        <a:lstStyle/>
+        <a:p>
+          <a:endParaRPr lang="es-ES"/>
+        </a:p>
+      </dgm:t>
     </dgm:pt>
     <dgm:pt modelId="{C55B0099-D3F6-49E2-BBE6-F9D25C19412D}" type="pres">
       <dgm:prSet presAssocID="{966FF253-3587-4C11-8FEC-C0BC13CAA401}" presName="level3hierChild" presStyleCnt="0"/>
@@ -2299,10 +2691,24 @@
     <dgm:pt modelId="{C436168E-7472-4AF7-9298-4B5D1762B948}" type="pres">
       <dgm:prSet presAssocID="{53E3B8D3-612E-4E09-BFC9-CDBC1ABD610F}" presName="conn2-1" presStyleLbl="parChTrans1D2" presStyleIdx="4" presStyleCnt="6"/>
       <dgm:spPr/>
+      <dgm:t>
+        <a:bodyPr/>
+        <a:lstStyle/>
+        <a:p>
+          <a:endParaRPr lang="es-ES"/>
+        </a:p>
+      </dgm:t>
     </dgm:pt>
     <dgm:pt modelId="{037A47FC-C4E0-48FE-B2D8-C1BC2FB5406C}" type="pres">
       <dgm:prSet presAssocID="{53E3B8D3-612E-4E09-BFC9-CDBC1ABD610F}" presName="connTx" presStyleLbl="parChTrans1D2" presStyleIdx="4" presStyleCnt="6"/>
       <dgm:spPr/>
+      <dgm:t>
+        <a:bodyPr/>
+        <a:lstStyle/>
+        <a:p>
+          <a:endParaRPr lang="es-ES"/>
+        </a:p>
+      </dgm:t>
     </dgm:pt>
     <dgm:pt modelId="{9480F0C8-2E39-4831-B66D-E6F590D87F3B}" type="pres">
       <dgm:prSet presAssocID="{D03542B2-16F3-4EFB-A072-801DF1C724BC}" presName="root2" presStyleCnt="0"/>
@@ -2315,6 +2721,13 @@
         </dgm:presLayoutVars>
       </dgm:prSet>
       <dgm:spPr/>
+      <dgm:t>
+        <a:bodyPr/>
+        <a:lstStyle/>
+        <a:p>
+          <a:endParaRPr lang="es-ES"/>
+        </a:p>
+      </dgm:t>
     </dgm:pt>
     <dgm:pt modelId="{283D0108-1F17-4167-A981-9FF4DB97D9FE}" type="pres">
       <dgm:prSet presAssocID="{D03542B2-16F3-4EFB-A072-801DF1C724BC}" presName="level3hierChild" presStyleCnt="0"/>
@@ -2323,10 +2736,24 @@
     <dgm:pt modelId="{77937493-C75F-4F12-A71E-969B6669BF76}" type="pres">
       <dgm:prSet presAssocID="{E1460541-8638-4ABB-BBA3-DE5ED688BF93}" presName="conn2-1" presStyleLbl="parChTrans1D3" presStyleIdx="6" presStyleCnt="8"/>
       <dgm:spPr/>
+      <dgm:t>
+        <a:bodyPr/>
+        <a:lstStyle/>
+        <a:p>
+          <a:endParaRPr lang="es-ES"/>
+        </a:p>
+      </dgm:t>
     </dgm:pt>
     <dgm:pt modelId="{F0C286D4-2B39-4BF3-B9A6-3EE705B82A4C}" type="pres">
       <dgm:prSet presAssocID="{E1460541-8638-4ABB-BBA3-DE5ED688BF93}" presName="connTx" presStyleLbl="parChTrans1D3" presStyleIdx="6" presStyleCnt="8"/>
       <dgm:spPr/>
+      <dgm:t>
+        <a:bodyPr/>
+        <a:lstStyle/>
+        <a:p>
+          <a:endParaRPr lang="es-ES"/>
+        </a:p>
+      </dgm:t>
     </dgm:pt>
     <dgm:pt modelId="{7902A8D5-EEEA-4D46-932C-661625F056ED}" type="pres">
       <dgm:prSet presAssocID="{8938A349-BB9D-4DEB-8C49-1101AE0CC7F3}" presName="root2" presStyleCnt="0"/>
@@ -2339,6 +2766,13 @@
         </dgm:presLayoutVars>
       </dgm:prSet>
       <dgm:spPr/>
+      <dgm:t>
+        <a:bodyPr/>
+        <a:lstStyle/>
+        <a:p>
+          <a:endParaRPr lang="es-ES"/>
+        </a:p>
+      </dgm:t>
     </dgm:pt>
     <dgm:pt modelId="{42CC2F25-296F-433D-805B-4699A9101D06}" type="pres">
       <dgm:prSet presAssocID="{8938A349-BB9D-4DEB-8C49-1101AE0CC7F3}" presName="level3hierChild" presStyleCnt="0"/>
@@ -2347,10 +2781,24 @@
     <dgm:pt modelId="{0D107382-6F24-411A-A483-3D119237911F}" type="pres">
       <dgm:prSet presAssocID="{CBC25389-9B98-4DBB-AC07-A94A4B942CEC}" presName="conn2-1" presStyleLbl="parChTrans1D4" presStyleIdx="8" presStyleCnt="9"/>
       <dgm:spPr/>
+      <dgm:t>
+        <a:bodyPr/>
+        <a:lstStyle/>
+        <a:p>
+          <a:endParaRPr lang="es-ES"/>
+        </a:p>
+      </dgm:t>
     </dgm:pt>
     <dgm:pt modelId="{D59BAFDB-9B88-40C7-A4B8-3424C6C16110}" type="pres">
       <dgm:prSet presAssocID="{CBC25389-9B98-4DBB-AC07-A94A4B942CEC}" presName="connTx" presStyleLbl="parChTrans1D4" presStyleIdx="8" presStyleCnt="9"/>
       <dgm:spPr/>
+      <dgm:t>
+        <a:bodyPr/>
+        <a:lstStyle/>
+        <a:p>
+          <a:endParaRPr lang="es-ES"/>
+        </a:p>
+      </dgm:t>
     </dgm:pt>
     <dgm:pt modelId="{AB01460F-EC26-4C1C-A0CC-D7222652F1DC}" type="pres">
       <dgm:prSet presAssocID="{FE42A88A-E9AF-4334-806E-73A016D07A0B}" presName="root2" presStyleCnt="0"/>
@@ -2363,6 +2811,13 @@
         </dgm:presLayoutVars>
       </dgm:prSet>
       <dgm:spPr/>
+      <dgm:t>
+        <a:bodyPr/>
+        <a:lstStyle/>
+        <a:p>
+          <a:endParaRPr lang="es-ES"/>
+        </a:p>
+      </dgm:t>
     </dgm:pt>
     <dgm:pt modelId="{1FD64179-0519-458D-925C-50E36B6BA857}" type="pres">
       <dgm:prSet presAssocID="{FE42A88A-E9AF-4334-806E-73A016D07A0B}" presName="level3hierChild" presStyleCnt="0"/>
@@ -2371,10 +2826,24 @@
     <dgm:pt modelId="{B8B7796E-16AF-4FF2-96F8-4A2F73A4E1C9}" type="pres">
       <dgm:prSet presAssocID="{DC7187DA-E214-4248-BA42-497ABADB8E40}" presName="conn2-1" presStyleLbl="parChTrans1D2" presStyleIdx="5" presStyleCnt="6"/>
       <dgm:spPr/>
+      <dgm:t>
+        <a:bodyPr/>
+        <a:lstStyle/>
+        <a:p>
+          <a:endParaRPr lang="es-ES"/>
+        </a:p>
+      </dgm:t>
     </dgm:pt>
     <dgm:pt modelId="{F4C01140-4360-4A7C-9674-7B8840DEBF02}" type="pres">
       <dgm:prSet presAssocID="{DC7187DA-E214-4248-BA42-497ABADB8E40}" presName="connTx" presStyleLbl="parChTrans1D2" presStyleIdx="5" presStyleCnt="6"/>
       <dgm:spPr/>
+      <dgm:t>
+        <a:bodyPr/>
+        <a:lstStyle/>
+        <a:p>
+          <a:endParaRPr lang="es-ES"/>
+        </a:p>
+      </dgm:t>
     </dgm:pt>
     <dgm:pt modelId="{B98C1AEA-BC95-4B92-85CB-45B1B727D06C}" type="pres">
       <dgm:prSet presAssocID="{7EAAFB5F-FEBD-4331-BE61-AFB2FC9092C9}" presName="root2" presStyleCnt="0"/>
@@ -2387,6 +2856,13 @@
         </dgm:presLayoutVars>
       </dgm:prSet>
       <dgm:spPr/>
+      <dgm:t>
+        <a:bodyPr/>
+        <a:lstStyle/>
+        <a:p>
+          <a:endParaRPr lang="es-ES"/>
+        </a:p>
+      </dgm:t>
     </dgm:pt>
     <dgm:pt modelId="{E45D6514-8803-4908-956C-3D0FB5BFC96E}" type="pres">
       <dgm:prSet presAssocID="{7EAAFB5F-FEBD-4331-BE61-AFB2FC9092C9}" presName="level3hierChild" presStyleCnt="0"/>
@@ -2395,10 +2871,24 @@
     <dgm:pt modelId="{776FF87B-F0BC-4584-AE1C-24B22D621384}" type="pres">
       <dgm:prSet presAssocID="{8930935A-CAAC-4D57-965A-28DFB66BE5F4}" presName="conn2-1" presStyleLbl="parChTrans1D3" presStyleIdx="7" presStyleCnt="8"/>
       <dgm:spPr/>
+      <dgm:t>
+        <a:bodyPr/>
+        <a:lstStyle/>
+        <a:p>
+          <a:endParaRPr lang="es-ES"/>
+        </a:p>
+      </dgm:t>
     </dgm:pt>
     <dgm:pt modelId="{54CF41C1-77B8-4637-84CA-C65DB4197F90}" type="pres">
       <dgm:prSet presAssocID="{8930935A-CAAC-4D57-965A-28DFB66BE5F4}" presName="connTx" presStyleLbl="parChTrans1D3" presStyleIdx="7" presStyleCnt="8"/>
       <dgm:spPr/>
+      <dgm:t>
+        <a:bodyPr/>
+        <a:lstStyle/>
+        <a:p>
+          <a:endParaRPr lang="es-ES"/>
+        </a:p>
+      </dgm:t>
     </dgm:pt>
     <dgm:pt modelId="{57DC239E-7A8D-493D-92E8-EA28FD052373}" type="pres">
       <dgm:prSet presAssocID="{57433F99-F708-4F58-94E5-02093D6AA866}" presName="root2" presStyleCnt="0"/>
@@ -2411,6 +2901,13 @@
         </dgm:presLayoutVars>
       </dgm:prSet>
       <dgm:spPr/>
+      <dgm:t>
+        <a:bodyPr/>
+        <a:lstStyle/>
+        <a:p>
+          <a:endParaRPr lang="es-ES"/>
+        </a:p>
+      </dgm:t>
     </dgm:pt>
     <dgm:pt modelId="{949A84D4-0EDE-49D6-9429-DC2DAA8A470B}" type="pres">
       <dgm:prSet presAssocID="{57433F99-F708-4F58-94E5-02093D6AA866}" presName="level3hierChild" presStyleCnt="0"/>
@@ -2418,101 +2915,101 @@
     </dgm:pt>
   </dgm:ptLst>
   <dgm:cxnLst>
-    <dgm:cxn modelId="{121E4201-DCF1-4D9E-8D16-83E9BAE47841}" type="presOf" srcId="{52539E7A-43F5-4E10-9DDC-01B3396399F8}" destId="{C3ED37B6-D9D7-4DD3-86A6-14B8D93F143F}" srcOrd="1" destOrd="0" presId="urn:microsoft.com/office/officeart/2005/8/layout/hierarchy2"/>
-    <dgm:cxn modelId="{E3B89E01-EC00-44F3-852C-ED92EA7BF876}" type="presOf" srcId="{FB83C6F6-F8B7-41FC-BBF8-0B2F92A002C1}" destId="{1968E761-EEC0-4D9F-9DFB-64EC53305073}" srcOrd="1" destOrd="0" presId="urn:microsoft.com/office/officeart/2005/8/layout/hierarchy2"/>
+    <dgm:cxn modelId="{10DEC323-6C02-4DCB-A59A-EAA3AA230520}" type="presOf" srcId="{35AB48A9-1300-4BD5-8CBF-8E807A0ECBD4}" destId="{2985DE3F-4E31-4120-BA36-866DCE422D96}" srcOrd="1" destOrd="0" presId="urn:microsoft.com/office/officeart/2005/8/layout/hierarchy2"/>
+    <dgm:cxn modelId="{ABF3C304-6D4B-4D11-B608-946FE01CC9ED}" type="presOf" srcId="{A028C982-2A92-43B9-B350-D57C10FBAB0A}" destId="{1CEE8638-8326-4A74-8D12-808D1DDFFCA7}" srcOrd="1" destOrd="0" presId="urn:microsoft.com/office/officeart/2005/8/layout/hierarchy2"/>
     <dgm:cxn modelId="{97359B02-4B6D-4C39-9E8D-0FFA24AC77FB}" type="presOf" srcId="{966FF253-3587-4C11-8FEC-C0BC13CAA401}" destId="{9306F3D2-DD44-4CC5-A27F-4D1DDD91030B}" srcOrd="0" destOrd="0" presId="urn:microsoft.com/office/officeart/2005/8/layout/hierarchy2"/>
+    <dgm:cxn modelId="{D61AEB2B-7CF6-49A1-95F4-74FCFFD26FBC}" type="presOf" srcId="{77123F68-3803-4A64-A39D-4F1672ACD934}" destId="{AA98D9DA-09E4-40BD-B36D-FC56D05BD4C9}" srcOrd="1" destOrd="0" presId="urn:microsoft.com/office/officeart/2005/8/layout/hierarchy2"/>
+    <dgm:cxn modelId="{A6072363-322C-4775-9E48-B29A0A2910CD}" type="presOf" srcId="{8938A349-BB9D-4DEB-8C49-1101AE0CC7F3}" destId="{FF7FEC23-402C-4A14-B257-1A8DCA291C86}" srcOrd="0" destOrd="0" presId="urn:microsoft.com/office/officeart/2005/8/layout/hierarchy2"/>
+    <dgm:cxn modelId="{7F444FD0-E1C3-4213-8174-32BAF26158E5}" type="presOf" srcId="{80E74D8C-542F-4CC5-BC98-FAF5FE974176}" destId="{E2D2FF66-6440-418D-90AF-014434079EB4}" srcOrd="0" destOrd="0" presId="urn:microsoft.com/office/officeart/2005/8/layout/hierarchy2"/>
+    <dgm:cxn modelId="{52598419-1BF1-4010-88B4-8665541AD742}" srcId="{8938A349-BB9D-4DEB-8C49-1101AE0CC7F3}" destId="{FE42A88A-E9AF-4334-806E-73A016D07A0B}" srcOrd="0" destOrd="0" parTransId="{CBC25389-9B98-4DBB-AC07-A94A4B942CEC}" sibTransId="{2AD9649B-3779-4AA5-A077-223A64EC9C3D}"/>
+    <dgm:cxn modelId="{9C087B4D-1C9C-4D0D-B9C1-F25B02A5DA2D}" srcId="{AF5A8C4F-0B2D-47AB-BC91-456F9D955560}" destId="{4CA19D27-1525-4917-9452-1D98D69E4E90}" srcOrd="0" destOrd="0" parTransId="{F9211877-83EE-4FB3-80F5-800BE2268021}" sibTransId="{A1A26B75-3525-4CE9-9D19-80750785A1B4}"/>
+    <dgm:cxn modelId="{B4509735-09FB-488F-831C-CE3C5ACF6A07}" srcId="{582268F8-C507-49AD-8DD2-CCA1A89A9B6A}" destId="{5D9C9459-6708-44EE-95A4-812372C730CE}" srcOrd="1" destOrd="0" parTransId="{FB83C6F6-F8B7-41FC-BBF8-0B2F92A002C1}" sibTransId="{6B2BF8AF-AECF-4EAB-ABDF-DC2B33A99232}"/>
+    <dgm:cxn modelId="{F332FB6D-9647-477F-AB7A-74532B3F9099}" type="presOf" srcId="{582268F8-C507-49AD-8DD2-CCA1A89A9B6A}" destId="{C9223ED6-F45B-406F-A22C-6AE3991901A1}" srcOrd="0" destOrd="0" presId="urn:microsoft.com/office/officeart/2005/8/layout/hierarchy2"/>
+    <dgm:cxn modelId="{7D44A17F-0E7A-4CD0-A1BF-76310241DF39}" type="presOf" srcId="{7EAAFB5F-FEBD-4331-BE61-AFB2FC9092C9}" destId="{61836AAE-9727-42F7-85A4-0FC8671C5CC3}" srcOrd="0" destOrd="0" presId="urn:microsoft.com/office/officeart/2005/8/layout/hierarchy2"/>
+    <dgm:cxn modelId="{DE28E132-45D0-4F62-8307-965D05DEBBC1}" type="presOf" srcId="{6E9B27E2-CE02-4660-860A-F45613B62EF8}" destId="{5EF827FB-54C7-4D9F-9324-A47445BB9FCE}" srcOrd="0" destOrd="0" presId="urn:microsoft.com/office/officeart/2005/8/layout/hierarchy2"/>
+    <dgm:cxn modelId="{3C4CF392-4543-41C5-BADD-3BB12922ECC0}" type="presOf" srcId="{7863B7E2-F15F-4225-85BA-E5F85442CECA}" destId="{C6AA5DF5-3707-4789-8F01-87EBF3477839}" srcOrd="0" destOrd="0" presId="urn:microsoft.com/office/officeart/2005/8/layout/hierarchy2"/>
+    <dgm:cxn modelId="{F5AFB369-A98A-4D3A-A31A-AAADC7B6BEE5}" type="presOf" srcId="{E6B63A6B-5C6A-461C-92B5-8BC27C7F3CF4}" destId="{82CDBEEB-67A4-4593-8D81-0C328B2F3D7C}" srcOrd="0" destOrd="0" presId="urn:microsoft.com/office/officeart/2005/8/layout/hierarchy2"/>
+    <dgm:cxn modelId="{61A3AE0D-CB42-4142-A2F5-3424F8341B8B}" type="presOf" srcId="{D03542B2-16F3-4EFB-A072-801DF1C724BC}" destId="{D96CF026-ECA0-4F8E-A023-D83410F44A45}" srcOrd="0" destOrd="0" presId="urn:microsoft.com/office/officeart/2005/8/layout/hierarchy2"/>
+    <dgm:cxn modelId="{FD7E0F41-D034-44ED-86B1-7D57D9DD4BAC}" type="presOf" srcId="{2013A976-9626-4706-B736-CCEBC9A526D4}" destId="{5FF16927-7532-4194-BC03-AE89F4CC6F01}" srcOrd="1" destOrd="0" presId="urn:microsoft.com/office/officeart/2005/8/layout/hierarchy2"/>
+    <dgm:cxn modelId="{B81E1CC2-27E4-46C4-B2F4-DD3B41FCC369}" type="presOf" srcId="{01BCC422-7019-4C31-B5AB-55F8D4FEDC1F}" destId="{84D6CAB9-2D30-488C-9250-B000E3F6DD63}" srcOrd="0" destOrd="0" presId="urn:microsoft.com/office/officeart/2005/8/layout/hierarchy2"/>
+    <dgm:cxn modelId="{BEE0358A-62E0-4EC9-B885-8BC6241C4C5A}" srcId="{DA2418C7-90B6-4AB4-9DCD-6BE17FA2427C}" destId="{F02892E4-4798-4CFA-9FE2-B8361D851E5B}" srcOrd="0" destOrd="0" parTransId="{E088F082-27AE-4CD1-AD61-F31A8A5B04A8}" sibTransId="{C62BB59E-1EDB-405C-A616-7E3B57EC7443}"/>
+    <dgm:cxn modelId="{05B44E97-8784-4F20-A841-EE6000A3A571}" type="presOf" srcId="{9C4DFB95-232B-49DD-A6E2-B4AD62E042DC}" destId="{927FAD8B-6756-4069-B973-DFC306B9782C}" srcOrd="1" destOrd="0" presId="urn:microsoft.com/office/officeart/2005/8/layout/hierarchy2"/>
+    <dgm:cxn modelId="{0904D955-AC32-4A73-8B43-4F22C10A48BD}" type="presOf" srcId="{4CA19D27-1525-4917-9452-1D98D69E4E90}" destId="{3D54E95E-3451-4A01-8E77-2ACBC8C1E174}" srcOrd="0" destOrd="0" presId="urn:microsoft.com/office/officeart/2005/8/layout/hierarchy2"/>
+    <dgm:cxn modelId="{7E47D7EE-B962-4C7A-A547-18793467B128}" type="presOf" srcId="{F9211877-83EE-4FB3-80F5-800BE2268021}" destId="{2E5CE375-6246-43EE-91D7-C33E9AE5782A}" srcOrd="0" destOrd="0" presId="urn:microsoft.com/office/officeart/2005/8/layout/hierarchy2"/>
+    <dgm:cxn modelId="{EDECEC30-9BA0-492F-BF82-89A9F5F8F7A5}" type="presOf" srcId="{A66F1D8E-5685-46E3-BE8D-7FCA83E9FDE9}" destId="{F9979F22-0827-468E-B344-F8893B828C5D}" srcOrd="0" destOrd="0" presId="urn:microsoft.com/office/officeart/2005/8/layout/hierarchy2"/>
+    <dgm:cxn modelId="{1A5E54E8-DF34-44F6-976B-F20C96B8F489}" srcId="{F02892E4-4798-4CFA-9FE2-B8361D851E5B}" destId="{8AA86B0C-D917-4176-94E6-205946283056}" srcOrd="2" destOrd="0" parTransId="{9ADB1338-2672-492F-ABA6-2927C5674444}" sibTransId="{A8ACEC76-E104-40ED-8181-D63219F5849E}"/>
+    <dgm:cxn modelId="{74328CAE-2988-4BA6-A827-5CE2EACCB424}" srcId="{F02892E4-4798-4CFA-9FE2-B8361D851E5B}" destId="{AF5A8C4F-0B2D-47AB-BC91-456F9D955560}" srcOrd="0" destOrd="0" parTransId="{2013A976-9626-4706-B736-CCEBC9A526D4}" sibTransId="{B926D51B-FA02-4C34-BCF2-DAEEF57CF5FD}"/>
+    <dgm:cxn modelId="{EC8E13F7-05E2-4CC0-B576-0E8C98DC4F07}" srcId="{7EAAFB5F-FEBD-4331-BE61-AFB2FC9092C9}" destId="{57433F99-F708-4F58-94E5-02093D6AA866}" srcOrd="0" destOrd="0" parTransId="{8930935A-CAAC-4D57-965A-28DFB66BE5F4}" sibTransId="{D989D43B-DC52-48E3-862E-96DC1ECA1F98}"/>
+    <dgm:cxn modelId="{92849D34-B6CC-409F-9461-CDEAE97CE348}" type="presOf" srcId="{AE69E38B-C9B3-42E5-87D3-30B557227A8E}" destId="{441FB366-D47B-42BC-BB39-1106869C34C1}" srcOrd="1" destOrd="0" presId="urn:microsoft.com/office/officeart/2005/8/layout/hierarchy2"/>
+    <dgm:cxn modelId="{8BFAF24A-68A5-4713-BC0A-EF9DF3CE33E7}" type="presOf" srcId="{CB451582-96A1-4422-B6F9-BBD688E3A0E3}" destId="{9E30B63F-2FB0-43E9-BD66-D69A79C603CD}" srcOrd="1" destOrd="0" presId="urn:microsoft.com/office/officeart/2005/8/layout/hierarchy2"/>
+    <dgm:cxn modelId="{55D403F6-7B4B-4267-83DF-F9EB8A24AE38}" type="presOf" srcId="{63FA7234-CD69-411D-8704-C339195B6FE1}" destId="{C82602F8-0349-4B99-A39A-33C65352B125}" srcOrd="0" destOrd="0" presId="urn:microsoft.com/office/officeart/2005/8/layout/hierarchy2"/>
+    <dgm:cxn modelId="{2FD2222E-89B7-4145-9549-9978BA1969ED}" type="presOf" srcId="{B584F320-C209-4EC3-93BC-D68F9FB62184}" destId="{7D1DC272-07EF-4020-9DA3-6B0F294CFDFC}" srcOrd="0" destOrd="0" presId="urn:microsoft.com/office/officeart/2005/8/layout/hierarchy2"/>
+    <dgm:cxn modelId="{9F5C4535-C071-411D-B284-92A8CB500CEC}" type="presOf" srcId="{77123F68-3803-4A64-A39D-4F1672ACD934}" destId="{DA919181-FAAD-4C16-B75A-7594C7148CE1}" srcOrd="0" destOrd="0" presId="urn:microsoft.com/office/officeart/2005/8/layout/hierarchy2"/>
+    <dgm:cxn modelId="{0D16DF6E-BE85-4A2F-B90A-FFB932958120}" type="presOf" srcId="{CB36923F-7B0C-4F83-8707-AFA3DB0C0A5E}" destId="{59C4D808-1654-4A0C-ABE0-04874B55021B}" srcOrd="0" destOrd="0" presId="urn:microsoft.com/office/officeart/2005/8/layout/hierarchy2"/>
+    <dgm:cxn modelId="{DEB70E45-1BE0-4092-A17E-22B8044AB9CB}" type="presOf" srcId="{57433F99-F708-4F58-94E5-02093D6AA866}" destId="{DDA46FC9-3943-4A0D-8CEE-141A745265D1}" srcOrd="0" destOrd="0" presId="urn:microsoft.com/office/officeart/2005/8/layout/hierarchy2"/>
+    <dgm:cxn modelId="{D52886C3-6C7E-47EF-BA25-28571BEC6678}" type="presOf" srcId="{E1460541-8638-4ABB-BBA3-DE5ED688BF93}" destId="{77937493-C75F-4F12-A71E-969B6669BF76}" srcOrd="0" destOrd="0" presId="urn:microsoft.com/office/officeart/2005/8/layout/hierarchy2"/>
+    <dgm:cxn modelId="{1CB88B0C-7DDF-4A46-9BA1-F08678C3A3BF}" type="presOf" srcId="{8AA86B0C-D917-4176-94E6-205946283056}" destId="{BD0BCFE7-22B1-4182-814E-F62956F76F85}" srcOrd="0" destOrd="0" presId="urn:microsoft.com/office/officeart/2005/8/layout/hierarchy2"/>
+    <dgm:cxn modelId="{68A6A45E-F497-46CA-9741-2C1132D2A8A9}" srcId="{8AA86B0C-D917-4176-94E6-205946283056}" destId="{D46BB214-ECDE-477C-B1C7-EAA71933BACE}" srcOrd="0" destOrd="0" parTransId="{52539E7A-43F5-4E10-9DDC-01B3396399F8}" sibTransId="{23FFC5AD-36D1-4888-AEF5-07EFF8EE5DF7}"/>
+    <dgm:cxn modelId="{133F74E0-AF89-490F-AB36-CE45742E2C3E}" type="presOf" srcId="{F9211877-83EE-4FB3-80F5-800BE2268021}" destId="{BC212194-7374-4269-968B-01AE26C8E7E7}" srcOrd="1" destOrd="0" presId="urn:microsoft.com/office/officeart/2005/8/layout/hierarchy2"/>
+    <dgm:cxn modelId="{DFE75D1D-1F48-41DE-BBA2-15B6EA5624A7}" type="presOf" srcId="{6DCD5A69-E68C-4867-AFE1-DA5BA10D38F8}" destId="{84A95C67-F5EC-4C5B-95F8-36700353F4DB}" srcOrd="0" destOrd="0" presId="urn:microsoft.com/office/officeart/2005/8/layout/hierarchy2"/>
+    <dgm:cxn modelId="{9B1FE634-3AA7-4943-B03B-11A59C33BFEA}" srcId="{F02892E4-4798-4CFA-9FE2-B8361D851E5B}" destId="{7EAAFB5F-FEBD-4331-BE61-AFB2FC9092C9}" srcOrd="5" destOrd="0" parTransId="{DC7187DA-E214-4248-BA42-497ABADB8E40}" sibTransId="{6D86F8DC-E69F-4F60-93AB-B567DEEA4E5B}"/>
+    <dgm:cxn modelId="{EF14A7AE-E1A4-4022-9945-DA294D573D26}" srcId="{6DCD5A69-E68C-4867-AFE1-DA5BA10D38F8}" destId="{1546E2A4-646A-438F-90F9-AF0CAE732DAC}" srcOrd="1" destOrd="0" parTransId="{5ADC04EF-F9E3-49C9-8B1F-7A938E956F49}" sibTransId="{2A250AF9-6DC5-46F1-8DC2-A0C6B2D152A6}"/>
+    <dgm:cxn modelId="{AC2C67C9-F239-4C9E-A8BC-2F6536C8BAE4}" type="presOf" srcId="{DC7187DA-E214-4248-BA42-497ABADB8E40}" destId="{B8B7796E-16AF-4FF2-96F8-4A2F73A4E1C9}" srcOrd="0" destOrd="0" presId="urn:microsoft.com/office/officeart/2005/8/layout/hierarchy2"/>
+    <dgm:cxn modelId="{BACB3157-854D-4152-A217-60AEB3AF45AC}" type="presOf" srcId="{5ADC04EF-F9E3-49C9-8B1F-7A938E956F49}" destId="{F613943E-168E-40AB-9475-7456F53CCF9A}" srcOrd="0" destOrd="0" presId="urn:microsoft.com/office/officeart/2005/8/layout/hierarchy2"/>
+    <dgm:cxn modelId="{A8D16A68-F727-4BD9-BDA0-9FB88C94AFC9}" type="presOf" srcId="{FE42A88A-E9AF-4334-806E-73A016D07A0B}" destId="{2BD0C697-77BF-4BCA-AA65-69E8966A730F}" srcOrd="0" destOrd="0" presId="urn:microsoft.com/office/officeart/2005/8/layout/hierarchy2"/>
+    <dgm:cxn modelId="{18C74A98-6F6B-459C-BCC3-3B1C8B4D1938}" type="presOf" srcId="{755EFD14-40AD-48B6-B94C-C4DE10443888}" destId="{3F357979-74FE-416F-967C-D5ACFBDD7196}" srcOrd="0" destOrd="0" presId="urn:microsoft.com/office/officeart/2005/8/layout/hierarchy2"/>
+    <dgm:cxn modelId="{1B252647-DF18-4F34-82FA-8439889ED857}" type="presOf" srcId="{BF93CB55-A873-4673-8274-E521FC71B063}" destId="{20573BA9-FC9F-43F7-AAFD-94ACF9104640}" srcOrd="1" destOrd="0" presId="urn:microsoft.com/office/officeart/2005/8/layout/hierarchy2"/>
+    <dgm:cxn modelId="{37F47F6F-7075-45CA-89A4-14643B744395}" srcId="{755EFD14-40AD-48B6-B94C-C4DE10443888}" destId="{E6B63A6B-5C6A-461C-92B5-8BC27C7F3CF4}" srcOrd="0" destOrd="0" parTransId="{F5641F43-DBCB-42CF-9810-CE2938BA372C}" sibTransId="{8EC2AF54-6641-435E-8216-32B3B7D4869A}"/>
+    <dgm:cxn modelId="{30F01E90-57BC-4524-8DFF-046A2F843514}" srcId="{CB36923F-7B0C-4F83-8707-AFA3DB0C0A5E}" destId="{966FF253-3587-4C11-8FEC-C0BC13CAA401}" srcOrd="0" destOrd="0" parTransId="{BF93CB55-A873-4673-8274-E521FC71B063}" sibTransId="{14E715A6-3941-49FC-98B8-9A4500D003D8}"/>
+    <dgm:cxn modelId="{B5D2A572-90DF-4008-8AF1-8B52D234637D}" type="presOf" srcId="{8930935A-CAAC-4D57-965A-28DFB66BE5F4}" destId="{54CF41C1-77B8-4637-84CA-C65DB4197F90}" srcOrd="1" destOrd="0" presId="urn:microsoft.com/office/officeart/2005/8/layout/hierarchy2"/>
+    <dgm:cxn modelId="{90D23730-F667-4700-8932-788C35C98B4A}" type="presOf" srcId="{41CCBF91-7BF8-4961-8F93-C0B5B64E05DB}" destId="{194E73C5-2BD5-40A2-9EE8-3E42BE47378E}" srcOrd="0" destOrd="0" presId="urn:microsoft.com/office/officeart/2005/8/layout/hierarchy2"/>
+    <dgm:cxn modelId="{511876F9-8468-4350-A0B0-CEB2599A1E27}" srcId="{6DCD5A69-E68C-4867-AFE1-DA5BA10D38F8}" destId="{B584F320-C209-4EC3-93BC-D68F9FB62184}" srcOrd="0" destOrd="0" parTransId="{A028C982-2A92-43B9-B350-D57C10FBAB0A}" sibTransId="{0DEB30A7-0B01-4417-8C65-683E58CF4304}"/>
+    <dgm:cxn modelId="{A2DCC83A-7ED2-47B4-8838-E867644BF7DA}" type="presOf" srcId="{DA2418C7-90B6-4AB4-9DCD-6BE17FA2427C}" destId="{C76B5BB1-98CF-4FEC-9022-FFB06C7F5DEF}" srcOrd="0" destOrd="0" presId="urn:microsoft.com/office/officeart/2005/8/layout/hierarchy2"/>
+    <dgm:cxn modelId="{ECFCA133-9CAD-4AC1-857C-794AB783565E}" type="presOf" srcId="{A69C5F1F-FD11-42A2-8CE6-F6266978F37A}" destId="{7FEC33F5-F480-4899-9890-221ABA751C3E}" srcOrd="0" destOrd="0" presId="urn:microsoft.com/office/officeart/2005/8/layout/hierarchy2"/>
+    <dgm:cxn modelId="{243A1AE1-8CB1-43D7-9EDE-656A4118D804}" type="presOf" srcId="{A66F1D8E-5685-46E3-BE8D-7FCA83E9FDE9}" destId="{FFF5DBD4-11AC-4A60-A1E0-7F73FD9B4013}" srcOrd="1" destOrd="0" presId="urn:microsoft.com/office/officeart/2005/8/layout/hierarchy2"/>
+    <dgm:cxn modelId="{E7954A64-094D-49C7-AD7E-50C4C8ECA34D}" type="presOf" srcId="{7863B7E2-F15F-4225-85BA-E5F85442CECA}" destId="{DD833ACC-8683-46BC-8B1C-9D9D20868D2B}" srcOrd="1" destOrd="0" presId="urn:microsoft.com/office/officeart/2005/8/layout/hierarchy2"/>
+    <dgm:cxn modelId="{C0271CB3-46B1-4421-ABC9-452E22697534}" type="presOf" srcId="{AF5A8C4F-0B2D-47AB-BC91-456F9D955560}" destId="{616D218F-7D5A-48F6-9518-2D6BFE9FC7E4}" srcOrd="0" destOrd="0" presId="urn:microsoft.com/office/officeart/2005/8/layout/hierarchy2"/>
+    <dgm:cxn modelId="{7190E95E-D414-4D3B-9212-5000439F9CB2}" type="presOf" srcId="{AE69E38B-C9B3-42E5-87D3-30B557227A8E}" destId="{72391683-CA39-4CBF-B3AB-442149D5D006}" srcOrd="0" destOrd="0" presId="urn:microsoft.com/office/officeart/2005/8/layout/hierarchy2"/>
+    <dgm:cxn modelId="{044E9C23-7A11-4242-A683-12875D61F112}" type="presOf" srcId="{1546E2A4-646A-438F-90F9-AF0CAE732DAC}" destId="{16F1E1B9-F608-43E8-8FBE-653972714A3F}" srcOrd="0" destOrd="0" presId="urn:microsoft.com/office/officeart/2005/8/layout/hierarchy2"/>
+    <dgm:cxn modelId="{A9541091-F219-4198-8068-5C261A5330BB}" srcId="{1546E2A4-646A-438F-90F9-AF0CAE732DAC}" destId="{A5E68B0A-0845-4BD0-9C59-75877FD895DB}" srcOrd="0" destOrd="0" parTransId="{9C4DFB95-232B-49DD-A6E2-B4AD62E042DC}" sibTransId="{54CFE0F6-BC74-4E55-A12B-D7CE5E7E7296}"/>
+    <dgm:cxn modelId="{97B480C9-3F5A-49AA-A342-BF753D5E5D56}" srcId="{4CA19D27-1525-4917-9452-1D98D69E4E90}" destId="{582268F8-C507-49AD-8DD2-CCA1A89A9B6A}" srcOrd="0" destOrd="0" parTransId="{63FA7234-CD69-411D-8704-C339195B6FE1}" sibTransId="{52080AC3-EBD0-4866-BAA7-3F006D757B2F}"/>
+    <dgm:cxn modelId="{9FF89FCD-D474-42A1-9BFE-AD0CDAC88A44}" srcId="{F02892E4-4798-4CFA-9FE2-B8361D851E5B}" destId="{6DCD5A69-E68C-4867-AFE1-DA5BA10D38F8}" srcOrd="1" destOrd="0" parTransId="{80E74D8C-542F-4CC5-BC98-FAF5FE974176}" sibTransId="{1F203E2A-B92A-4FB6-90A1-0FCE4C7ED6F2}"/>
+    <dgm:cxn modelId="{5D84086E-3CE7-4B5E-95A7-9FB842DA875E}" type="presOf" srcId="{5D9C9459-6708-44EE-95A4-812372C730CE}" destId="{421DB750-DCB0-42FC-9A20-77F0493E1097}" srcOrd="0" destOrd="0" presId="urn:microsoft.com/office/officeart/2005/8/layout/hierarchy2"/>
+    <dgm:cxn modelId="{4F7012CB-5DD0-4DBB-8B69-4BFB93CBB125}" srcId="{582268F8-C507-49AD-8DD2-CCA1A89A9B6A}" destId="{A69C5F1F-FD11-42A2-8CE6-F6266978F37A}" srcOrd="0" destOrd="0" parTransId="{77123F68-3803-4A64-A39D-4F1672ACD934}" sibTransId="{5470A283-618C-4AC3-8666-EEF1CCE24D0C}"/>
+    <dgm:cxn modelId="{40E24EC3-818E-42A9-ACE7-48633CAAE1B7}" type="presOf" srcId="{DC7187DA-E214-4248-BA42-497ABADB8E40}" destId="{F4C01140-4360-4A7C-9674-7B8840DEBF02}" srcOrd="1" destOrd="0" presId="urn:microsoft.com/office/officeart/2005/8/layout/hierarchy2"/>
+    <dgm:cxn modelId="{8C8046B8-4B91-43C9-8D06-D68ED8F86A7D}" type="presOf" srcId="{F5641F43-DBCB-42CF-9810-CE2938BA372C}" destId="{224E18EF-F645-4465-A195-E8400C0E1586}" srcOrd="1" destOrd="0" presId="urn:microsoft.com/office/officeart/2005/8/layout/hierarchy2"/>
+    <dgm:cxn modelId="{7DA742C6-E30A-46AB-98A2-B6ED982137AC}" type="presOf" srcId="{9C4DFB95-232B-49DD-A6E2-B4AD62E042DC}" destId="{ED0E97A1-321D-4845-A906-80C74040ED25}" srcOrd="0" destOrd="0" presId="urn:microsoft.com/office/officeart/2005/8/layout/hierarchy2"/>
+    <dgm:cxn modelId="{BDA5018F-24C9-4CA6-871D-1537B1F8C0B8}" type="presOf" srcId="{35AB48A9-1300-4BD5-8CBF-8E807A0ECBD4}" destId="{698D5EF6-6D12-4061-88E5-5E8825772A19}" srcOrd="0" destOrd="0" presId="urn:microsoft.com/office/officeart/2005/8/layout/hierarchy2"/>
+    <dgm:cxn modelId="{1DCDCDD3-ED05-4BD4-9EDC-97C973DBF117}" type="presOf" srcId="{80E74D8C-542F-4CC5-BC98-FAF5FE974176}" destId="{6E47D520-F4BE-414A-B85C-6428C39B27F3}" srcOrd="1" destOrd="0" presId="urn:microsoft.com/office/officeart/2005/8/layout/hierarchy2"/>
+    <dgm:cxn modelId="{6639E97A-47AA-4BA5-80D1-D6FB53F0575D}" type="presOf" srcId="{F02892E4-4798-4CFA-9FE2-B8361D851E5B}" destId="{7CB58221-110F-4600-BE03-B2B3731AF535}" srcOrd="0" destOrd="0" presId="urn:microsoft.com/office/officeart/2005/8/layout/hierarchy2"/>
+    <dgm:cxn modelId="{744E5AF4-94FA-4E7D-B44D-978F42BC5F1C}" type="presOf" srcId="{9ADB1338-2672-492F-ABA6-2927C5674444}" destId="{CC75584B-4935-4760-B8E8-EDC702A46ED2}" srcOrd="0" destOrd="0" presId="urn:microsoft.com/office/officeart/2005/8/layout/hierarchy2"/>
+    <dgm:cxn modelId="{72CB51E2-0D02-4DB0-8F2C-115491DD2517}" type="presOf" srcId="{E1460541-8638-4ABB-BBA3-DE5ED688BF93}" destId="{F0C286D4-2B39-4BF3-B9A6-3EE705B82A4C}" srcOrd="1" destOrd="0" presId="urn:microsoft.com/office/officeart/2005/8/layout/hierarchy2"/>
+    <dgm:cxn modelId="{5A9DE94C-EB93-45EA-A115-57C5D141DAA5}" type="presOf" srcId="{FB83C6F6-F8B7-41FC-BBF8-0B2F92A002C1}" destId="{AEB92F3D-3E90-4B7F-8F2C-FC35DADED716}" srcOrd="0" destOrd="0" presId="urn:microsoft.com/office/officeart/2005/8/layout/hierarchy2"/>
+    <dgm:cxn modelId="{DC00AE9E-D70D-458E-A6BA-80FA07F5F2D2}" type="presOf" srcId="{A5E68B0A-0845-4BD0-9C59-75877FD895DB}" destId="{D4B27C39-B3A5-4BD0-95E9-6180FEF22577}" srcOrd="0" destOrd="0" presId="urn:microsoft.com/office/officeart/2005/8/layout/hierarchy2"/>
+    <dgm:cxn modelId="{2168B86F-8D1E-4C1E-8E1F-2058D15AD13A}" srcId="{D03542B2-16F3-4EFB-A072-801DF1C724BC}" destId="{8938A349-BB9D-4DEB-8C49-1101AE0CC7F3}" srcOrd="0" destOrd="0" parTransId="{E1460541-8638-4ABB-BBA3-DE5ED688BF93}" sibTransId="{0DEC186C-78B6-47E7-9708-CB905840CAD8}"/>
+    <dgm:cxn modelId="{A0959EED-A2F6-47B7-BBEB-00555E16A431}" type="presOf" srcId="{BF93CB55-A873-4673-8274-E521FC71B063}" destId="{B71402E3-4CE0-4A97-87DE-07C3467EE444}" srcOrd="0" destOrd="0" presId="urn:microsoft.com/office/officeart/2005/8/layout/hierarchy2"/>
+    <dgm:cxn modelId="{56D1E50B-BEA6-4DB2-8F63-64CF2550D645}" type="presOf" srcId="{F5641F43-DBCB-42CF-9810-CE2938BA372C}" destId="{9C4524FA-D7AA-4CEF-B700-CC67A645B438}" srcOrd="0" destOrd="0" presId="urn:microsoft.com/office/officeart/2005/8/layout/hierarchy2"/>
+    <dgm:cxn modelId="{60643ECC-21C8-4C51-8B66-3907055552FD}" type="presOf" srcId="{8930935A-CAAC-4D57-965A-28DFB66BE5F4}" destId="{776FF87B-F0BC-4584-AE1C-24B22D621384}" srcOrd="0" destOrd="0" presId="urn:microsoft.com/office/officeart/2005/8/layout/hierarchy2"/>
+    <dgm:cxn modelId="{481649D3-AC93-49A6-9831-DE239401EE75}" srcId="{755EFD14-40AD-48B6-B94C-C4DE10443888}" destId="{41CCBF91-7BF8-4961-8F93-C0B5B64E05DB}" srcOrd="1" destOrd="0" parTransId="{7863B7E2-F15F-4225-85BA-E5F85442CECA}" sibTransId="{24508407-DB51-4638-A8C5-4C6466966A9E}"/>
     <dgm:cxn modelId="{84D17603-FD0B-4417-8E8B-2165353E8182}" type="presOf" srcId="{52539E7A-43F5-4E10-9DDC-01B3396399F8}" destId="{23ADCD83-A68C-4920-A91C-A68D518B9629}" srcOrd="0" destOrd="0" presId="urn:microsoft.com/office/officeart/2005/8/layout/hierarchy2"/>
-    <dgm:cxn modelId="{ABF3C304-6D4B-4D11-B608-946FE01CC9ED}" type="presOf" srcId="{A028C982-2A92-43B9-B350-D57C10FBAB0A}" destId="{1CEE8638-8326-4A74-8D12-808D1DDFFCA7}" srcOrd="1" destOrd="0" presId="urn:microsoft.com/office/officeart/2005/8/layout/hierarchy2"/>
-    <dgm:cxn modelId="{56D1E50B-BEA6-4DB2-8F63-64CF2550D645}" type="presOf" srcId="{F5641F43-DBCB-42CF-9810-CE2938BA372C}" destId="{9C4524FA-D7AA-4CEF-B700-CC67A645B438}" srcOrd="0" destOrd="0" presId="urn:microsoft.com/office/officeart/2005/8/layout/hierarchy2"/>
-    <dgm:cxn modelId="{1CB88B0C-7DDF-4A46-9BA1-F08678C3A3BF}" type="presOf" srcId="{8AA86B0C-D917-4176-94E6-205946283056}" destId="{BD0BCFE7-22B1-4182-814E-F62956F76F85}" srcOrd="0" destOrd="0" presId="urn:microsoft.com/office/officeart/2005/8/layout/hierarchy2"/>
-    <dgm:cxn modelId="{61A3AE0D-CB42-4142-A2F5-3424F8341B8B}" type="presOf" srcId="{D03542B2-16F3-4EFB-A072-801DF1C724BC}" destId="{D96CF026-ECA0-4F8E-A023-D83410F44A45}" srcOrd="0" destOrd="0" presId="urn:microsoft.com/office/officeart/2005/8/layout/hierarchy2"/>
-    <dgm:cxn modelId="{52598419-1BF1-4010-88B4-8665541AD742}" srcId="{8938A349-BB9D-4DEB-8C49-1101AE0CC7F3}" destId="{FE42A88A-E9AF-4334-806E-73A016D07A0B}" srcOrd="0" destOrd="0" parTransId="{CBC25389-9B98-4DBB-AC07-A94A4B942CEC}" sibTransId="{2AD9649B-3779-4AA5-A077-223A64EC9C3D}"/>
-    <dgm:cxn modelId="{DFE75D1D-1F48-41DE-BBA2-15B6EA5624A7}" type="presOf" srcId="{6DCD5A69-E68C-4867-AFE1-DA5BA10D38F8}" destId="{84A95C67-F5EC-4C5B-95F8-36700353F4DB}" srcOrd="0" destOrd="0" presId="urn:microsoft.com/office/officeart/2005/8/layout/hierarchy2"/>
-    <dgm:cxn modelId="{044E9C23-7A11-4242-A683-12875D61F112}" type="presOf" srcId="{1546E2A4-646A-438F-90F9-AF0CAE732DAC}" destId="{16F1E1B9-F608-43E8-8FBE-653972714A3F}" srcOrd="0" destOrd="0" presId="urn:microsoft.com/office/officeart/2005/8/layout/hierarchy2"/>
-    <dgm:cxn modelId="{10DEC323-6C02-4DCB-A59A-EAA3AA230520}" type="presOf" srcId="{35AB48A9-1300-4BD5-8CBF-8E807A0ECBD4}" destId="{2985DE3F-4E31-4120-BA36-866DCE422D96}" srcOrd="1" destOrd="0" presId="urn:microsoft.com/office/officeart/2005/8/layout/hierarchy2"/>
-    <dgm:cxn modelId="{8A6DBF2B-4E1F-4C18-A02A-0D16771FC73F}" type="presOf" srcId="{A028C982-2A92-43B9-B350-D57C10FBAB0A}" destId="{8A44B239-B375-417E-BD64-F588906047FC}" srcOrd="0" destOrd="0" presId="urn:microsoft.com/office/officeart/2005/8/layout/hierarchy2"/>
-    <dgm:cxn modelId="{D61AEB2B-7CF6-49A1-95F4-74FCFFD26FBC}" type="presOf" srcId="{77123F68-3803-4A64-A39D-4F1672ACD934}" destId="{AA98D9DA-09E4-40BD-B36D-FC56D05BD4C9}" srcOrd="1" destOrd="0" presId="urn:microsoft.com/office/officeart/2005/8/layout/hierarchy2"/>
-    <dgm:cxn modelId="{2FD2222E-89B7-4145-9549-9978BA1969ED}" type="presOf" srcId="{B584F320-C209-4EC3-93BC-D68F9FB62184}" destId="{7D1DC272-07EF-4020-9DA3-6B0F294CFDFC}" srcOrd="0" destOrd="0" presId="urn:microsoft.com/office/officeart/2005/8/layout/hierarchy2"/>
-    <dgm:cxn modelId="{90D23730-F667-4700-8932-788C35C98B4A}" type="presOf" srcId="{41CCBF91-7BF8-4961-8F93-C0B5B64E05DB}" destId="{194E73C5-2BD5-40A2-9EE8-3E42BE47378E}" srcOrd="0" destOrd="0" presId="urn:microsoft.com/office/officeart/2005/8/layout/hierarchy2"/>
-    <dgm:cxn modelId="{EDECEC30-9BA0-492F-BF82-89A9F5F8F7A5}" type="presOf" srcId="{A66F1D8E-5685-46E3-BE8D-7FCA83E9FDE9}" destId="{F9979F22-0827-468E-B344-F8893B828C5D}" srcOrd="0" destOrd="0" presId="urn:microsoft.com/office/officeart/2005/8/layout/hierarchy2"/>
-    <dgm:cxn modelId="{5D084132-09A2-45A7-91C2-CE5644AC5E60}" srcId="{AF5A8C4F-0B2D-47AB-BC91-456F9D955560}" destId="{01BCC422-7019-4C31-B5AB-55F8D4FEDC1F}" srcOrd="1" destOrd="0" parTransId="{CB451582-96A1-4422-B6F9-BBD688E3A0E3}" sibTransId="{9AEF87C2-C64E-429A-8989-E71F4E4C8050}"/>
-    <dgm:cxn modelId="{DE28E132-45D0-4F62-8307-965D05DEBBC1}" type="presOf" srcId="{6E9B27E2-CE02-4660-860A-F45613B62EF8}" destId="{5EF827FB-54C7-4D9F-9324-A47445BB9FCE}" srcOrd="0" destOrd="0" presId="urn:microsoft.com/office/officeart/2005/8/layout/hierarchy2"/>
-    <dgm:cxn modelId="{ECFCA133-9CAD-4AC1-857C-794AB783565E}" type="presOf" srcId="{A69C5F1F-FD11-42A2-8CE6-F6266978F37A}" destId="{7FEC33F5-F480-4899-9890-221ABA751C3E}" srcOrd="0" destOrd="0" presId="urn:microsoft.com/office/officeart/2005/8/layout/hierarchy2"/>
-    <dgm:cxn modelId="{92849D34-B6CC-409F-9461-CDEAE97CE348}" type="presOf" srcId="{AE69E38B-C9B3-42E5-87D3-30B557227A8E}" destId="{441FB366-D47B-42BC-BB39-1106869C34C1}" srcOrd="1" destOrd="0" presId="urn:microsoft.com/office/officeart/2005/8/layout/hierarchy2"/>
-    <dgm:cxn modelId="{9B1FE634-3AA7-4943-B03B-11A59C33BFEA}" srcId="{F02892E4-4798-4CFA-9FE2-B8361D851E5B}" destId="{7EAAFB5F-FEBD-4331-BE61-AFB2FC9092C9}" srcOrd="5" destOrd="0" parTransId="{DC7187DA-E214-4248-BA42-497ABADB8E40}" sibTransId="{6D86F8DC-E69F-4F60-93AB-B567DEEA4E5B}"/>
-    <dgm:cxn modelId="{9F5C4535-C071-411D-B284-92A8CB500CEC}" type="presOf" srcId="{77123F68-3803-4A64-A39D-4F1672ACD934}" destId="{DA919181-FAAD-4C16-B75A-7594C7148CE1}" srcOrd="0" destOrd="0" presId="urn:microsoft.com/office/officeart/2005/8/layout/hierarchy2"/>
-    <dgm:cxn modelId="{B4509735-09FB-488F-831C-CE3C5ACF6A07}" srcId="{582268F8-C507-49AD-8DD2-CCA1A89A9B6A}" destId="{5D9C9459-6708-44EE-95A4-812372C730CE}" srcOrd="1" destOrd="0" parTransId="{FB83C6F6-F8B7-41FC-BBF8-0B2F92A002C1}" sibTransId="{6B2BF8AF-AECF-4EAB-ABDF-DC2B33A99232}"/>
-    <dgm:cxn modelId="{A2DCC83A-7ED2-47B4-8838-E867644BF7DA}" type="presOf" srcId="{DA2418C7-90B6-4AB4-9DCD-6BE17FA2427C}" destId="{C76B5BB1-98CF-4FEC-9022-FFB06C7F5DEF}" srcOrd="0" destOrd="0" presId="urn:microsoft.com/office/officeart/2005/8/layout/hierarchy2"/>
-    <dgm:cxn modelId="{68A6A45E-F497-46CA-9741-2C1132D2A8A9}" srcId="{8AA86B0C-D917-4176-94E6-205946283056}" destId="{D46BB214-ECDE-477C-B1C7-EAA71933BACE}" srcOrd="0" destOrd="0" parTransId="{52539E7A-43F5-4E10-9DDC-01B3396399F8}" sibTransId="{23FFC5AD-36D1-4888-AEF5-07EFF8EE5DF7}"/>
-    <dgm:cxn modelId="{7190E95E-D414-4D3B-9212-5000439F9CB2}" type="presOf" srcId="{AE69E38B-C9B3-42E5-87D3-30B557227A8E}" destId="{72391683-CA39-4CBF-B3AB-442149D5D006}" srcOrd="0" destOrd="0" presId="urn:microsoft.com/office/officeart/2005/8/layout/hierarchy2"/>
-    <dgm:cxn modelId="{FD7E0F41-D034-44ED-86B1-7D57D9DD4BAC}" type="presOf" srcId="{2013A976-9626-4706-B736-CCEBC9A526D4}" destId="{5FF16927-7532-4194-BC03-AE89F4CC6F01}" srcOrd="1" destOrd="0" presId="urn:microsoft.com/office/officeart/2005/8/layout/hierarchy2"/>
-    <dgm:cxn modelId="{A6072363-322C-4775-9E48-B29A0A2910CD}" type="presOf" srcId="{8938A349-BB9D-4DEB-8C49-1101AE0CC7F3}" destId="{FF7FEC23-402C-4A14-B257-1A8DCA291C86}" srcOrd="0" destOrd="0" presId="urn:microsoft.com/office/officeart/2005/8/layout/hierarchy2"/>
-    <dgm:cxn modelId="{E7954A64-094D-49C7-AD7E-50C4C8ECA34D}" type="presOf" srcId="{7863B7E2-F15F-4225-85BA-E5F85442CECA}" destId="{DD833ACC-8683-46BC-8B1C-9D9D20868D2B}" srcOrd="1" destOrd="0" presId="urn:microsoft.com/office/officeart/2005/8/layout/hierarchy2"/>
-    <dgm:cxn modelId="{DEB70E45-1BE0-4092-A17E-22B8044AB9CB}" type="presOf" srcId="{57433F99-F708-4F58-94E5-02093D6AA866}" destId="{DDA46FC9-3943-4A0D-8CEE-141A745265D1}" srcOrd="0" destOrd="0" presId="urn:microsoft.com/office/officeart/2005/8/layout/hierarchy2"/>
-    <dgm:cxn modelId="{1B252647-DF18-4F34-82FA-8439889ED857}" type="presOf" srcId="{BF93CB55-A873-4673-8274-E521FC71B063}" destId="{20573BA9-FC9F-43F7-AAFD-94ACF9104640}" srcOrd="1" destOrd="0" presId="urn:microsoft.com/office/officeart/2005/8/layout/hierarchy2"/>
-    <dgm:cxn modelId="{A8D16A68-F727-4BD9-BDA0-9FB88C94AFC9}" type="presOf" srcId="{FE42A88A-E9AF-4334-806E-73A016D07A0B}" destId="{2BD0C697-77BF-4BCA-AA65-69E8966A730F}" srcOrd="0" destOrd="0" presId="urn:microsoft.com/office/officeart/2005/8/layout/hierarchy2"/>
-    <dgm:cxn modelId="{F5AFB369-A98A-4D3A-A31A-AAADC7B6BEE5}" type="presOf" srcId="{E6B63A6B-5C6A-461C-92B5-8BC27C7F3CF4}" destId="{82CDBEEB-67A4-4593-8D81-0C328B2F3D7C}" srcOrd="0" destOrd="0" presId="urn:microsoft.com/office/officeart/2005/8/layout/hierarchy2"/>
+    <dgm:cxn modelId="{7B304B6A-E7DC-4ADE-876A-25E1D1DDFD92}" srcId="{B584F320-C209-4EC3-93BC-D68F9FB62184}" destId="{755EFD14-40AD-48B6-B94C-C4DE10443888}" srcOrd="0" destOrd="0" parTransId="{A66F1D8E-5685-46E3-BE8D-7FCA83E9FDE9}" sibTransId="{C926530B-0174-49B9-913A-EB142A32E19E}"/>
     <dgm:cxn modelId="{8A160E4A-48B6-40F5-A130-532D3F6B3696}" type="presOf" srcId="{D46BB214-ECDE-477C-B1C7-EAA71933BACE}" destId="{9A91CE11-2890-4C92-883F-E82106D3C8FE}" srcOrd="0" destOrd="0" presId="urn:microsoft.com/office/officeart/2005/8/layout/hierarchy2"/>
-    <dgm:cxn modelId="{7B304B6A-E7DC-4ADE-876A-25E1D1DDFD92}" srcId="{B584F320-C209-4EC3-93BC-D68F9FB62184}" destId="{755EFD14-40AD-48B6-B94C-C4DE10443888}" srcOrd="0" destOrd="0" parTransId="{A66F1D8E-5685-46E3-BE8D-7FCA83E9FDE9}" sibTransId="{C926530B-0174-49B9-913A-EB142A32E19E}"/>
-    <dgm:cxn modelId="{8BFAF24A-68A5-4713-BC0A-EF9DF3CE33E7}" type="presOf" srcId="{CB451582-96A1-4422-B6F9-BBD688E3A0E3}" destId="{9E30B63F-2FB0-43E9-BD66-D69A79C603CD}" srcOrd="1" destOrd="0" presId="urn:microsoft.com/office/officeart/2005/8/layout/hierarchy2"/>
-    <dgm:cxn modelId="{5A9DE94C-EB93-45EA-A115-57C5D141DAA5}" type="presOf" srcId="{FB83C6F6-F8B7-41FC-BBF8-0B2F92A002C1}" destId="{AEB92F3D-3E90-4B7F-8F2C-FC35DADED716}" srcOrd="0" destOrd="0" presId="urn:microsoft.com/office/officeart/2005/8/layout/hierarchy2"/>
-    <dgm:cxn modelId="{C1B1754D-91F8-4C49-BE74-6223A2534336}" type="presOf" srcId="{5ADC04EF-F9E3-49C9-8B1F-7A938E956F49}" destId="{E86144F1-6F44-45CC-92DE-655D018FAFBB}" srcOrd="1" destOrd="0" presId="urn:microsoft.com/office/officeart/2005/8/layout/hierarchy2"/>
-    <dgm:cxn modelId="{8C8B786D-830F-488C-B8A8-87841803DC57}" srcId="{01BCC422-7019-4C31-B5AB-55F8D4FEDC1F}" destId="{6E9B27E2-CE02-4660-860A-F45613B62EF8}" srcOrd="0" destOrd="0" parTransId="{AE69E38B-C9B3-42E5-87D3-30B557227A8E}" sibTransId="{09DE4D44-C41E-4194-8C00-25B9DD2112A8}"/>
-    <dgm:cxn modelId="{9C087B4D-1C9C-4D0D-B9C1-F25B02A5DA2D}" srcId="{AF5A8C4F-0B2D-47AB-BC91-456F9D955560}" destId="{4CA19D27-1525-4917-9452-1D98D69E4E90}" srcOrd="0" destOrd="0" parTransId="{F9211877-83EE-4FB3-80F5-800BE2268021}" sibTransId="{A1A26B75-3525-4CE9-9D19-80750785A1B4}"/>
-    <dgm:cxn modelId="{F332FB6D-9647-477F-AB7A-74532B3F9099}" type="presOf" srcId="{582268F8-C507-49AD-8DD2-CCA1A89A9B6A}" destId="{C9223ED6-F45B-406F-A22C-6AE3991901A1}" srcOrd="0" destOrd="0" presId="urn:microsoft.com/office/officeart/2005/8/layout/hierarchy2"/>
-    <dgm:cxn modelId="{5D84086E-3CE7-4B5E-95A7-9FB842DA875E}" type="presOf" srcId="{5D9C9459-6708-44EE-95A4-812372C730CE}" destId="{421DB750-DCB0-42FC-9A20-77F0493E1097}" srcOrd="0" destOrd="0" presId="urn:microsoft.com/office/officeart/2005/8/layout/hierarchy2"/>
-    <dgm:cxn modelId="{0D16DF6E-BE85-4A2F-B90A-FFB932958120}" type="presOf" srcId="{CB36923F-7B0C-4F83-8707-AFA3DB0C0A5E}" destId="{59C4D808-1654-4A0C-ABE0-04874B55021B}" srcOrd="0" destOrd="0" presId="urn:microsoft.com/office/officeart/2005/8/layout/hierarchy2"/>
-    <dgm:cxn modelId="{37F47F6F-7075-45CA-89A4-14643B744395}" srcId="{755EFD14-40AD-48B6-B94C-C4DE10443888}" destId="{E6B63A6B-5C6A-461C-92B5-8BC27C7F3CF4}" srcOrd="0" destOrd="0" parTransId="{F5641F43-DBCB-42CF-9810-CE2938BA372C}" sibTransId="{8EC2AF54-6641-435E-8216-32B3B7D4869A}"/>
-    <dgm:cxn modelId="{2168B86F-8D1E-4C1E-8E1F-2058D15AD13A}" srcId="{D03542B2-16F3-4EFB-A072-801DF1C724BC}" destId="{8938A349-BB9D-4DEB-8C49-1101AE0CC7F3}" srcOrd="0" destOrd="0" parTransId="{E1460541-8638-4ABB-BBA3-DE5ED688BF93}" sibTransId="{0DEC186C-78B6-47E7-9708-CB905840CAD8}"/>
-    <dgm:cxn modelId="{B5D2A572-90DF-4008-8AF1-8B52D234637D}" type="presOf" srcId="{8930935A-CAAC-4D57-965A-28DFB66BE5F4}" destId="{54CF41C1-77B8-4637-84CA-C65DB4197F90}" srcOrd="1" destOrd="0" presId="urn:microsoft.com/office/officeart/2005/8/layout/hierarchy2"/>
-    <dgm:cxn modelId="{D1F4B353-92D1-4B16-92A4-D1AAC68C5048}" type="presOf" srcId="{9ADB1338-2672-492F-ABA6-2927C5674444}" destId="{3D0B6B84-56F8-44D3-9DD4-B6B6C3D779D6}" srcOrd="1" destOrd="0" presId="urn:microsoft.com/office/officeart/2005/8/layout/hierarchy2"/>
-    <dgm:cxn modelId="{0904D955-AC32-4A73-8B43-4F22C10A48BD}" type="presOf" srcId="{4CA19D27-1525-4917-9452-1D98D69E4E90}" destId="{3D54E95E-3451-4A01-8E77-2ACBC8C1E174}" srcOrd="0" destOrd="0" presId="urn:microsoft.com/office/officeart/2005/8/layout/hierarchy2"/>
-    <dgm:cxn modelId="{BACB3157-854D-4152-A217-60AEB3AF45AC}" type="presOf" srcId="{5ADC04EF-F9E3-49C9-8B1F-7A938E956F49}" destId="{F613943E-168E-40AB-9475-7456F53CCF9A}" srcOrd="0" destOrd="0" presId="urn:microsoft.com/office/officeart/2005/8/layout/hierarchy2"/>
-    <dgm:cxn modelId="{9F4E0878-39FD-4C8F-9114-0A244AA52B58}" type="presOf" srcId="{63FA7234-CD69-411D-8704-C339195B6FE1}" destId="{EF7DDFB5-FB87-49FC-9C33-B7A9410F9D6E}" srcOrd="1" destOrd="0" presId="urn:microsoft.com/office/officeart/2005/8/layout/hierarchy2"/>
-    <dgm:cxn modelId="{6639E97A-47AA-4BA5-80D1-D6FB53F0575D}" type="presOf" srcId="{F02892E4-4798-4CFA-9FE2-B8361D851E5B}" destId="{7CB58221-110F-4600-BE03-B2B3731AF535}" srcOrd="0" destOrd="0" presId="urn:microsoft.com/office/officeart/2005/8/layout/hierarchy2"/>
-    <dgm:cxn modelId="{7D44A17F-0E7A-4CD0-A1BF-76310241DF39}" type="presOf" srcId="{7EAAFB5F-FEBD-4331-BE61-AFB2FC9092C9}" destId="{61836AAE-9727-42F7-85A4-0FC8671C5CC3}" srcOrd="0" destOrd="0" presId="urn:microsoft.com/office/officeart/2005/8/layout/hierarchy2"/>
-    <dgm:cxn modelId="{BEE0358A-62E0-4EC9-B885-8BC6241C4C5A}" srcId="{DA2418C7-90B6-4AB4-9DCD-6BE17FA2427C}" destId="{F02892E4-4798-4CFA-9FE2-B8361D851E5B}" srcOrd="0" destOrd="0" parTransId="{E088F082-27AE-4CD1-AD61-F31A8A5B04A8}" sibTransId="{C62BB59E-1EDB-405C-A616-7E3B57EC7443}"/>
-    <dgm:cxn modelId="{BDA5018F-24C9-4CA6-871D-1537B1F8C0B8}" type="presOf" srcId="{35AB48A9-1300-4BD5-8CBF-8E807A0ECBD4}" destId="{698D5EF6-6D12-4061-88E5-5E8825772A19}" srcOrd="0" destOrd="0" presId="urn:microsoft.com/office/officeart/2005/8/layout/hierarchy2"/>
-    <dgm:cxn modelId="{30F01E90-57BC-4524-8DFF-046A2F843514}" srcId="{CB36923F-7B0C-4F83-8707-AFA3DB0C0A5E}" destId="{966FF253-3587-4C11-8FEC-C0BC13CAA401}" srcOrd="0" destOrd="0" parTransId="{BF93CB55-A873-4673-8274-E521FC71B063}" sibTransId="{14E715A6-3941-49FC-98B8-9A4500D003D8}"/>
-    <dgm:cxn modelId="{A9541091-F219-4198-8068-5C261A5330BB}" srcId="{1546E2A4-646A-438F-90F9-AF0CAE732DAC}" destId="{A5E68B0A-0845-4BD0-9C59-75877FD895DB}" srcOrd="0" destOrd="0" parTransId="{9C4DFB95-232B-49DD-A6E2-B4AD62E042DC}" sibTransId="{54CFE0F6-BC74-4E55-A12B-D7CE5E7E7296}"/>
-    <dgm:cxn modelId="{3C4CF392-4543-41C5-BADD-3BB12922ECC0}" type="presOf" srcId="{7863B7E2-F15F-4225-85BA-E5F85442CECA}" destId="{C6AA5DF5-3707-4789-8F01-87EBF3477839}" srcOrd="0" destOrd="0" presId="urn:microsoft.com/office/officeart/2005/8/layout/hierarchy2"/>
-    <dgm:cxn modelId="{05B44E97-8784-4F20-A841-EE6000A3A571}" type="presOf" srcId="{9C4DFB95-232B-49DD-A6E2-B4AD62E042DC}" destId="{927FAD8B-6756-4069-B973-DFC306B9782C}" srcOrd="1" destOrd="0" presId="urn:microsoft.com/office/officeart/2005/8/layout/hierarchy2"/>
-    <dgm:cxn modelId="{18C74A98-6F6B-459C-BCC3-3B1C8B4D1938}" type="presOf" srcId="{755EFD14-40AD-48B6-B94C-C4DE10443888}" destId="{3F357979-74FE-416F-967C-D5ACFBDD7196}" srcOrd="0" destOrd="0" presId="urn:microsoft.com/office/officeart/2005/8/layout/hierarchy2"/>
-    <dgm:cxn modelId="{DC00AE9E-D70D-458E-A6BA-80FA07F5F2D2}" type="presOf" srcId="{A5E68B0A-0845-4BD0-9C59-75877FD895DB}" destId="{D4B27C39-B3A5-4BD0-95E9-6180FEF22577}" srcOrd="0" destOrd="0" presId="urn:microsoft.com/office/officeart/2005/8/layout/hierarchy2"/>
-    <dgm:cxn modelId="{74328CAE-2988-4BA6-A827-5CE2EACCB424}" srcId="{F02892E4-4798-4CFA-9FE2-B8361D851E5B}" destId="{AF5A8C4F-0B2D-47AB-BC91-456F9D955560}" srcOrd="0" destOrd="0" parTransId="{2013A976-9626-4706-B736-CCEBC9A526D4}" sibTransId="{B926D51B-FA02-4C34-BCF2-DAEEF57CF5FD}"/>
-    <dgm:cxn modelId="{EF14A7AE-E1A4-4022-9945-DA294D573D26}" srcId="{6DCD5A69-E68C-4867-AFE1-DA5BA10D38F8}" destId="{1546E2A4-646A-438F-90F9-AF0CAE732DAC}" srcOrd="1" destOrd="0" parTransId="{5ADC04EF-F9E3-49C9-8B1F-7A938E956F49}" sibTransId="{2A250AF9-6DC5-46F1-8DC2-A0C6B2D152A6}"/>
-    <dgm:cxn modelId="{1AA0DAAF-BAF7-4C82-BA14-91CE19CE271C}" type="presOf" srcId="{2013A976-9626-4706-B736-CCEBC9A526D4}" destId="{BFF1365F-825B-490A-9491-C2A9086DA0CC}" srcOrd="0" destOrd="0" presId="urn:microsoft.com/office/officeart/2005/8/layout/hierarchy2"/>
-    <dgm:cxn modelId="{C0271CB3-46B1-4421-ABC9-452E22697534}" type="presOf" srcId="{AF5A8C4F-0B2D-47AB-BC91-456F9D955560}" destId="{616D218F-7D5A-48F6-9518-2D6BFE9FC7E4}" srcOrd="0" destOrd="0" presId="urn:microsoft.com/office/officeart/2005/8/layout/hierarchy2"/>
+    <dgm:cxn modelId="{1419F3EA-51EB-4B66-B072-E0C5FEFD9273}" type="presOf" srcId="{53E3B8D3-612E-4E09-BFC9-CDBC1ABD610F}" destId="{C436168E-7472-4AF7-9298-4B5D1762B948}" srcOrd="0" destOrd="0" presId="urn:microsoft.com/office/officeart/2005/8/layout/hierarchy2"/>
+    <dgm:cxn modelId="{3EEDC6FA-DA39-4CC7-9DBB-AEB0138FA515}" type="presOf" srcId="{CBC25389-9B98-4DBB-AC07-A94A4B942CEC}" destId="{D59BAFDB-9B88-40C7-A4B8-3424C6C16110}" srcOrd="1" destOrd="0" presId="urn:microsoft.com/office/officeart/2005/8/layout/hierarchy2"/>
     <dgm:cxn modelId="{9B59D5B6-295F-49D2-B6B5-1FF7086C1037}" type="presOf" srcId="{53E3B8D3-612E-4E09-BFC9-CDBC1ABD610F}" destId="{037A47FC-C4E0-48FE-B2D8-C1BC2FB5406C}" srcOrd="1" destOrd="0" presId="urn:microsoft.com/office/officeart/2005/8/layout/hierarchy2"/>
     <dgm:cxn modelId="{6E7943B8-D2AC-4804-8310-880FA2E7F05B}" type="presOf" srcId="{CBC25389-9B98-4DBB-AC07-A94A4B942CEC}" destId="{0D107382-6F24-411A-A483-3D119237911F}" srcOrd="0" destOrd="0" presId="urn:microsoft.com/office/officeart/2005/8/layout/hierarchy2"/>
-    <dgm:cxn modelId="{8C8046B8-4B91-43C9-8D06-D68ED8F86A7D}" type="presOf" srcId="{F5641F43-DBCB-42CF-9810-CE2938BA372C}" destId="{224E18EF-F645-4465-A195-E8400C0E1586}" srcOrd="1" destOrd="0" presId="urn:microsoft.com/office/officeart/2005/8/layout/hierarchy2"/>
-    <dgm:cxn modelId="{B81E1CC2-27E4-46C4-B2F4-DD3B41FCC369}" type="presOf" srcId="{01BCC422-7019-4C31-B5AB-55F8D4FEDC1F}" destId="{84D6CAB9-2D30-488C-9250-B000E3F6DD63}" srcOrd="0" destOrd="0" presId="urn:microsoft.com/office/officeart/2005/8/layout/hierarchy2"/>
-    <dgm:cxn modelId="{40E24EC3-818E-42A9-ACE7-48633CAAE1B7}" type="presOf" srcId="{DC7187DA-E214-4248-BA42-497ABADB8E40}" destId="{F4C01140-4360-4A7C-9674-7B8840DEBF02}" srcOrd="1" destOrd="0" presId="urn:microsoft.com/office/officeart/2005/8/layout/hierarchy2"/>
-    <dgm:cxn modelId="{D52886C3-6C7E-47EF-BA25-28571BEC6678}" type="presOf" srcId="{E1460541-8638-4ABB-BBA3-DE5ED688BF93}" destId="{77937493-C75F-4F12-A71E-969B6669BF76}" srcOrd="0" destOrd="0" presId="urn:microsoft.com/office/officeart/2005/8/layout/hierarchy2"/>
-    <dgm:cxn modelId="{7DA742C6-E30A-46AB-98A2-B6ED982137AC}" type="presOf" srcId="{9C4DFB95-232B-49DD-A6E2-B4AD62E042DC}" destId="{ED0E97A1-321D-4845-A906-80C74040ED25}" srcOrd="0" destOrd="0" presId="urn:microsoft.com/office/officeart/2005/8/layout/hierarchy2"/>
-    <dgm:cxn modelId="{AC2C67C9-F239-4C9E-A8BC-2F6536C8BAE4}" type="presOf" srcId="{DC7187DA-E214-4248-BA42-497ABADB8E40}" destId="{B8B7796E-16AF-4FF2-96F8-4A2F73A4E1C9}" srcOrd="0" destOrd="0" presId="urn:microsoft.com/office/officeart/2005/8/layout/hierarchy2"/>
-    <dgm:cxn modelId="{97B480C9-3F5A-49AA-A342-BF753D5E5D56}" srcId="{4CA19D27-1525-4917-9452-1D98D69E4E90}" destId="{582268F8-C507-49AD-8DD2-CCA1A89A9B6A}" srcOrd="0" destOrd="0" parTransId="{63FA7234-CD69-411D-8704-C339195B6FE1}" sibTransId="{52080AC3-EBD0-4866-BAA7-3F006D757B2F}"/>
-    <dgm:cxn modelId="{4F7012CB-5DD0-4DBB-8B69-4BFB93CBB125}" srcId="{582268F8-C507-49AD-8DD2-CCA1A89A9B6A}" destId="{A69C5F1F-FD11-42A2-8CE6-F6266978F37A}" srcOrd="0" destOrd="0" parTransId="{77123F68-3803-4A64-A39D-4F1672ACD934}" sibTransId="{5470A283-618C-4AC3-8666-EEF1CCE24D0C}"/>
-    <dgm:cxn modelId="{60643ECC-21C8-4C51-8B66-3907055552FD}" type="presOf" srcId="{8930935A-CAAC-4D57-965A-28DFB66BE5F4}" destId="{776FF87B-F0BC-4584-AE1C-24B22D621384}" srcOrd="0" destOrd="0" presId="urn:microsoft.com/office/officeart/2005/8/layout/hierarchy2"/>
-    <dgm:cxn modelId="{9FF89FCD-D474-42A1-9BFE-AD0CDAC88A44}" srcId="{F02892E4-4798-4CFA-9FE2-B8361D851E5B}" destId="{6DCD5A69-E68C-4867-AFE1-DA5BA10D38F8}" srcOrd="1" destOrd="0" parTransId="{80E74D8C-542F-4CC5-BC98-FAF5FE974176}" sibTransId="{1F203E2A-B92A-4FB6-90A1-0FCE4C7ED6F2}"/>
-    <dgm:cxn modelId="{7F444FD0-E1C3-4213-8174-32BAF26158E5}" type="presOf" srcId="{80E74D8C-542F-4CC5-BC98-FAF5FE974176}" destId="{E2D2FF66-6440-418D-90AF-014434079EB4}" srcOrd="0" destOrd="0" presId="urn:microsoft.com/office/officeart/2005/8/layout/hierarchy2"/>
+    <dgm:cxn modelId="{8C8B786D-830F-488C-B8A8-87841803DC57}" srcId="{01BCC422-7019-4C31-B5AB-55F8D4FEDC1F}" destId="{6E9B27E2-CE02-4660-860A-F45613B62EF8}" srcOrd="0" destOrd="0" parTransId="{AE69E38B-C9B3-42E5-87D3-30B557227A8E}" sibTransId="{09DE4D44-C41E-4194-8C00-25B9DD2112A8}"/>
     <dgm:cxn modelId="{201E4ED2-1641-411E-BF34-55BBE129677D}" type="presOf" srcId="{CB451582-96A1-4422-B6F9-BBD688E3A0E3}" destId="{A7DEC78C-B813-49E5-8B40-85B90434DFDE}" srcOrd="0" destOrd="0" presId="urn:microsoft.com/office/officeart/2005/8/layout/hierarchy2"/>
-    <dgm:cxn modelId="{481649D3-AC93-49A6-9831-DE239401EE75}" srcId="{755EFD14-40AD-48B6-B94C-C4DE10443888}" destId="{41CCBF91-7BF8-4961-8F93-C0B5B64E05DB}" srcOrd="1" destOrd="0" parTransId="{7863B7E2-F15F-4225-85BA-E5F85442CECA}" sibTransId="{24508407-DB51-4638-A8C5-4C6466966A9E}"/>
-    <dgm:cxn modelId="{1DCDCDD3-ED05-4BD4-9EDC-97C973DBF117}" type="presOf" srcId="{80E74D8C-542F-4CC5-BC98-FAF5FE974176}" destId="{6E47D520-F4BE-414A-B85C-6428C39B27F3}" srcOrd="1" destOrd="0" presId="urn:microsoft.com/office/officeart/2005/8/layout/hierarchy2"/>
-    <dgm:cxn modelId="{133F74E0-AF89-490F-AB36-CE45742E2C3E}" type="presOf" srcId="{F9211877-83EE-4FB3-80F5-800BE2268021}" destId="{BC212194-7374-4269-968B-01AE26C8E7E7}" srcOrd="1" destOrd="0" presId="urn:microsoft.com/office/officeart/2005/8/layout/hierarchy2"/>
-    <dgm:cxn modelId="{243A1AE1-8CB1-43D7-9EDE-656A4118D804}" type="presOf" srcId="{A66F1D8E-5685-46E3-BE8D-7FCA83E9FDE9}" destId="{FFF5DBD4-11AC-4A60-A1E0-7F73FD9B4013}" srcOrd="1" destOrd="0" presId="urn:microsoft.com/office/officeart/2005/8/layout/hierarchy2"/>
-    <dgm:cxn modelId="{72CB51E2-0D02-4DB0-8F2C-115491DD2517}" type="presOf" srcId="{E1460541-8638-4ABB-BBA3-DE5ED688BF93}" destId="{F0C286D4-2B39-4BF3-B9A6-3EE705B82A4C}" srcOrd="1" destOrd="0" presId="urn:microsoft.com/office/officeart/2005/8/layout/hierarchy2"/>
+    <dgm:cxn modelId="{35B924F1-1A7C-458A-A23E-A262BE4F86C1}" srcId="{F02892E4-4798-4CFA-9FE2-B8361D851E5B}" destId="{D03542B2-16F3-4EFB-A072-801DF1C724BC}" srcOrd="4" destOrd="0" parTransId="{53E3B8D3-612E-4E09-BFC9-CDBC1ABD610F}" sibTransId="{1C6127D0-9137-4A6B-8C5D-2701837DE3FE}"/>
+    <dgm:cxn modelId="{9F4E0878-39FD-4C8F-9114-0A244AA52B58}" type="presOf" srcId="{63FA7234-CD69-411D-8704-C339195B6FE1}" destId="{EF7DDFB5-FB87-49FC-9C33-B7A9410F9D6E}" srcOrd="1" destOrd="0" presId="urn:microsoft.com/office/officeart/2005/8/layout/hierarchy2"/>
+    <dgm:cxn modelId="{C1B1754D-91F8-4C49-BE74-6223A2534336}" type="presOf" srcId="{5ADC04EF-F9E3-49C9-8B1F-7A938E956F49}" destId="{E86144F1-6F44-45CC-92DE-655D018FAFBB}" srcOrd="1" destOrd="0" presId="urn:microsoft.com/office/officeart/2005/8/layout/hierarchy2"/>
+    <dgm:cxn modelId="{5D084132-09A2-45A7-91C2-CE5644AC5E60}" srcId="{AF5A8C4F-0B2D-47AB-BC91-456F9D955560}" destId="{01BCC422-7019-4C31-B5AB-55F8D4FEDC1F}" srcOrd="1" destOrd="0" parTransId="{CB451582-96A1-4422-B6F9-BBD688E3A0E3}" sibTransId="{9AEF87C2-C64E-429A-8989-E71F4E4C8050}"/>
+    <dgm:cxn modelId="{8A6DBF2B-4E1F-4C18-A02A-0D16771FC73F}" type="presOf" srcId="{A028C982-2A92-43B9-B350-D57C10FBAB0A}" destId="{8A44B239-B375-417E-BD64-F588906047FC}" srcOrd="0" destOrd="0" presId="urn:microsoft.com/office/officeart/2005/8/layout/hierarchy2"/>
+    <dgm:cxn modelId="{121E4201-DCF1-4D9E-8D16-83E9BAE47841}" type="presOf" srcId="{52539E7A-43F5-4E10-9DDC-01B3396399F8}" destId="{C3ED37B6-D9D7-4DD3-86A6-14B8D93F143F}" srcOrd="1" destOrd="0" presId="urn:microsoft.com/office/officeart/2005/8/layout/hierarchy2"/>
     <dgm:cxn modelId="{DBF832E7-A5C4-463C-9849-F7F64E697721}" srcId="{F02892E4-4798-4CFA-9FE2-B8361D851E5B}" destId="{CB36923F-7B0C-4F83-8707-AFA3DB0C0A5E}" srcOrd="3" destOrd="0" parTransId="{35AB48A9-1300-4BD5-8CBF-8E807A0ECBD4}" sibTransId="{097D9A9F-769F-4E66-AFAF-DF0A4083C7B5}"/>
-    <dgm:cxn modelId="{1A5E54E8-DF34-44F6-976B-F20C96B8F489}" srcId="{F02892E4-4798-4CFA-9FE2-B8361D851E5B}" destId="{8AA86B0C-D917-4176-94E6-205946283056}" srcOrd="2" destOrd="0" parTransId="{9ADB1338-2672-492F-ABA6-2927C5674444}" sibTransId="{A8ACEC76-E104-40ED-8181-D63219F5849E}"/>
-    <dgm:cxn modelId="{1419F3EA-51EB-4B66-B072-E0C5FEFD9273}" type="presOf" srcId="{53E3B8D3-612E-4E09-BFC9-CDBC1ABD610F}" destId="{C436168E-7472-4AF7-9298-4B5D1762B948}" srcOrd="0" destOrd="0" presId="urn:microsoft.com/office/officeart/2005/8/layout/hierarchy2"/>
-    <dgm:cxn modelId="{A0959EED-A2F6-47B7-BBEB-00555E16A431}" type="presOf" srcId="{BF93CB55-A873-4673-8274-E521FC71B063}" destId="{B71402E3-4CE0-4A97-87DE-07C3467EE444}" srcOrd="0" destOrd="0" presId="urn:microsoft.com/office/officeart/2005/8/layout/hierarchy2"/>
-    <dgm:cxn modelId="{7E47D7EE-B962-4C7A-A547-18793467B128}" type="presOf" srcId="{F9211877-83EE-4FB3-80F5-800BE2268021}" destId="{2E5CE375-6246-43EE-91D7-C33E9AE5782A}" srcOrd="0" destOrd="0" presId="urn:microsoft.com/office/officeart/2005/8/layout/hierarchy2"/>
-    <dgm:cxn modelId="{35B924F1-1A7C-458A-A23E-A262BE4F86C1}" srcId="{F02892E4-4798-4CFA-9FE2-B8361D851E5B}" destId="{D03542B2-16F3-4EFB-A072-801DF1C724BC}" srcOrd="4" destOrd="0" parTransId="{53E3B8D3-612E-4E09-BFC9-CDBC1ABD610F}" sibTransId="{1C6127D0-9137-4A6B-8C5D-2701837DE3FE}"/>
-    <dgm:cxn modelId="{744E5AF4-94FA-4E7D-B44D-978F42BC5F1C}" type="presOf" srcId="{9ADB1338-2672-492F-ABA6-2927C5674444}" destId="{CC75584B-4935-4760-B8E8-EDC702A46ED2}" srcOrd="0" destOrd="0" presId="urn:microsoft.com/office/officeart/2005/8/layout/hierarchy2"/>
-    <dgm:cxn modelId="{55D403F6-7B4B-4267-83DF-F9EB8A24AE38}" type="presOf" srcId="{63FA7234-CD69-411D-8704-C339195B6FE1}" destId="{C82602F8-0349-4B99-A39A-33C65352B125}" srcOrd="0" destOrd="0" presId="urn:microsoft.com/office/officeart/2005/8/layout/hierarchy2"/>
-    <dgm:cxn modelId="{EC8E13F7-05E2-4CC0-B576-0E8C98DC4F07}" srcId="{7EAAFB5F-FEBD-4331-BE61-AFB2FC9092C9}" destId="{57433F99-F708-4F58-94E5-02093D6AA866}" srcOrd="0" destOrd="0" parTransId="{8930935A-CAAC-4D57-965A-28DFB66BE5F4}" sibTransId="{D989D43B-DC52-48E3-862E-96DC1ECA1F98}"/>
-    <dgm:cxn modelId="{511876F9-8468-4350-A0B0-CEB2599A1E27}" srcId="{6DCD5A69-E68C-4867-AFE1-DA5BA10D38F8}" destId="{B584F320-C209-4EC3-93BC-D68F9FB62184}" srcOrd="0" destOrd="0" parTransId="{A028C982-2A92-43B9-B350-D57C10FBAB0A}" sibTransId="{0DEB30A7-0B01-4417-8C65-683E58CF4304}"/>
-    <dgm:cxn modelId="{3EEDC6FA-DA39-4CC7-9DBB-AEB0138FA515}" type="presOf" srcId="{CBC25389-9B98-4DBB-AC07-A94A4B942CEC}" destId="{D59BAFDB-9B88-40C7-A4B8-3424C6C16110}" srcOrd="1" destOrd="0" presId="urn:microsoft.com/office/officeart/2005/8/layout/hierarchy2"/>
+    <dgm:cxn modelId="{1AA0DAAF-BAF7-4C82-BA14-91CE19CE271C}" type="presOf" srcId="{2013A976-9626-4706-B736-CCEBC9A526D4}" destId="{BFF1365F-825B-490A-9491-C2A9086DA0CC}" srcOrd="0" destOrd="0" presId="urn:microsoft.com/office/officeart/2005/8/layout/hierarchy2"/>
+    <dgm:cxn modelId="{E3B89E01-EC00-44F3-852C-ED92EA7BF876}" type="presOf" srcId="{FB83C6F6-F8B7-41FC-BBF8-0B2F92A002C1}" destId="{1968E761-EEC0-4D9F-9DFB-64EC53305073}" srcOrd="1" destOrd="0" presId="urn:microsoft.com/office/officeart/2005/8/layout/hierarchy2"/>
+    <dgm:cxn modelId="{D1F4B353-92D1-4B16-92A4-D1AAC68C5048}" type="presOf" srcId="{9ADB1338-2672-492F-ABA6-2927C5674444}" destId="{3D0B6B84-56F8-44D3-9DD4-B6B6C3D779D6}" srcOrd="1" destOrd="0" presId="urn:microsoft.com/office/officeart/2005/8/layout/hierarchy2"/>
     <dgm:cxn modelId="{1E5C8ACA-73C8-45C3-9BF3-ACE38A13D6C8}" type="presParOf" srcId="{C76B5BB1-98CF-4FEC-9022-FFB06C7F5DEF}" destId="{B2E3F683-9CCD-47F1-A9AC-C356A21D4E4D}" srcOrd="0" destOrd="0" presId="urn:microsoft.com/office/officeart/2005/8/layout/hierarchy2"/>
     <dgm:cxn modelId="{C7CF04D1-2188-43BE-A1CA-CAC119D99071}" type="presParOf" srcId="{B2E3F683-9CCD-47F1-A9AC-C356A21D4E4D}" destId="{7CB58221-110F-4600-BE03-B2B3731AF535}" srcOrd="0" destOrd="0" presId="urn:microsoft.com/office/officeart/2005/8/layout/hierarchy2"/>
     <dgm:cxn modelId="{88965673-CC79-4ED9-BBFB-AE6539DDFF8A}" type="presParOf" srcId="{B2E3F683-9CCD-47F1-A9AC-C356A21D4E4D}" destId="{496CB9D1-3224-4247-8B8D-4E5FBA233C36}" srcOrd="1" destOrd="0" presId="urn:microsoft.com/office/officeart/2005/8/layout/hierarchy2"/>
@@ -2732,7 +3229,7 @@
         </a:bodyPr>
         <a:lstStyle/>
         <a:p>
-          <a:pPr marL="0" lvl="0" indent="0" algn="ctr" defTabSz="800100">
+          <a:pPr lvl="0" algn="ctr" defTabSz="800100">
             <a:lnSpc>
               <a:spcPct val="90000"/>
             </a:lnSpc>
@@ -2742,7 +3239,6 @@
             <a:spcAft>
               <a:spcPct val="35000"/>
             </a:spcAft>
-            <a:buNone/>
           </a:pPr>
           <a:r>
             <a:rPr lang="es-ES" sz="1800" b="0" kern="1200" dirty="0"/>
@@ -2814,7 +3310,7 @@
         </a:bodyPr>
         <a:lstStyle/>
         <a:p>
-          <a:pPr marL="0" lvl="0" indent="0" algn="ctr" defTabSz="311150">
+          <a:pPr lvl="0" algn="ctr" defTabSz="311150">
             <a:lnSpc>
               <a:spcPct val="90000"/>
             </a:lnSpc>
@@ -2824,7 +3320,6 @@
             <a:spcAft>
               <a:spcPct val="35000"/>
             </a:spcAft>
-            <a:buNone/>
           </a:pPr>
           <a:endParaRPr lang="es-ES" sz="700" b="0" kern="1200"/>
         </a:p>
@@ -2912,7 +3407,7 @@
         </a:bodyPr>
         <a:lstStyle/>
         <a:p>
-          <a:pPr marL="0" lvl="0" indent="0" algn="ctr" defTabSz="711200">
+          <a:pPr lvl="0" algn="ctr" defTabSz="711200">
             <a:lnSpc>
               <a:spcPct val="90000"/>
             </a:lnSpc>
@@ -2922,7 +3417,6 @@
             <a:spcAft>
               <a:spcPct val="35000"/>
             </a:spcAft>
-            <a:buNone/>
           </a:pPr>
           <a:r>
             <a:rPr lang="es-ES" sz="1600" b="0" kern="1200" dirty="0"/>
@@ -2994,7 +3488,7 @@
         </a:bodyPr>
         <a:lstStyle/>
         <a:p>
-          <a:pPr marL="0" lvl="0" indent="0" algn="ctr" defTabSz="311150">
+          <a:pPr lvl="0" algn="ctr" defTabSz="311150">
             <a:lnSpc>
               <a:spcPct val="90000"/>
             </a:lnSpc>
@@ -3004,7 +3498,6 @@
             <a:spcAft>
               <a:spcPct val="35000"/>
             </a:spcAft>
-            <a:buNone/>
           </a:pPr>
           <a:endParaRPr lang="es-ES" sz="700" b="0" kern="1200"/>
         </a:p>
@@ -3092,7 +3585,7 @@
         </a:bodyPr>
         <a:lstStyle/>
         <a:p>
-          <a:pPr marL="0" lvl="0" indent="0" algn="ctr" defTabSz="622300">
+          <a:pPr lvl="0" algn="ctr" defTabSz="622300">
             <a:lnSpc>
               <a:spcPct val="90000"/>
             </a:lnSpc>
@@ -3102,7 +3595,6 @@
             <a:spcAft>
               <a:spcPct val="35000"/>
             </a:spcAft>
-            <a:buNone/>
           </a:pPr>
           <a:r>
             <a:rPr lang="es-ES" sz="1400" b="0" kern="1200"/>
@@ -3174,7 +3666,7 @@
         </a:bodyPr>
         <a:lstStyle/>
         <a:p>
-          <a:pPr marL="0" lvl="0" indent="0" algn="ctr" defTabSz="311150">
+          <a:pPr lvl="0" algn="ctr" defTabSz="311150">
             <a:lnSpc>
               <a:spcPct val="90000"/>
             </a:lnSpc>
@@ -3184,7 +3676,6 @@
             <a:spcAft>
               <a:spcPct val="35000"/>
             </a:spcAft>
-            <a:buNone/>
           </a:pPr>
           <a:endParaRPr lang="es-ES" sz="700" b="0" kern="1200"/>
         </a:p>
@@ -3272,7 +3763,7 @@
         </a:bodyPr>
         <a:lstStyle/>
         <a:p>
-          <a:pPr marL="0" lvl="0" indent="0" algn="ctr" defTabSz="711200">
+          <a:pPr lvl="0" algn="ctr" defTabSz="711200">
             <a:lnSpc>
               <a:spcPct val="90000"/>
             </a:lnSpc>
@@ -3282,7 +3773,6 @@
             <a:spcAft>
               <a:spcPct val="35000"/>
             </a:spcAft>
-            <a:buNone/>
           </a:pPr>
           <a:r>
             <a:rPr lang="es-ES" sz="1600" b="0" kern="1200" dirty="0"/>
@@ -3359,7 +3849,7 @@
         </a:bodyPr>
         <a:lstStyle/>
         <a:p>
-          <a:pPr marL="0" lvl="0" indent="0" algn="ctr" defTabSz="311150">
+          <a:pPr lvl="0" algn="ctr" defTabSz="311150">
             <a:lnSpc>
               <a:spcPct val="90000"/>
             </a:lnSpc>
@@ -3369,7 +3859,6 @@
             <a:spcAft>
               <a:spcPct val="35000"/>
             </a:spcAft>
-            <a:buNone/>
           </a:pPr>
           <a:endParaRPr lang="es-ES" sz="700" b="0" kern="1200"/>
         </a:p>
@@ -3457,7 +3946,7 @@
         </a:bodyPr>
         <a:lstStyle/>
         <a:p>
-          <a:pPr marL="0" lvl="0" indent="0" algn="ctr" defTabSz="711200">
+          <a:pPr lvl="0" algn="ctr" defTabSz="711200">
             <a:lnSpc>
               <a:spcPct val="90000"/>
             </a:lnSpc>
@@ -3467,7 +3956,6 @@
             <a:spcAft>
               <a:spcPct val="35000"/>
             </a:spcAft>
-            <a:buNone/>
           </a:pPr>
           <a:r>
             <a:rPr lang="es-ES" sz="1600" b="0" kern="1200"/>
@@ -3539,7 +4027,7 @@
         </a:bodyPr>
         <a:lstStyle/>
         <a:p>
-          <a:pPr marL="0" lvl="0" indent="0" algn="ctr" defTabSz="311150">
+          <a:pPr lvl="0" algn="ctr" defTabSz="311150">
             <a:lnSpc>
               <a:spcPct val="90000"/>
             </a:lnSpc>
@@ -3549,7 +4037,6 @@
             <a:spcAft>
               <a:spcPct val="35000"/>
             </a:spcAft>
-            <a:buNone/>
           </a:pPr>
           <a:endParaRPr lang="es-ES" sz="700" b="0" kern="1200"/>
         </a:p>
@@ -3637,7 +4124,7 @@
         </a:bodyPr>
         <a:lstStyle/>
         <a:p>
-          <a:pPr marL="0" lvl="0" indent="0" algn="ctr" defTabSz="711200">
+          <a:pPr lvl="0" algn="ctr" defTabSz="711200">
             <a:lnSpc>
               <a:spcPct val="90000"/>
             </a:lnSpc>
@@ -3647,7 +4134,6 @@
             <a:spcAft>
               <a:spcPct val="35000"/>
             </a:spcAft>
-            <a:buNone/>
           </a:pPr>
           <a:r>
             <a:rPr lang="es-ES" sz="1600" b="0" kern="1200"/>
@@ -3719,7 +4205,7 @@
         </a:bodyPr>
         <a:lstStyle/>
         <a:p>
-          <a:pPr marL="0" lvl="0" indent="0" algn="ctr" defTabSz="311150">
+          <a:pPr lvl="0" algn="ctr" defTabSz="311150">
             <a:lnSpc>
               <a:spcPct val="90000"/>
             </a:lnSpc>
@@ -3729,7 +4215,6 @@
             <a:spcAft>
               <a:spcPct val="35000"/>
             </a:spcAft>
-            <a:buNone/>
           </a:pPr>
           <a:endParaRPr lang="es-ES" sz="700" b="0" kern="1200"/>
         </a:p>
@@ -3817,7 +4302,7 @@
         </a:bodyPr>
         <a:lstStyle/>
         <a:p>
-          <a:pPr marL="0" lvl="0" indent="0" algn="ctr" defTabSz="622300">
+          <a:pPr lvl="0" algn="ctr" defTabSz="622300">
             <a:lnSpc>
               <a:spcPct val="90000"/>
             </a:lnSpc>
@@ -3827,7 +4312,6 @@
             <a:spcAft>
               <a:spcPct val="35000"/>
             </a:spcAft>
-            <a:buNone/>
           </a:pPr>
           <a:r>
             <a:rPr lang="es-ES" sz="1400" b="0" kern="1200"/>
@@ -3899,7 +4383,7 @@
         </a:bodyPr>
         <a:lstStyle/>
         <a:p>
-          <a:pPr marL="0" lvl="0" indent="0" algn="ctr" defTabSz="311150">
+          <a:pPr lvl="0" algn="ctr" defTabSz="311150">
             <a:lnSpc>
               <a:spcPct val="90000"/>
             </a:lnSpc>
@@ -3909,7 +4393,6 @@
             <a:spcAft>
               <a:spcPct val="35000"/>
             </a:spcAft>
-            <a:buNone/>
           </a:pPr>
           <a:endParaRPr lang="es-ES" sz="700" b="0" kern="1200"/>
         </a:p>
@@ -3997,7 +4480,7 @@
         </a:bodyPr>
         <a:lstStyle/>
         <a:p>
-          <a:pPr marL="0" lvl="0" indent="0" algn="ctr" defTabSz="711200">
+          <a:pPr lvl="0" algn="ctr" defTabSz="711200">
             <a:lnSpc>
               <a:spcPct val="90000"/>
             </a:lnSpc>
@@ -4007,7 +4490,6 @@
             <a:spcAft>
               <a:spcPct val="35000"/>
             </a:spcAft>
-            <a:buNone/>
           </a:pPr>
           <a:r>
             <a:rPr lang="es-ES" sz="1600" b="0" kern="1200"/>
@@ -4079,7 +4561,7 @@
         </a:bodyPr>
         <a:lstStyle/>
         <a:p>
-          <a:pPr marL="0" lvl="0" indent="0" algn="ctr" defTabSz="311150">
+          <a:pPr lvl="0" algn="ctr" defTabSz="311150">
             <a:lnSpc>
               <a:spcPct val="90000"/>
             </a:lnSpc>
@@ -4089,7 +4571,6 @@
             <a:spcAft>
               <a:spcPct val="35000"/>
             </a:spcAft>
-            <a:buNone/>
           </a:pPr>
           <a:endParaRPr lang="es-ES" sz="700" b="0" kern="1200"/>
         </a:p>
@@ -4177,7 +4658,7 @@
         </a:bodyPr>
         <a:lstStyle/>
         <a:p>
-          <a:pPr marL="0" lvl="0" indent="0" algn="ctr" defTabSz="711200">
+          <a:pPr lvl="0" algn="ctr" defTabSz="711200">
             <a:lnSpc>
               <a:spcPct val="90000"/>
             </a:lnSpc>
@@ -4187,7 +4668,6 @@
             <a:spcAft>
               <a:spcPct val="35000"/>
             </a:spcAft>
-            <a:buNone/>
           </a:pPr>
           <a:r>
             <a:rPr lang="es-ES" sz="1600" b="0" kern="1200" dirty="0"/>
@@ -4259,7 +4739,7 @@
         </a:bodyPr>
         <a:lstStyle/>
         <a:p>
-          <a:pPr marL="0" lvl="0" indent="0" algn="ctr" defTabSz="311150">
+          <a:pPr lvl="0" algn="ctr" defTabSz="311150">
             <a:lnSpc>
               <a:spcPct val="90000"/>
             </a:lnSpc>
@@ -4269,7 +4749,6 @@
             <a:spcAft>
               <a:spcPct val="35000"/>
             </a:spcAft>
-            <a:buNone/>
           </a:pPr>
           <a:endParaRPr lang="es-ES" sz="700" b="0" kern="1200"/>
         </a:p>
@@ -4357,7 +4836,7 @@
         </a:bodyPr>
         <a:lstStyle/>
         <a:p>
-          <a:pPr marL="0" lvl="0" indent="0" algn="ctr" defTabSz="622300">
+          <a:pPr lvl="0" algn="ctr" defTabSz="622300">
             <a:lnSpc>
               <a:spcPct val="90000"/>
             </a:lnSpc>
@@ -4367,7 +4846,6 @@
             <a:spcAft>
               <a:spcPct val="35000"/>
             </a:spcAft>
-            <a:buNone/>
           </a:pPr>
           <a:r>
             <a:rPr lang="es-ES" sz="1400" b="0" kern="1200"/>
@@ -4439,7 +4917,7 @@
         </a:bodyPr>
         <a:lstStyle/>
         <a:p>
-          <a:pPr marL="0" lvl="0" indent="0" algn="ctr" defTabSz="311150">
+          <a:pPr lvl="0" algn="ctr" defTabSz="311150">
             <a:lnSpc>
               <a:spcPct val="90000"/>
             </a:lnSpc>
@@ -4449,7 +4927,6 @@
             <a:spcAft>
               <a:spcPct val="35000"/>
             </a:spcAft>
-            <a:buNone/>
           </a:pPr>
           <a:endParaRPr lang="es-ES" sz="700" b="0" kern="1200"/>
         </a:p>
@@ -4537,7 +5014,7 @@
         </a:bodyPr>
         <a:lstStyle/>
         <a:p>
-          <a:pPr marL="0" lvl="0" indent="0" algn="ctr" defTabSz="711200">
+          <a:pPr lvl="0" algn="ctr" defTabSz="711200">
             <a:lnSpc>
               <a:spcPct val="90000"/>
             </a:lnSpc>
@@ -4547,7 +5024,6 @@
             <a:spcAft>
               <a:spcPct val="35000"/>
             </a:spcAft>
-            <a:buNone/>
           </a:pPr>
           <a:r>
             <a:rPr lang="es-ES" sz="1600" b="0" kern="1200"/>
@@ -4619,7 +5095,7 @@
         </a:bodyPr>
         <a:lstStyle/>
         <a:p>
-          <a:pPr marL="0" lvl="0" indent="0" algn="ctr" defTabSz="311150">
+          <a:pPr lvl="0" algn="ctr" defTabSz="311150">
             <a:lnSpc>
               <a:spcPct val="90000"/>
             </a:lnSpc>
@@ -4629,7 +5105,6 @@
             <a:spcAft>
               <a:spcPct val="35000"/>
             </a:spcAft>
-            <a:buNone/>
           </a:pPr>
           <a:endParaRPr lang="es-ES" sz="700" b="0" kern="1200"/>
         </a:p>
@@ -4717,7 +5192,7 @@
         </a:bodyPr>
         <a:lstStyle/>
         <a:p>
-          <a:pPr marL="0" lvl="0" indent="0" algn="ctr" defTabSz="711200">
+          <a:pPr lvl="0" algn="ctr" defTabSz="711200">
             <a:lnSpc>
               <a:spcPct val="90000"/>
             </a:lnSpc>
@@ -4727,7 +5202,6 @@
             <a:spcAft>
               <a:spcPct val="35000"/>
             </a:spcAft>
-            <a:buNone/>
           </a:pPr>
           <a:r>
             <a:rPr lang="es-ES" sz="1600" b="0" kern="1200"/>
@@ -4799,7 +5273,7 @@
         </a:bodyPr>
         <a:lstStyle/>
         <a:p>
-          <a:pPr marL="0" lvl="0" indent="0" algn="ctr" defTabSz="311150">
+          <a:pPr lvl="0" algn="ctr" defTabSz="311150">
             <a:lnSpc>
               <a:spcPct val="90000"/>
             </a:lnSpc>
@@ -4809,7 +5283,6 @@
             <a:spcAft>
               <a:spcPct val="35000"/>
             </a:spcAft>
-            <a:buNone/>
           </a:pPr>
           <a:endParaRPr lang="es-ES" sz="700" b="0" kern="1200"/>
         </a:p>
@@ -4897,7 +5370,7 @@
         </a:bodyPr>
         <a:lstStyle/>
         <a:p>
-          <a:pPr marL="0" lvl="0" indent="0" algn="ctr" defTabSz="711200">
+          <a:pPr lvl="0" algn="ctr" defTabSz="711200">
             <a:lnSpc>
               <a:spcPct val="90000"/>
             </a:lnSpc>
@@ -4907,7 +5380,6 @@
             <a:spcAft>
               <a:spcPct val="35000"/>
             </a:spcAft>
-            <a:buNone/>
           </a:pPr>
           <a:r>
             <a:rPr lang="es-ES" sz="1600" b="0" kern="1200"/>
@@ -4979,7 +5451,7 @@
         </a:bodyPr>
         <a:lstStyle/>
         <a:p>
-          <a:pPr marL="0" lvl="0" indent="0" algn="ctr" defTabSz="311150">
+          <a:pPr lvl="0" algn="ctr" defTabSz="311150">
             <a:lnSpc>
               <a:spcPct val="90000"/>
             </a:lnSpc>
@@ -4989,7 +5461,6 @@
             <a:spcAft>
               <a:spcPct val="35000"/>
             </a:spcAft>
-            <a:buNone/>
           </a:pPr>
           <a:endParaRPr lang="es-ES" sz="700" b="0" kern="1200"/>
         </a:p>
@@ -5077,7 +5548,7 @@
         </a:bodyPr>
         <a:lstStyle/>
         <a:p>
-          <a:pPr marL="0" lvl="0" indent="0" algn="ctr" defTabSz="622300">
+          <a:pPr lvl="0" algn="ctr" defTabSz="622300">
             <a:lnSpc>
               <a:spcPct val="90000"/>
             </a:lnSpc>
@@ -5087,7 +5558,6 @@
             <a:spcAft>
               <a:spcPct val="35000"/>
             </a:spcAft>
-            <a:buNone/>
           </a:pPr>
           <a:r>
             <a:rPr lang="es-ES" sz="1400" b="0" kern="1200"/>
@@ -5159,7 +5629,7 @@
         </a:bodyPr>
         <a:lstStyle/>
         <a:p>
-          <a:pPr marL="0" lvl="0" indent="0" algn="ctr" defTabSz="311150">
+          <a:pPr lvl="0" algn="ctr" defTabSz="311150">
             <a:lnSpc>
               <a:spcPct val="90000"/>
             </a:lnSpc>
@@ -5169,7 +5639,6 @@
             <a:spcAft>
               <a:spcPct val="35000"/>
             </a:spcAft>
-            <a:buNone/>
           </a:pPr>
           <a:endParaRPr lang="es-ES" sz="700" b="0" kern="1200"/>
         </a:p>
@@ -5257,7 +5726,7 @@
         </a:bodyPr>
         <a:lstStyle/>
         <a:p>
-          <a:pPr marL="0" lvl="0" indent="0" algn="ctr" defTabSz="711200">
+          <a:pPr lvl="0" algn="ctr" defTabSz="711200">
             <a:lnSpc>
               <a:spcPct val="90000"/>
             </a:lnSpc>
@@ -5267,7 +5736,6 @@
             <a:spcAft>
               <a:spcPct val="35000"/>
             </a:spcAft>
-            <a:buNone/>
           </a:pPr>
           <a:r>
             <a:rPr lang="es-ES" sz="1600" b="0" kern="1200"/>
@@ -5339,7 +5807,7 @@
         </a:bodyPr>
         <a:lstStyle/>
         <a:p>
-          <a:pPr marL="0" lvl="0" indent="0" algn="ctr" defTabSz="311150">
+          <a:pPr lvl="0" algn="ctr" defTabSz="311150">
             <a:lnSpc>
               <a:spcPct val="90000"/>
             </a:lnSpc>
@@ -5349,7 +5817,6 @@
             <a:spcAft>
               <a:spcPct val="35000"/>
             </a:spcAft>
-            <a:buNone/>
           </a:pPr>
           <a:endParaRPr lang="es-ES" sz="700" b="0" kern="1200"/>
         </a:p>
@@ -5437,7 +5904,7 @@
         </a:bodyPr>
         <a:lstStyle/>
         <a:p>
-          <a:pPr marL="0" lvl="0" indent="0" algn="ctr" defTabSz="711200">
+          <a:pPr lvl="0" algn="ctr" defTabSz="711200">
             <a:lnSpc>
               <a:spcPct val="90000"/>
             </a:lnSpc>
@@ -5447,7 +5914,6 @@
             <a:spcAft>
               <a:spcPct val="35000"/>
             </a:spcAft>
-            <a:buNone/>
           </a:pPr>
           <a:r>
             <a:rPr lang="es-ES" sz="1600" b="0" kern="1200" dirty="0"/>
@@ -5519,7 +5985,7 @@
         </a:bodyPr>
         <a:lstStyle/>
         <a:p>
-          <a:pPr marL="0" lvl="0" indent="0" algn="ctr" defTabSz="311150">
+          <a:pPr lvl="0" algn="ctr" defTabSz="311150">
             <a:lnSpc>
               <a:spcPct val="90000"/>
             </a:lnSpc>
@@ -5529,7 +5995,6 @@
             <a:spcAft>
               <a:spcPct val="35000"/>
             </a:spcAft>
-            <a:buNone/>
           </a:pPr>
           <a:endParaRPr lang="es-ES" sz="700" b="0" kern="1200"/>
         </a:p>
@@ -5617,7 +6082,7 @@
         </a:bodyPr>
         <a:lstStyle/>
         <a:p>
-          <a:pPr marL="0" lvl="0" indent="0" algn="ctr" defTabSz="622300">
+          <a:pPr lvl="0" algn="ctr" defTabSz="622300">
             <a:lnSpc>
               <a:spcPct val="90000"/>
             </a:lnSpc>
@@ -5627,7 +6092,6 @@
             <a:spcAft>
               <a:spcPct val="35000"/>
             </a:spcAft>
-            <a:buNone/>
           </a:pPr>
           <a:r>
             <a:rPr lang="es-ES" sz="1400" b="0" kern="1200"/>
@@ -5699,7 +6163,7 @@
         </a:bodyPr>
         <a:lstStyle/>
         <a:p>
-          <a:pPr marL="0" lvl="0" indent="0" algn="ctr" defTabSz="311150">
+          <a:pPr lvl="0" algn="ctr" defTabSz="311150">
             <a:lnSpc>
               <a:spcPct val="90000"/>
             </a:lnSpc>
@@ -5709,7 +6173,6 @@
             <a:spcAft>
               <a:spcPct val="35000"/>
             </a:spcAft>
-            <a:buNone/>
           </a:pPr>
           <a:endParaRPr lang="es-ES" sz="700" b="0" kern="1200"/>
         </a:p>
@@ -5797,7 +6260,7 @@
         </a:bodyPr>
         <a:lstStyle/>
         <a:p>
-          <a:pPr marL="0" lvl="0" indent="0" algn="ctr" defTabSz="711200">
+          <a:pPr lvl="0" algn="ctr" defTabSz="711200">
             <a:lnSpc>
               <a:spcPct val="90000"/>
             </a:lnSpc>
@@ -5807,7 +6270,6 @@
             <a:spcAft>
               <a:spcPct val="35000"/>
             </a:spcAft>
-            <a:buNone/>
           </a:pPr>
           <a:r>
             <a:rPr lang="es-ES" sz="1600" b="0" kern="1200"/>
@@ -5879,7 +6341,7 @@
         </a:bodyPr>
         <a:lstStyle/>
         <a:p>
-          <a:pPr marL="0" lvl="0" indent="0" algn="ctr" defTabSz="311150">
+          <a:pPr lvl="0" algn="ctr" defTabSz="311150">
             <a:lnSpc>
               <a:spcPct val="90000"/>
             </a:lnSpc>
@@ -5889,7 +6351,6 @@
             <a:spcAft>
               <a:spcPct val="35000"/>
             </a:spcAft>
-            <a:buNone/>
           </a:pPr>
           <a:endParaRPr lang="es-ES" sz="700" b="0" kern="1200"/>
         </a:p>
@@ -5977,7 +6438,7 @@
         </a:bodyPr>
         <a:lstStyle/>
         <a:p>
-          <a:pPr marL="0" lvl="0" indent="0" algn="ctr" defTabSz="622300">
+          <a:pPr lvl="0" algn="ctr" defTabSz="622300">
             <a:lnSpc>
               <a:spcPct val="90000"/>
             </a:lnSpc>
@@ -5987,7 +6448,6 @@
             <a:spcAft>
               <a:spcPct val="35000"/>
             </a:spcAft>
-            <a:buNone/>
           </a:pPr>
           <a:r>
             <a:rPr lang="es-ES" sz="1400" b="0" kern="1200"/>
@@ -6059,7 +6519,7 @@
         </a:bodyPr>
         <a:lstStyle/>
         <a:p>
-          <a:pPr marL="0" lvl="0" indent="0" algn="ctr" defTabSz="311150">
+          <a:pPr lvl="0" algn="ctr" defTabSz="311150">
             <a:lnSpc>
               <a:spcPct val="90000"/>
             </a:lnSpc>
@@ -6069,7 +6529,6 @@
             <a:spcAft>
               <a:spcPct val="35000"/>
             </a:spcAft>
-            <a:buNone/>
           </a:pPr>
           <a:endParaRPr lang="es-ES" sz="700" b="0" kern="1200"/>
         </a:p>
@@ -6157,7 +6616,7 @@
         </a:bodyPr>
         <a:lstStyle/>
         <a:p>
-          <a:pPr marL="0" lvl="0" indent="0" algn="ctr" defTabSz="711200">
+          <a:pPr lvl="0" algn="ctr" defTabSz="711200">
             <a:lnSpc>
               <a:spcPct val="90000"/>
             </a:lnSpc>
@@ -6167,7 +6626,6 @@
             <a:spcAft>
               <a:spcPct val="35000"/>
             </a:spcAft>
-            <a:buNone/>
           </a:pPr>
           <a:r>
             <a:rPr lang="es-ES" sz="1600" b="0" kern="1200"/>
@@ -6239,7 +6697,7 @@
         </a:bodyPr>
         <a:lstStyle/>
         <a:p>
-          <a:pPr marL="0" lvl="0" indent="0" algn="ctr" defTabSz="222250">
+          <a:pPr lvl="0" algn="ctr" defTabSz="222250">
             <a:lnSpc>
               <a:spcPct val="90000"/>
             </a:lnSpc>
@@ -6249,7 +6707,6 @@
             <a:spcAft>
               <a:spcPct val="35000"/>
             </a:spcAft>
-            <a:buNone/>
           </a:pPr>
           <a:endParaRPr lang="es-ES" sz="500" b="0" kern="1200"/>
         </a:p>
@@ -6337,7 +6794,7 @@
         </a:bodyPr>
         <a:lstStyle/>
         <a:p>
-          <a:pPr marL="0" lvl="0" indent="0" algn="ctr" defTabSz="622300">
+          <a:pPr lvl="0" algn="ctr" defTabSz="622300">
             <a:lnSpc>
               <a:spcPct val="90000"/>
             </a:lnSpc>
@@ -6347,7 +6804,6 @@
             <a:spcAft>
               <a:spcPct val="35000"/>
             </a:spcAft>
-            <a:buNone/>
           </a:pPr>
           <a:r>
             <a:rPr lang="es-ES" sz="1400" b="0" kern="1200"/>
@@ -6419,7 +6875,7 @@
         </a:bodyPr>
         <a:lstStyle/>
         <a:p>
-          <a:pPr marL="0" lvl="0" indent="0" algn="ctr" defTabSz="311150">
+          <a:pPr lvl="0" algn="ctr" defTabSz="311150">
             <a:lnSpc>
               <a:spcPct val="90000"/>
             </a:lnSpc>
@@ -6429,7 +6885,6 @@
             <a:spcAft>
               <a:spcPct val="35000"/>
             </a:spcAft>
-            <a:buNone/>
           </a:pPr>
           <a:endParaRPr lang="es-ES" sz="700" b="0" kern="1200"/>
         </a:p>
@@ -6517,7 +6972,7 @@
         </a:bodyPr>
         <a:lstStyle/>
         <a:p>
-          <a:pPr marL="0" lvl="0" indent="0" algn="ctr" defTabSz="711200">
+          <a:pPr lvl="0" algn="ctr" defTabSz="711200">
             <a:lnSpc>
               <a:spcPct val="90000"/>
             </a:lnSpc>
@@ -6527,7 +6982,6 @@
             <a:spcAft>
               <a:spcPct val="35000"/>
             </a:spcAft>
-            <a:buNone/>
           </a:pPr>
           <a:r>
             <a:rPr lang="es-ES" sz="1600" b="0" kern="1200"/>
@@ -6599,7 +7053,7 @@
         </a:bodyPr>
         <a:lstStyle/>
         <a:p>
-          <a:pPr marL="0" lvl="0" indent="0" algn="ctr" defTabSz="488950">
+          <a:pPr lvl="0" algn="ctr" defTabSz="488950">
             <a:lnSpc>
               <a:spcPct val="90000"/>
             </a:lnSpc>
@@ -6609,7 +7063,6 @@
             <a:spcAft>
               <a:spcPct val="35000"/>
             </a:spcAft>
-            <a:buNone/>
           </a:pPr>
           <a:endParaRPr lang="es-ES" sz="1100" b="0" kern="1200"/>
         </a:p>
@@ -6697,7 +7150,7 @@
         </a:bodyPr>
         <a:lstStyle/>
         <a:p>
-          <a:pPr marL="0" lvl="0" indent="0" algn="ctr" defTabSz="711200">
+          <a:pPr lvl="0" algn="ctr" defTabSz="711200">
             <a:lnSpc>
               <a:spcPct val="90000"/>
             </a:lnSpc>
@@ -6707,7 +7160,6 @@
             <a:spcAft>
               <a:spcPct val="35000"/>
             </a:spcAft>
-            <a:buNone/>
           </a:pPr>
           <a:r>
             <a:rPr lang="es-ES" sz="1600" b="0" kern="1200"/>
@@ -6779,7 +7231,7 @@
         </a:bodyPr>
         <a:lstStyle/>
         <a:p>
-          <a:pPr marL="0" lvl="0" indent="0" algn="ctr" defTabSz="222250">
+          <a:pPr lvl="0" algn="ctr" defTabSz="222250">
             <a:lnSpc>
               <a:spcPct val="90000"/>
             </a:lnSpc>
@@ -6789,7 +7241,6 @@
             <a:spcAft>
               <a:spcPct val="35000"/>
             </a:spcAft>
-            <a:buNone/>
           </a:pPr>
           <a:endParaRPr lang="es-ES" sz="500" b="0" kern="1200"/>
         </a:p>
@@ -6877,7 +7328,7 @@
         </a:bodyPr>
         <a:lstStyle/>
         <a:p>
-          <a:pPr marL="0" lvl="0" indent="0" algn="ctr" defTabSz="622300">
+          <a:pPr lvl="0" algn="ctr" defTabSz="622300">
             <a:lnSpc>
               <a:spcPct val="90000"/>
             </a:lnSpc>
@@ -6887,7 +7338,6 @@
             <a:spcAft>
               <a:spcPct val="35000"/>
             </a:spcAft>
-            <a:buNone/>
           </a:pPr>
           <a:r>
             <a:rPr lang="es-ES" sz="1400" b="0" kern="1200"/>
@@ -12342,6 +12792,13 @@
   <p:clrMapOvr>
     <a:masterClrMapping/>
   </p:clrMapOvr>
+  <p:timing>
+    <p:tnLst>
+      <p:par>
+        <p:cTn id="1" dur="indefinite" restart="never" nodeType="tmRoot"/>
+      </p:par>
+    </p:tnLst>
+  </p:timing>
 </p:sld>
 </file>
 
@@ -12424,12 +12881,6 @@
             <a:endParaRPr lang="es-ES" dirty="0"/>
           </a:p>
           <a:p>
-            <a:endParaRPr lang="es-ES" dirty="0"/>
-          </a:p>
-          <a:p>
-            <a:endParaRPr lang="es-ES" dirty="0"/>
-          </a:p>
-          <a:p>
             <a:r>
               <a:rPr lang="es-ES" dirty="0"/>
               <a:t>Desde el menú de inicio no se puede:</a:t>
@@ -12446,13 +12897,8 @@
             <a:pPr lvl="1"/>
             <a:r>
               <a:rPr lang="es-ES" dirty="0"/>
-              <a:t>Reiniciar </a:t>
+              <a:t>Reiniciar un nivel.</a:t>
             </a:r>
-            <a:r>
-              <a:rPr lang="es-ES"/>
-              <a:t>un nivel.</a:t>
-            </a:r>
-            <a:endParaRPr lang="es-ES" dirty="0"/>
           </a:p>
           <a:p>
             <a:r>
@@ -12498,41 +12944,6 @@
             <a:r>
               <a:rPr lang="es-ES" dirty="0"/>
               <a:t>Restricciones del proyecto </a:t>
-            </a:r>
-          </a:p>
-        </p:txBody>
-      </p:sp>
-      <p:sp>
-        <p:nvSpPr>
-          <p:cNvPr id="5" name="CuadroTexto 4">
-            <a:extLst>
-              <a:ext uri="{FF2B5EF4-FFF2-40B4-BE49-F238E27FC236}">
-                <a16:creationId xmlns:a16="http://schemas.microsoft.com/office/drawing/2014/main" id="{E774B843-5449-47E3-9C80-4B2E4742A83A}"/>
-              </a:ext>
-            </a:extLst>
-          </p:cNvPr>
-          <p:cNvSpPr txBox="1"/>
-          <p:nvPr/>
-        </p:nvSpPr>
-        <p:spPr>
-          <a:xfrm>
-            <a:off x="6096000" y="2161309"/>
-            <a:ext cx="5777345" cy="646331"/>
-          </a:xfrm>
-          <a:prstGeom prst="rect">
-            <a:avLst/>
-          </a:prstGeom>
-          <a:noFill/>
-        </p:spPr>
-        <p:txBody>
-          <a:bodyPr wrap="square" rtlCol="0">
-            <a:spAutoFit/>
-          </a:bodyPr>
-          <a:lstStyle/>
-          <a:p>
-            <a:r>
-              <a:rPr lang="es-ES" dirty="0"/>
-              <a:t>(METER PANTALLITA CON LA OPCION DEL MENU DE MEJORES TIEMPOS)</a:t>
             </a:r>
           </a:p>
         </p:txBody>
@@ -12571,6 +12982,34 @@
           <a:prstGeom prst="rect">
             <a:avLst/>
           </a:prstGeom>
+        </p:spPr>
+      </p:pic>
+      <p:pic>
+        <p:nvPicPr>
+          <p:cNvPr id="2" name="Imagen 1"/>
+          <p:cNvPicPr>
+            <a:picLocks noChangeAspect="1"/>
+          </p:cNvPicPr>
+          <p:nvPr/>
+        </p:nvPicPr>
+        <p:blipFill rotWithShape="1">
+          <a:blip r:embed="rId3"/>
+          <a:srcRect l="1631" t="1453" r="1336"/>
+          <a:stretch/>
+        </p:blipFill>
+        <p:spPr>
+          <a:xfrm>
+            <a:off x="6759842" y="2266951"/>
+            <a:ext cx="3527780" cy="2562224"/>
+          </a:xfrm>
+          <a:prstGeom prst="rect">
+            <a:avLst/>
+          </a:prstGeom>
+          <a:ln>
+            <a:solidFill>
+              <a:schemeClr val="tx1"/>
+            </a:solidFill>
+          </a:ln>
         </p:spPr>
       </p:pic>
     </p:spTree>
@@ -12660,7 +13099,12 @@
             <p:ph idx="1"/>
           </p:nvPr>
         </p:nvSpPr>
-        <p:spPr/>
+        <p:spPr>
+          <a:xfrm>
+            <a:off x="1371600" y="1857375"/>
+            <a:ext cx="9601200" cy="3581400"/>
+          </a:xfrm>
+        </p:spPr>
         <p:txBody>
           <a:bodyPr/>
           <a:lstStyle/>
@@ -12941,6 +13385,13 @@
   <p:clrMapOvr>
     <a:masterClrMapping/>
   </p:clrMapOvr>
+  <p:timing>
+    <p:tnLst>
+      <p:par>
+        <p:cTn id="1" dur="indefinite" restart="never" nodeType="tmRoot"/>
+      </p:par>
+    </p:tnLst>
+  </p:timing>
 </p:sld>
 </file>
 
@@ -13021,11 +13472,13 @@
         <p:spPr>
           <a:xfrm>
             <a:off x="997528" y="1759527"/>
-            <a:ext cx="9601200" cy="3581400"/>
+            <a:ext cx="5829515" cy="1879023"/>
           </a:xfrm>
         </p:spPr>
         <p:txBody>
-          <a:bodyPr/>
+          <a:bodyPr>
+            <a:normAutofit fontScale="92500" lnSpcReduction="20000"/>
+          </a:bodyPr>
           <a:lstStyle/>
           <a:p>
             <a:endParaRPr lang="es-ES" sz="2400" dirty="0"/>
@@ -13054,15 +13507,6 @@
               <a:buNone/>
             </a:pPr>
             <a:endParaRPr lang="es-ES" dirty="0"/>
-          </a:p>
-          <a:p>
-            <a:pPr marL="0" indent="0">
-              <a:buNone/>
-            </a:pPr>
-            <a:r>
-              <a:rPr lang="es-ES" dirty="0"/>
-              <a:t>(meter pantallita con el nivel de experto y señalar que las filas y las columnas tienen el mismo número)</a:t>
-            </a:r>
           </a:p>
         </p:txBody>
       </p:sp>
@@ -13102,6 +13546,183 @@
           </a:prstGeom>
         </p:spPr>
       </p:pic>
+      <p:grpSp>
+        <p:nvGrpSpPr>
+          <p:cNvPr id="13" name="Grupo 12"/>
+          <p:cNvGrpSpPr/>
+          <p:nvPr/>
+        </p:nvGrpSpPr>
+        <p:grpSpPr>
+          <a:xfrm>
+            <a:off x="3294458" y="3245427"/>
+            <a:ext cx="4424363" cy="3060145"/>
+            <a:chOff x="3883818" y="3524250"/>
+            <a:chExt cx="4424363" cy="3060145"/>
+          </a:xfrm>
+        </p:grpSpPr>
+        <p:pic>
+          <p:nvPicPr>
+            <p:cNvPr id="5" name="Imagen 4"/>
+            <p:cNvPicPr>
+              <a:picLocks noChangeAspect="1"/>
+            </p:cNvPicPr>
+            <p:nvPr/>
+          </p:nvPicPr>
+          <p:blipFill>
+            <a:blip r:embed="rId3"/>
+            <a:stretch>
+              <a:fillRect/>
+            </a:stretch>
+          </p:blipFill>
+          <p:spPr>
+            <a:xfrm>
+              <a:off x="3883818" y="3524250"/>
+              <a:ext cx="4424363" cy="3060145"/>
+            </a:xfrm>
+            <a:prstGeom prst="rect">
+              <a:avLst/>
+            </a:prstGeom>
+          </p:spPr>
+        </p:pic>
+        <p:grpSp>
+          <p:nvGrpSpPr>
+            <p:cNvPr id="12" name="Grupo 11"/>
+            <p:cNvGrpSpPr/>
+            <p:nvPr/>
+          </p:nvGrpSpPr>
+          <p:grpSpPr>
+            <a:xfrm>
+              <a:off x="3883818" y="3774474"/>
+              <a:ext cx="4424363" cy="2809921"/>
+              <a:chOff x="3883818" y="3774474"/>
+              <a:chExt cx="4424363" cy="2809921"/>
+            </a:xfrm>
+          </p:grpSpPr>
+          <p:cxnSp>
+            <p:nvCxnSpPr>
+              <p:cNvPr id="8" name="Conector recto 7"/>
+              <p:cNvCxnSpPr/>
+              <p:nvPr/>
+            </p:nvCxnSpPr>
+            <p:spPr>
+              <a:xfrm flipV="1">
+                <a:off x="3883818" y="3774474"/>
+                <a:ext cx="4424363" cy="2809921"/>
+              </a:xfrm>
+              <a:prstGeom prst="line">
+                <a:avLst/>
+              </a:prstGeom>
+              <a:ln w="38100">
+                <a:solidFill>
+                  <a:srgbClr val="FF0000"/>
+                </a:solidFill>
+              </a:ln>
+            </p:spPr>
+            <p:style>
+              <a:lnRef idx="1">
+                <a:schemeClr val="dk1"/>
+              </a:lnRef>
+              <a:fillRef idx="0">
+                <a:schemeClr val="dk1"/>
+              </a:fillRef>
+              <a:effectRef idx="0">
+                <a:schemeClr val="dk1"/>
+              </a:effectRef>
+              <a:fontRef idx="minor">
+                <a:schemeClr val="tx1"/>
+              </a:fontRef>
+            </p:style>
+          </p:cxnSp>
+          <p:cxnSp>
+            <p:nvCxnSpPr>
+              <p:cNvPr id="11" name="Conector recto 10"/>
+              <p:cNvCxnSpPr/>
+              <p:nvPr/>
+            </p:nvCxnSpPr>
+            <p:spPr>
+              <a:xfrm>
+                <a:off x="3883818" y="3781425"/>
+                <a:ext cx="4424363" cy="2802970"/>
+              </a:xfrm>
+              <a:prstGeom prst="line">
+                <a:avLst/>
+              </a:prstGeom>
+              <a:ln w="38100">
+                <a:solidFill>
+                  <a:srgbClr val="FF0000"/>
+                </a:solidFill>
+              </a:ln>
+            </p:spPr>
+            <p:style>
+              <a:lnRef idx="1">
+                <a:schemeClr val="dk1"/>
+              </a:lnRef>
+              <a:fillRef idx="0">
+                <a:schemeClr val="dk1"/>
+              </a:fillRef>
+              <a:effectRef idx="0">
+                <a:schemeClr val="dk1"/>
+              </a:effectRef>
+              <a:fontRef idx="minor">
+                <a:schemeClr val="tx1"/>
+              </a:fontRef>
+            </p:style>
+          </p:cxnSp>
+        </p:grpSp>
+      </p:grpSp>
+      <p:sp>
+        <p:nvSpPr>
+          <p:cNvPr id="14" name="CuadroTexto 13"/>
+          <p:cNvSpPr txBox="1"/>
+          <p:nvPr/>
+        </p:nvSpPr>
+        <p:spPr>
+          <a:xfrm>
+            <a:off x="7718820" y="3214254"/>
+            <a:ext cx="4130279" cy="1477328"/>
+          </a:xfrm>
+          <a:prstGeom prst="rect">
+            <a:avLst/>
+          </a:prstGeom>
+          <a:noFill/>
+        </p:spPr>
+        <p:txBody>
+          <a:bodyPr wrap="square" rtlCol="0">
+            <a:spAutoFit/>
+          </a:bodyPr>
+          <a:lstStyle/>
+          <a:p>
+            <a:pPr marL="285750" indent="-285750">
+              <a:buFont typeface="Wingdings" panose="05000000000000000000" pitchFamily="2" charset="2"/>
+              <a:buChar char="§"/>
+            </a:pPr>
+            <a:r>
+              <a:rPr lang="es-ES" dirty="0" smtClean="0"/>
+              <a:t>Tablero del juego 23 filas por 23 columnas. </a:t>
+            </a:r>
+          </a:p>
+          <a:p>
+            <a:pPr marL="285750" indent="-285750">
+              <a:buFont typeface="Wingdings" panose="05000000000000000000" pitchFamily="2" charset="2"/>
+              <a:buChar char="§"/>
+            </a:pPr>
+            <a:endParaRPr lang="es-ES" dirty="0" smtClean="0"/>
+          </a:p>
+          <a:p>
+            <a:pPr marL="742950" lvl="1" indent="-285750">
+              <a:buFont typeface="Franklin Gothic Book" panose="020B0503020102020204" pitchFamily="34" charset="0"/>
+              <a:buChar char="−"/>
+            </a:pPr>
+            <a:r>
+              <a:rPr lang="es-ES" dirty="0" smtClean="0"/>
+              <a:t>Deben ser iguales</a:t>
+            </a:r>
+          </a:p>
+          <a:p>
+            <a:endParaRPr lang="es-ES" dirty="0"/>
+          </a:p>
+        </p:txBody>
+      </p:sp>
     </p:spTree>
     <p:extLst>
       <p:ext uri="{BB962C8B-B14F-4D97-AF65-F5344CB8AC3E}">
@@ -13112,6 +13733,13 @@
   <p:clrMapOvr>
     <a:masterClrMapping/>
   </p:clrMapOvr>
+  <p:timing>
+    <p:tnLst>
+      <p:par>
+        <p:cTn id="1" dur="indefinite" restart="never" nodeType="tmRoot"/>
+      </p:par>
+    </p:tnLst>
+  </p:timing>
 </p:sld>
 </file>
 
@@ -13342,6 +13970,13 @@
   <p:clrMapOvr>
     <a:masterClrMapping/>
   </p:clrMapOvr>
+  <p:timing>
+    <p:tnLst>
+      <p:par>
+        <p:cTn id="1" dur="indefinite" restart="never" nodeType="tmRoot"/>
+      </p:par>
+    </p:tnLst>
+  </p:timing>
 </p:sld>
 </file>
 
@@ -13466,49 +14101,6 @@
           </a:p>
         </p:txBody>
       </p:sp>
-      <p:sp>
-        <p:nvSpPr>
-          <p:cNvPr id="4" name="CuadroTexto 3">
-            <a:extLst>
-              <a:ext uri="{FF2B5EF4-FFF2-40B4-BE49-F238E27FC236}">
-                <a16:creationId xmlns:a16="http://schemas.microsoft.com/office/drawing/2014/main" id="{93D5435E-978F-4517-9BC1-B2A12F93958A}"/>
-              </a:ext>
-            </a:extLst>
-          </p:cNvPr>
-          <p:cNvSpPr txBox="1"/>
-          <p:nvPr/>
-        </p:nvSpPr>
-        <p:spPr>
-          <a:xfrm>
-            <a:off x="2770909" y="5209309"/>
-            <a:ext cx="8811491" cy="646331"/>
-          </a:xfrm>
-          <a:prstGeom prst="rect">
-            <a:avLst/>
-          </a:prstGeom>
-          <a:noFill/>
-        </p:spPr>
-        <p:txBody>
-          <a:bodyPr wrap="square" rtlCol="0">
-            <a:spAutoFit/>
-          </a:bodyPr>
-          <a:lstStyle/>
-          <a:p>
-            <a:r>
-              <a:rPr lang="es-ES" dirty="0"/>
-              <a:t>Meter fotos o bien del </a:t>
-            </a:r>
-            <a:r>
-              <a:rPr lang="es-ES" dirty="0" err="1"/>
-              <a:t>Jfram</a:t>
-            </a:r>
-            <a:r>
-              <a:rPr lang="es-ES" dirty="0"/>
-              <a:t> de las opciones o código de los ficheros o jerarquía de clases usadas</a:t>
-            </a:r>
-          </a:p>
-        </p:txBody>
-      </p:sp>
       <p:pic>
         <p:nvPicPr>
           <p:cNvPr id="5" name="Imagen 4">
@@ -13545,6 +14137,139 @@
           </a:prstGeom>
         </p:spPr>
       </p:pic>
+      <p:grpSp>
+        <p:nvGrpSpPr>
+          <p:cNvPr id="8" name="Grupo 7"/>
+          <p:cNvGrpSpPr/>
+          <p:nvPr/>
+        </p:nvGrpSpPr>
+        <p:grpSpPr>
+          <a:xfrm>
+            <a:off x="2447925" y="4551673"/>
+            <a:ext cx="2352675" cy="1963242"/>
+            <a:chOff x="1189904" y="4684568"/>
+            <a:chExt cx="2352675" cy="1963242"/>
+          </a:xfrm>
+        </p:grpSpPr>
+        <p:pic>
+          <p:nvPicPr>
+            <p:cNvPr id="6" name="Imagen 5"/>
+            <p:cNvPicPr>
+              <a:picLocks noChangeAspect="1"/>
+            </p:cNvPicPr>
+            <p:nvPr/>
+          </p:nvPicPr>
+          <p:blipFill rotWithShape="1">
+            <a:blip r:embed="rId3"/>
+            <a:srcRect b="2066"/>
+            <a:stretch/>
+          </p:blipFill>
+          <p:spPr>
+            <a:xfrm>
+              <a:off x="1219200" y="4684568"/>
+              <a:ext cx="2323379" cy="1668608"/>
+            </a:xfrm>
+            <a:prstGeom prst="rect">
+              <a:avLst/>
+            </a:prstGeom>
+            <a:ln>
+              <a:solidFill>
+                <a:schemeClr val="tx1"/>
+              </a:solidFill>
+            </a:ln>
+          </p:spPr>
+        </p:pic>
+        <p:sp>
+          <p:nvSpPr>
+            <p:cNvPr id="7" name="CuadroTexto 6"/>
+            <p:cNvSpPr txBox="1"/>
+            <p:nvPr/>
+          </p:nvSpPr>
+          <p:spPr>
+            <a:xfrm>
+              <a:off x="1189904" y="6278478"/>
+              <a:ext cx="2352675" cy="369332"/>
+            </a:xfrm>
+            <a:prstGeom prst="rect">
+              <a:avLst/>
+            </a:prstGeom>
+            <a:noFill/>
+          </p:spPr>
+          <p:txBody>
+            <a:bodyPr wrap="square" rtlCol="0">
+              <a:spAutoFit/>
+            </a:bodyPr>
+            <a:lstStyle/>
+            <a:p>
+              <a:pPr algn="ctr"/>
+              <a:r>
+                <a:rPr lang="es-ES" dirty="0" smtClean="0"/>
+                <a:t>Menú principal</a:t>
+              </a:r>
+              <a:endParaRPr lang="es-ES" dirty="0"/>
+            </a:p>
+          </p:txBody>
+        </p:sp>
+      </p:grpSp>
+      <p:pic>
+        <p:nvPicPr>
+          <p:cNvPr id="9" name="Imagen 8"/>
+          <p:cNvPicPr>
+            <a:picLocks noChangeAspect="1"/>
+          </p:cNvPicPr>
+          <p:nvPr/>
+        </p:nvPicPr>
+        <p:blipFill rotWithShape="1">
+          <a:blip r:embed="rId4"/>
+          <a:srcRect l="420"/>
+          <a:stretch/>
+        </p:blipFill>
+        <p:spPr>
+          <a:xfrm>
+            <a:off x="7219950" y="4527726"/>
+            <a:ext cx="2390775" cy="1692556"/>
+          </a:xfrm>
+          <a:prstGeom prst="rect">
+            <a:avLst/>
+          </a:prstGeom>
+          <a:ln>
+            <a:solidFill>
+              <a:schemeClr val="tx1"/>
+            </a:solidFill>
+          </a:ln>
+        </p:spPr>
+      </p:pic>
+      <p:sp>
+        <p:nvSpPr>
+          <p:cNvPr id="10" name="CuadroTexto 9"/>
+          <p:cNvSpPr txBox="1"/>
+          <p:nvPr/>
+        </p:nvSpPr>
+        <p:spPr>
+          <a:xfrm>
+            <a:off x="7219950" y="6145583"/>
+            <a:ext cx="2352675" cy="369332"/>
+          </a:xfrm>
+          <a:prstGeom prst="rect">
+            <a:avLst/>
+          </a:prstGeom>
+          <a:noFill/>
+        </p:spPr>
+        <p:txBody>
+          <a:bodyPr wrap="square" rtlCol="0">
+            <a:spAutoFit/>
+          </a:bodyPr>
+          <a:lstStyle/>
+          <a:p>
+            <a:pPr algn="ctr"/>
+            <a:r>
+              <a:rPr lang="es-ES" dirty="0" smtClean="0"/>
+              <a:t>Menú juego</a:t>
+            </a:r>
+            <a:endParaRPr lang="es-ES" dirty="0"/>
+          </a:p>
+        </p:txBody>
+      </p:sp>
     </p:spTree>
     <p:extLst>
       <p:ext uri="{BB962C8B-B14F-4D97-AF65-F5344CB8AC3E}">
@@ -13555,6 +14280,13 @@
   <p:clrMapOvr>
     <a:masterClrMapping/>
   </p:clrMapOvr>
+  <p:timing>
+    <p:tnLst>
+      <p:par>
+        <p:cTn id="1" dur="indefinite" restart="never" nodeType="tmRoot"/>
+      </p:par>
+    </p:tnLst>
+  </p:timing>
 </p:sld>
 </file>
 
@@ -13714,6 +14446,13 @@
   <p:clrMapOvr>
     <a:masterClrMapping/>
   </p:clrMapOvr>
+  <p:timing>
+    <p:tnLst>
+      <p:par>
+        <p:cTn id="1" dur="indefinite" restart="never" nodeType="tmRoot"/>
+      </p:par>
+    </p:tnLst>
+  </p:timing>
 </p:sld>
 </file>
 
@@ -13771,7 +14510,7 @@
           <a:lstStyle/>
           <a:p>
             <a:r>
-              <a:rPr lang="es-ES" sz="6000" dirty="0"/>
+              <a:rPr lang="es-ES" dirty="0"/>
               <a:t>Índice </a:t>
             </a:r>
           </a:p>
@@ -13959,7 +14698,7 @@
           <a:lstStyle/>
           <a:p>
             <a:r>
-              <a:rPr lang="es-ES" sz="6600" dirty="0"/>
+              <a:rPr lang="es-ES" dirty="0"/>
               <a:t>Introducción</a:t>
             </a:r>
           </a:p>
@@ -13988,28 +14727,42 @@
           </a:xfrm>
         </p:spPr>
         <p:txBody>
-          <a:bodyPr/>
+          <a:bodyPr>
+            <a:normAutofit lnSpcReduction="10000"/>
+          </a:bodyPr>
           <a:lstStyle/>
           <a:p>
             <a:r>
-              <a:rPr lang="es-ES" sz="3600" dirty="0"/>
+              <a:rPr lang="es-ES" sz="2800" dirty="0"/>
               <a:t>Objetivo del proyecto: mejorar las funcionalidades del juego </a:t>
             </a:r>
             <a:r>
-              <a:rPr lang="es-ES" sz="3600" i="1" dirty="0"/>
+              <a:rPr lang="es-ES" sz="2800" i="1" dirty="0" smtClean="0"/>
               <a:t>Buscaminas</a:t>
             </a:r>
-            <a:endParaRPr lang="es-ES" sz="3600" dirty="0"/>
+          </a:p>
+          <a:p>
+            <a:pPr marL="0" indent="0">
+              <a:buNone/>
+            </a:pPr>
+            <a:endParaRPr lang="es-ES" sz="2800" dirty="0"/>
           </a:p>
           <a:p>
             <a:r>
-              <a:rPr lang="es-ES" sz="3600" dirty="0"/>
+              <a:rPr lang="es-ES" sz="2800" dirty="0"/>
               <a:t>Producto final: código fuente del juego, Plan de Proyecto, Plan de Gestión de Configuración de Software y Plan de mantenimiento. </a:t>
             </a:r>
+            <a:endParaRPr lang="es-ES" sz="2800" dirty="0" smtClean="0"/>
+          </a:p>
+          <a:p>
+            <a:pPr marL="0" indent="0">
+              <a:buNone/>
+            </a:pPr>
+            <a:endParaRPr lang="es-ES" sz="2800" dirty="0"/>
           </a:p>
           <a:p>
             <a:r>
-              <a:rPr lang="es-ES" sz="3600" dirty="0"/>
+              <a:rPr lang="es-ES" sz="2800" dirty="0"/>
               <a:t>Trabajo realizado por 4 integrantes mediante diversas aplicaciones </a:t>
             </a:r>
           </a:p>
@@ -14064,6 +14817,13 @@
   <p:clrMapOvr>
     <a:masterClrMapping/>
   </p:clrMapOvr>
+  <p:timing>
+    <p:tnLst>
+      <p:par>
+        <p:cTn id="1" dur="indefinite" restart="never" nodeType="tmRoot"/>
+      </p:par>
+    </p:tnLst>
+  </p:timing>
 </p:sld>
 </file>
 
@@ -14199,6 +14959,13 @@
   <p:clrMapOvr>
     <a:masterClrMapping/>
   </p:clrMapOvr>
+  <p:timing>
+    <p:tnLst>
+      <p:par>
+        <p:cTn id="1" dur="indefinite" restart="never" nodeType="tmRoot"/>
+      </p:par>
+    </p:tnLst>
+  </p:timing>
 </p:sld>
 </file>
 
@@ -14588,7 +15355,7 @@
         <p:spPr>
           <a:xfrm>
             <a:off x="1367511" y="3962400"/>
-            <a:ext cx="6163172" cy="2324101"/>
+            <a:ext cx="4985664" cy="1880069"/>
           </a:xfrm>
           <a:prstGeom prst="rect">
             <a:avLst/>
@@ -14623,8 +15390,8 @@
         </p:blipFill>
         <p:spPr>
           <a:xfrm>
-            <a:off x="3939032" y="2124228"/>
-            <a:ext cx="4599443" cy="2324100"/>
+            <a:off x="4449097" y="2209953"/>
+            <a:ext cx="3803872" cy="1922098"/>
           </a:xfrm>
           <a:prstGeom prst="rect">
             <a:avLst/>
@@ -14659,8 +15426,8 @@
         </p:blipFill>
         <p:spPr>
           <a:xfrm>
-            <a:off x="7742904" y="3903201"/>
-            <a:ext cx="3896407" cy="2829710"/>
+            <a:off x="7361905" y="3655551"/>
+            <a:ext cx="3172746" cy="2304162"/>
           </a:xfrm>
           <a:prstGeom prst="rect">
             <a:avLst/>
@@ -14837,8 +15604,8 @@
         </p:blipFill>
         <p:spPr>
           <a:xfrm>
-            <a:off x="8537767" y="4265921"/>
-            <a:ext cx="2978920" cy="1677173"/>
+            <a:off x="8708469" y="4513340"/>
+            <a:ext cx="2596958" cy="1462123"/>
           </a:xfrm>
           <a:prstGeom prst="rect">
             <a:avLst/>
@@ -14873,8 +15640,8 @@
         </p:blipFill>
         <p:spPr>
           <a:xfrm>
-            <a:off x="3692813" y="4760759"/>
-            <a:ext cx="4638758" cy="1735281"/>
+            <a:off x="4062082" y="4786096"/>
+            <a:ext cx="3733223" cy="1396536"/>
           </a:xfrm>
           <a:prstGeom prst="rect">
             <a:avLst/>
@@ -14896,7 +15663,7 @@
           <p:nvPr/>
         </p:nvPicPr>
         <p:blipFill>
-          <a:blip r:embed="rId4">
+          <a:blip r:embed="rId4" cstate="hqprint">
             <a:extLst>
               <a:ext uri="{28A0092B-C50C-407E-A947-70E740481C1C}">
                 <a14:useLocalDpi xmlns:a14="http://schemas.microsoft.com/office/drawing/2010/main" val="0"/>
@@ -14909,8 +15676,8 @@
         </p:blipFill>
         <p:spPr>
           <a:xfrm>
-            <a:off x="1004185" y="4559511"/>
-            <a:ext cx="2045732" cy="2008909"/>
+            <a:off x="1184059" y="4559511"/>
+            <a:ext cx="1536435" cy="1508779"/>
           </a:xfrm>
           <a:prstGeom prst="rect">
             <a:avLst/>
@@ -14945,8 +15712,8 @@
         </p:blipFill>
         <p:spPr>
           <a:xfrm>
-            <a:off x="5697927" y="2580984"/>
-            <a:ext cx="2088854" cy="2088854"/>
+            <a:off x="5924363" y="2741399"/>
+            <a:ext cx="1771941" cy="1771941"/>
           </a:xfrm>
           <a:prstGeom prst="rect">
             <a:avLst/>
@@ -14968,7 +15735,7 @@
           <p:nvPr/>
         </p:nvPicPr>
         <p:blipFill>
-          <a:blip r:embed="rId6">
+          <a:blip r:embed="rId6" cstate="hqprint">
             <a:extLst>
               <a:ext uri="{28A0092B-C50C-407E-A947-70E740481C1C}">
                 <a14:useLocalDpi xmlns:a14="http://schemas.microsoft.com/office/drawing/2010/main" val="0"/>
@@ -15017,8 +15784,8 @@
         </p:blipFill>
         <p:spPr>
           <a:xfrm>
-            <a:off x="8331571" y="2702060"/>
-            <a:ext cx="3467242" cy="1342159"/>
+            <a:off x="8537767" y="2851291"/>
+            <a:ext cx="3050804" cy="1180957"/>
           </a:xfrm>
           <a:prstGeom prst="rect">
             <a:avLst/>
@@ -15053,8 +15820,8 @@
         </p:blipFill>
         <p:spPr>
           <a:xfrm>
-            <a:off x="10027227" y="1216160"/>
-            <a:ext cx="1485900" cy="1485900"/>
+            <a:off x="10041229" y="1353421"/>
+            <a:ext cx="1264198" cy="1264198"/>
           </a:xfrm>
           <a:prstGeom prst="rect">
             <a:avLst/>
@@ -15310,41 +16077,6 @@
       </p:sp>
       <p:sp>
         <p:nvSpPr>
-          <p:cNvPr id="4" name="CuadroTexto 3">
-            <a:extLst>
-              <a:ext uri="{FF2B5EF4-FFF2-40B4-BE49-F238E27FC236}">
-                <a16:creationId xmlns:a16="http://schemas.microsoft.com/office/drawing/2014/main" id="{7FE276C3-8C0B-4814-9AC5-D2EDAFA763E9}"/>
-              </a:ext>
-            </a:extLst>
-          </p:cNvPr>
-          <p:cNvSpPr txBox="1"/>
-          <p:nvPr/>
-        </p:nvSpPr>
-        <p:spPr>
-          <a:xfrm>
-            <a:off x="9684327" y="471054"/>
-            <a:ext cx="2096659" cy="923330"/>
-          </a:xfrm>
-          <a:prstGeom prst="rect">
-            <a:avLst/>
-          </a:prstGeom>
-          <a:noFill/>
-        </p:spPr>
-        <p:txBody>
-          <a:bodyPr wrap="square" rtlCol="0">
-            <a:spAutoFit/>
-          </a:bodyPr>
-          <a:lstStyle/>
-          <a:p>
-            <a:r>
-              <a:rPr lang="es-ES" dirty="0"/>
-              <a:t>Insertar pantallita con los niveles de dificultad</a:t>
-            </a:r>
-          </a:p>
-        </p:txBody>
-      </p:sp>
-      <p:sp>
-        <p:nvSpPr>
           <p:cNvPr id="6" name="CuadroTexto 5">
             <a:extLst>
               <a:ext uri="{FF2B5EF4-FFF2-40B4-BE49-F238E27FC236}">
@@ -15412,6 +16144,34 @@
           <a:prstGeom prst="rect">
             <a:avLst/>
           </a:prstGeom>
+        </p:spPr>
+      </p:pic>
+      <p:pic>
+        <p:nvPicPr>
+          <p:cNvPr id="8" name="Imagen 7"/>
+          <p:cNvPicPr>
+            <a:picLocks noChangeAspect="1"/>
+          </p:cNvPicPr>
+          <p:nvPr/>
+        </p:nvPicPr>
+        <p:blipFill rotWithShape="1">
+          <a:blip r:embed="rId3"/>
+          <a:srcRect l="884" t="1704" r="1441"/>
+          <a:stretch/>
+        </p:blipFill>
+        <p:spPr>
+          <a:xfrm>
+            <a:off x="9372601" y="367338"/>
+            <a:ext cx="2196078" cy="1565180"/>
+          </a:xfrm>
+          <a:prstGeom prst="rect">
+            <a:avLst/>
+          </a:prstGeom>
+          <a:ln>
+            <a:solidFill>
+              <a:schemeClr val="tx1"/>
+            </a:solidFill>
+          </a:ln>
         </p:spPr>
       </p:pic>
     </p:spTree>

--- a/Gestión de un proyecto Software.pptx
+++ b/Gestión de un proyecto Software.pptx
@@ -1847,13 +1847,6 @@
         </dgm:presLayoutVars>
       </dgm:prSet>
       <dgm:spPr/>
-      <dgm:t>
-        <a:bodyPr/>
-        <a:lstStyle/>
-        <a:p>
-          <a:endParaRPr lang="es-ES"/>
-        </a:p>
-      </dgm:t>
     </dgm:pt>
     <dgm:pt modelId="{B2E3F683-9CCD-47F1-A9AC-C356A21D4E4D}" type="pres">
       <dgm:prSet presAssocID="{F02892E4-4798-4CFA-9FE2-B8361D851E5B}" presName="root1" presStyleCnt="0"/>
@@ -1866,13 +1859,6 @@
         </dgm:presLayoutVars>
       </dgm:prSet>
       <dgm:spPr/>
-      <dgm:t>
-        <a:bodyPr/>
-        <a:lstStyle/>
-        <a:p>
-          <a:endParaRPr lang="es-ES"/>
-        </a:p>
-      </dgm:t>
     </dgm:pt>
     <dgm:pt modelId="{496CB9D1-3224-4247-8B8D-4E5FBA233C36}" type="pres">
       <dgm:prSet presAssocID="{F02892E4-4798-4CFA-9FE2-B8361D851E5B}" presName="level2hierChild" presStyleCnt="0"/>
@@ -1881,24 +1867,10 @@
     <dgm:pt modelId="{BFF1365F-825B-490A-9491-C2A9086DA0CC}" type="pres">
       <dgm:prSet presAssocID="{2013A976-9626-4706-B736-CCEBC9A526D4}" presName="conn2-1" presStyleLbl="parChTrans1D2" presStyleIdx="0" presStyleCnt="6"/>
       <dgm:spPr/>
-      <dgm:t>
-        <a:bodyPr/>
-        <a:lstStyle/>
-        <a:p>
-          <a:endParaRPr lang="es-ES"/>
-        </a:p>
-      </dgm:t>
     </dgm:pt>
     <dgm:pt modelId="{5FF16927-7532-4194-BC03-AE89F4CC6F01}" type="pres">
       <dgm:prSet presAssocID="{2013A976-9626-4706-B736-CCEBC9A526D4}" presName="connTx" presStyleLbl="parChTrans1D2" presStyleIdx="0" presStyleCnt="6"/>
       <dgm:spPr/>
-      <dgm:t>
-        <a:bodyPr/>
-        <a:lstStyle/>
-        <a:p>
-          <a:endParaRPr lang="es-ES"/>
-        </a:p>
-      </dgm:t>
     </dgm:pt>
     <dgm:pt modelId="{DE10AD42-8A85-457C-B5B4-DF09D70F2196}" type="pres">
       <dgm:prSet presAssocID="{AF5A8C4F-0B2D-47AB-BC91-456F9D955560}" presName="root2" presStyleCnt="0"/>
@@ -1911,13 +1883,6 @@
         </dgm:presLayoutVars>
       </dgm:prSet>
       <dgm:spPr/>
-      <dgm:t>
-        <a:bodyPr/>
-        <a:lstStyle/>
-        <a:p>
-          <a:endParaRPr lang="es-ES"/>
-        </a:p>
-      </dgm:t>
     </dgm:pt>
     <dgm:pt modelId="{2801F3A1-9F75-43A5-92A7-332B33A8ED40}" type="pres">
       <dgm:prSet presAssocID="{AF5A8C4F-0B2D-47AB-BC91-456F9D955560}" presName="level3hierChild" presStyleCnt="0"/>
@@ -1926,24 +1891,10 @@
     <dgm:pt modelId="{2E5CE375-6246-43EE-91D7-C33E9AE5782A}" type="pres">
       <dgm:prSet presAssocID="{F9211877-83EE-4FB3-80F5-800BE2268021}" presName="conn2-1" presStyleLbl="parChTrans1D3" presStyleIdx="0" presStyleCnt="8"/>
       <dgm:spPr/>
-      <dgm:t>
-        <a:bodyPr/>
-        <a:lstStyle/>
-        <a:p>
-          <a:endParaRPr lang="es-ES"/>
-        </a:p>
-      </dgm:t>
     </dgm:pt>
     <dgm:pt modelId="{BC212194-7374-4269-968B-01AE26C8E7E7}" type="pres">
       <dgm:prSet presAssocID="{F9211877-83EE-4FB3-80F5-800BE2268021}" presName="connTx" presStyleLbl="parChTrans1D3" presStyleIdx="0" presStyleCnt="8"/>
       <dgm:spPr/>
-      <dgm:t>
-        <a:bodyPr/>
-        <a:lstStyle/>
-        <a:p>
-          <a:endParaRPr lang="es-ES"/>
-        </a:p>
-      </dgm:t>
     </dgm:pt>
     <dgm:pt modelId="{4F68EB3B-DC9E-4277-9D95-3872FDEBB9A9}" type="pres">
       <dgm:prSet presAssocID="{4CA19D27-1525-4917-9452-1D98D69E4E90}" presName="root2" presStyleCnt="0"/>
@@ -1956,13 +1907,6 @@
         </dgm:presLayoutVars>
       </dgm:prSet>
       <dgm:spPr/>
-      <dgm:t>
-        <a:bodyPr/>
-        <a:lstStyle/>
-        <a:p>
-          <a:endParaRPr lang="es-ES"/>
-        </a:p>
-      </dgm:t>
     </dgm:pt>
     <dgm:pt modelId="{647418EA-C5B3-47C5-B815-ED5668445E9D}" type="pres">
       <dgm:prSet presAssocID="{4CA19D27-1525-4917-9452-1D98D69E4E90}" presName="level3hierChild" presStyleCnt="0"/>
@@ -1971,24 +1915,10 @@
     <dgm:pt modelId="{C82602F8-0349-4B99-A39A-33C65352B125}" type="pres">
       <dgm:prSet presAssocID="{63FA7234-CD69-411D-8704-C339195B6FE1}" presName="conn2-1" presStyleLbl="parChTrans1D4" presStyleIdx="0" presStyleCnt="9"/>
       <dgm:spPr/>
-      <dgm:t>
-        <a:bodyPr/>
-        <a:lstStyle/>
-        <a:p>
-          <a:endParaRPr lang="es-ES"/>
-        </a:p>
-      </dgm:t>
     </dgm:pt>
     <dgm:pt modelId="{EF7DDFB5-FB87-49FC-9C33-B7A9410F9D6E}" type="pres">
       <dgm:prSet presAssocID="{63FA7234-CD69-411D-8704-C339195B6FE1}" presName="connTx" presStyleLbl="parChTrans1D4" presStyleIdx="0" presStyleCnt="9"/>
       <dgm:spPr/>
-      <dgm:t>
-        <a:bodyPr/>
-        <a:lstStyle/>
-        <a:p>
-          <a:endParaRPr lang="es-ES"/>
-        </a:p>
-      </dgm:t>
     </dgm:pt>
     <dgm:pt modelId="{43640B90-DA98-4ACD-91CD-FF5214E3FACD}" type="pres">
       <dgm:prSet presAssocID="{582268F8-C507-49AD-8DD2-CCA1A89A9B6A}" presName="root2" presStyleCnt="0"/>
@@ -2001,13 +1931,6 @@
         </dgm:presLayoutVars>
       </dgm:prSet>
       <dgm:spPr/>
-      <dgm:t>
-        <a:bodyPr/>
-        <a:lstStyle/>
-        <a:p>
-          <a:endParaRPr lang="es-ES"/>
-        </a:p>
-      </dgm:t>
     </dgm:pt>
     <dgm:pt modelId="{15D8CD8D-F2ED-4574-8573-97D2166801FB}" type="pres">
       <dgm:prSet presAssocID="{582268F8-C507-49AD-8DD2-CCA1A89A9B6A}" presName="level3hierChild" presStyleCnt="0"/>
@@ -2016,24 +1939,10 @@
     <dgm:pt modelId="{DA919181-FAAD-4C16-B75A-7594C7148CE1}" type="pres">
       <dgm:prSet presAssocID="{77123F68-3803-4A64-A39D-4F1672ACD934}" presName="conn2-1" presStyleLbl="parChTrans1D4" presStyleIdx="1" presStyleCnt="9"/>
       <dgm:spPr/>
-      <dgm:t>
-        <a:bodyPr/>
-        <a:lstStyle/>
-        <a:p>
-          <a:endParaRPr lang="es-ES"/>
-        </a:p>
-      </dgm:t>
     </dgm:pt>
     <dgm:pt modelId="{AA98D9DA-09E4-40BD-B36D-FC56D05BD4C9}" type="pres">
       <dgm:prSet presAssocID="{77123F68-3803-4A64-A39D-4F1672ACD934}" presName="connTx" presStyleLbl="parChTrans1D4" presStyleIdx="1" presStyleCnt="9"/>
       <dgm:spPr/>
-      <dgm:t>
-        <a:bodyPr/>
-        <a:lstStyle/>
-        <a:p>
-          <a:endParaRPr lang="es-ES"/>
-        </a:p>
-      </dgm:t>
     </dgm:pt>
     <dgm:pt modelId="{C2BB4A0E-F4A7-4E5A-A92E-8FB0FD74B461}" type="pres">
       <dgm:prSet presAssocID="{A69C5F1F-FD11-42A2-8CE6-F6266978F37A}" presName="root2" presStyleCnt="0"/>
@@ -2046,13 +1955,6 @@
         </dgm:presLayoutVars>
       </dgm:prSet>
       <dgm:spPr/>
-      <dgm:t>
-        <a:bodyPr/>
-        <a:lstStyle/>
-        <a:p>
-          <a:endParaRPr lang="es-ES"/>
-        </a:p>
-      </dgm:t>
     </dgm:pt>
     <dgm:pt modelId="{B9010533-4278-4667-A813-FFE4A34968E6}" type="pres">
       <dgm:prSet presAssocID="{A69C5F1F-FD11-42A2-8CE6-F6266978F37A}" presName="level3hierChild" presStyleCnt="0"/>
@@ -2061,24 +1963,10 @@
     <dgm:pt modelId="{AEB92F3D-3E90-4B7F-8F2C-FC35DADED716}" type="pres">
       <dgm:prSet presAssocID="{FB83C6F6-F8B7-41FC-BBF8-0B2F92A002C1}" presName="conn2-1" presStyleLbl="parChTrans1D4" presStyleIdx="2" presStyleCnt="9"/>
       <dgm:spPr/>
-      <dgm:t>
-        <a:bodyPr/>
-        <a:lstStyle/>
-        <a:p>
-          <a:endParaRPr lang="es-ES"/>
-        </a:p>
-      </dgm:t>
     </dgm:pt>
     <dgm:pt modelId="{1968E761-EEC0-4D9F-9DFB-64EC53305073}" type="pres">
       <dgm:prSet presAssocID="{FB83C6F6-F8B7-41FC-BBF8-0B2F92A002C1}" presName="connTx" presStyleLbl="parChTrans1D4" presStyleIdx="2" presStyleCnt="9"/>
       <dgm:spPr/>
-      <dgm:t>
-        <a:bodyPr/>
-        <a:lstStyle/>
-        <a:p>
-          <a:endParaRPr lang="es-ES"/>
-        </a:p>
-      </dgm:t>
     </dgm:pt>
     <dgm:pt modelId="{A862E8CD-C28E-49D7-9FD9-E965C6639222}" type="pres">
       <dgm:prSet presAssocID="{5D9C9459-6708-44EE-95A4-812372C730CE}" presName="root2" presStyleCnt="0"/>
@@ -2091,13 +1979,6 @@
         </dgm:presLayoutVars>
       </dgm:prSet>
       <dgm:spPr/>
-      <dgm:t>
-        <a:bodyPr/>
-        <a:lstStyle/>
-        <a:p>
-          <a:endParaRPr lang="es-ES"/>
-        </a:p>
-      </dgm:t>
     </dgm:pt>
     <dgm:pt modelId="{F2D6C966-82A2-4BE6-BBEF-EA568F3A2DC1}" type="pres">
       <dgm:prSet presAssocID="{5D9C9459-6708-44EE-95A4-812372C730CE}" presName="level3hierChild" presStyleCnt="0"/>
@@ -2106,24 +1987,10 @@
     <dgm:pt modelId="{A7DEC78C-B813-49E5-8B40-85B90434DFDE}" type="pres">
       <dgm:prSet presAssocID="{CB451582-96A1-4422-B6F9-BBD688E3A0E3}" presName="conn2-1" presStyleLbl="parChTrans1D3" presStyleIdx="1" presStyleCnt="8"/>
       <dgm:spPr/>
-      <dgm:t>
-        <a:bodyPr/>
-        <a:lstStyle/>
-        <a:p>
-          <a:endParaRPr lang="es-ES"/>
-        </a:p>
-      </dgm:t>
     </dgm:pt>
     <dgm:pt modelId="{9E30B63F-2FB0-43E9-BD66-D69A79C603CD}" type="pres">
       <dgm:prSet presAssocID="{CB451582-96A1-4422-B6F9-BBD688E3A0E3}" presName="connTx" presStyleLbl="parChTrans1D3" presStyleIdx="1" presStyleCnt="8"/>
       <dgm:spPr/>
-      <dgm:t>
-        <a:bodyPr/>
-        <a:lstStyle/>
-        <a:p>
-          <a:endParaRPr lang="es-ES"/>
-        </a:p>
-      </dgm:t>
     </dgm:pt>
     <dgm:pt modelId="{BEBA17FE-2765-4285-A70B-E60D2DA69A83}" type="pres">
       <dgm:prSet presAssocID="{01BCC422-7019-4C31-B5AB-55F8D4FEDC1F}" presName="root2" presStyleCnt="0"/>
@@ -2136,13 +2003,6 @@
         </dgm:presLayoutVars>
       </dgm:prSet>
       <dgm:spPr/>
-      <dgm:t>
-        <a:bodyPr/>
-        <a:lstStyle/>
-        <a:p>
-          <a:endParaRPr lang="es-ES"/>
-        </a:p>
-      </dgm:t>
     </dgm:pt>
     <dgm:pt modelId="{E4C52494-1DA7-49D7-A89E-9EAD41E6DC06}" type="pres">
       <dgm:prSet presAssocID="{01BCC422-7019-4C31-B5AB-55F8D4FEDC1F}" presName="level3hierChild" presStyleCnt="0"/>
@@ -2151,24 +2011,10 @@
     <dgm:pt modelId="{72391683-CA39-4CBF-B3AB-442149D5D006}" type="pres">
       <dgm:prSet presAssocID="{AE69E38B-C9B3-42E5-87D3-30B557227A8E}" presName="conn2-1" presStyleLbl="parChTrans1D4" presStyleIdx="3" presStyleCnt="9"/>
       <dgm:spPr/>
-      <dgm:t>
-        <a:bodyPr/>
-        <a:lstStyle/>
-        <a:p>
-          <a:endParaRPr lang="es-ES"/>
-        </a:p>
-      </dgm:t>
     </dgm:pt>
     <dgm:pt modelId="{441FB366-D47B-42BC-BB39-1106869C34C1}" type="pres">
       <dgm:prSet presAssocID="{AE69E38B-C9B3-42E5-87D3-30B557227A8E}" presName="connTx" presStyleLbl="parChTrans1D4" presStyleIdx="3" presStyleCnt="9"/>
       <dgm:spPr/>
-      <dgm:t>
-        <a:bodyPr/>
-        <a:lstStyle/>
-        <a:p>
-          <a:endParaRPr lang="es-ES"/>
-        </a:p>
-      </dgm:t>
     </dgm:pt>
     <dgm:pt modelId="{D04DA60B-19FE-45DF-A2CC-585A1D17C349}" type="pres">
       <dgm:prSet presAssocID="{6E9B27E2-CE02-4660-860A-F45613B62EF8}" presName="root2" presStyleCnt="0"/>
@@ -2181,13 +2027,6 @@
         </dgm:presLayoutVars>
       </dgm:prSet>
       <dgm:spPr/>
-      <dgm:t>
-        <a:bodyPr/>
-        <a:lstStyle/>
-        <a:p>
-          <a:endParaRPr lang="es-ES"/>
-        </a:p>
-      </dgm:t>
     </dgm:pt>
     <dgm:pt modelId="{C2851F25-43A1-45E3-9B65-0C16C02E74E3}" type="pres">
       <dgm:prSet presAssocID="{6E9B27E2-CE02-4660-860A-F45613B62EF8}" presName="level3hierChild" presStyleCnt="0"/>
@@ -2196,24 +2035,10 @@
     <dgm:pt modelId="{E2D2FF66-6440-418D-90AF-014434079EB4}" type="pres">
       <dgm:prSet presAssocID="{80E74D8C-542F-4CC5-BC98-FAF5FE974176}" presName="conn2-1" presStyleLbl="parChTrans1D2" presStyleIdx="1" presStyleCnt="6"/>
       <dgm:spPr/>
-      <dgm:t>
-        <a:bodyPr/>
-        <a:lstStyle/>
-        <a:p>
-          <a:endParaRPr lang="es-ES"/>
-        </a:p>
-      </dgm:t>
     </dgm:pt>
     <dgm:pt modelId="{6E47D520-F4BE-414A-B85C-6428C39B27F3}" type="pres">
       <dgm:prSet presAssocID="{80E74D8C-542F-4CC5-BC98-FAF5FE974176}" presName="connTx" presStyleLbl="parChTrans1D2" presStyleIdx="1" presStyleCnt="6"/>
       <dgm:spPr/>
-      <dgm:t>
-        <a:bodyPr/>
-        <a:lstStyle/>
-        <a:p>
-          <a:endParaRPr lang="es-ES"/>
-        </a:p>
-      </dgm:t>
     </dgm:pt>
     <dgm:pt modelId="{114051D8-6E79-4FA8-A362-859A0A847DBD}" type="pres">
       <dgm:prSet presAssocID="{6DCD5A69-E68C-4867-AFE1-DA5BA10D38F8}" presName="root2" presStyleCnt="0"/>
@@ -2226,13 +2051,6 @@
         </dgm:presLayoutVars>
       </dgm:prSet>
       <dgm:spPr/>
-      <dgm:t>
-        <a:bodyPr/>
-        <a:lstStyle/>
-        <a:p>
-          <a:endParaRPr lang="es-ES"/>
-        </a:p>
-      </dgm:t>
     </dgm:pt>
     <dgm:pt modelId="{07AD717C-4895-45C9-8D0F-E30C0EAF075B}" type="pres">
       <dgm:prSet presAssocID="{6DCD5A69-E68C-4867-AFE1-DA5BA10D38F8}" presName="level3hierChild" presStyleCnt="0"/>
@@ -2241,24 +2059,10 @@
     <dgm:pt modelId="{8A44B239-B375-417E-BD64-F588906047FC}" type="pres">
       <dgm:prSet presAssocID="{A028C982-2A92-43B9-B350-D57C10FBAB0A}" presName="conn2-1" presStyleLbl="parChTrans1D3" presStyleIdx="2" presStyleCnt="8"/>
       <dgm:spPr/>
-      <dgm:t>
-        <a:bodyPr/>
-        <a:lstStyle/>
-        <a:p>
-          <a:endParaRPr lang="es-ES"/>
-        </a:p>
-      </dgm:t>
     </dgm:pt>
     <dgm:pt modelId="{1CEE8638-8326-4A74-8D12-808D1DDFFCA7}" type="pres">
       <dgm:prSet presAssocID="{A028C982-2A92-43B9-B350-D57C10FBAB0A}" presName="connTx" presStyleLbl="parChTrans1D3" presStyleIdx="2" presStyleCnt="8"/>
       <dgm:spPr/>
-      <dgm:t>
-        <a:bodyPr/>
-        <a:lstStyle/>
-        <a:p>
-          <a:endParaRPr lang="es-ES"/>
-        </a:p>
-      </dgm:t>
     </dgm:pt>
     <dgm:pt modelId="{9D1979A3-870F-47B5-964A-C84DFA1FDEF7}" type="pres">
       <dgm:prSet presAssocID="{B584F320-C209-4EC3-93BC-D68F9FB62184}" presName="root2" presStyleCnt="0"/>
@@ -2271,13 +2075,6 @@
         </dgm:presLayoutVars>
       </dgm:prSet>
       <dgm:spPr/>
-      <dgm:t>
-        <a:bodyPr/>
-        <a:lstStyle/>
-        <a:p>
-          <a:endParaRPr lang="es-ES"/>
-        </a:p>
-      </dgm:t>
     </dgm:pt>
     <dgm:pt modelId="{B3C6EDA6-E6BF-453F-9268-35123CB50D5D}" type="pres">
       <dgm:prSet presAssocID="{B584F320-C209-4EC3-93BC-D68F9FB62184}" presName="level3hierChild" presStyleCnt="0"/>
@@ -2286,24 +2083,10 @@
     <dgm:pt modelId="{F9979F22-0827-468E-B344-F8893B828C5D}" type="pres">
       <dgm:prSet presAssocID="{A66F1D8E-5685-46E3-BE8D-7FCA83E9FDE9}" presName="conn2-1" presStyleLbl="parChTrans1D4" presStyleIdx="4" presStyleCnt="9"/>
       <dgm:spPr/>
-      <dgm:t>
-        <a:bodyPr/>
-        <a:lstStyle/>
-        <a:p>
-          <a:endParaRPr lang="es-ES"/>
-        </a:p>
-      </dgm:t>
     </dgm:pt>
     <dgm:pt modelId="{FFF5DBD4-11AC-4A60-A1E0-7F73FD9B4013}" type="pres">
       <dgm:prSet presAssocID="{A66F1D8E-5685-46E3-BE8D-7FCA83E9FDE9}" presName="connTx" presStyleLbl="parChTrans1D4" presStyleIdx="4" presStyleCnt="9"/>
       <dgm:spPr/>
-      <dgm:t>
-        <a:bodyPr/>
-        <a:lstStyle/>
-        <a:p>
-          <a:endParaRPr lang="es-ES"/>
-        </a:p>
-      </dgm:t>
     </dgm:pt>
     <dgm:pt modelId="{65BC2E1E-45BD-4131-8566-609F9E764A4D}" type="pres">
       <dgm:prSet presAssocID="{755EFD14-40AD-48B6-B94C-C4DE10443888}" presName="root2" presStyleCnt="0"/>
@@ -2316,13 +2099,6 @@
         </dgm:presLayoutVars>
       </dgm:prSet>
       <dgm:spPr/>
-      <dgm:t>
-        <a:bodyPr/>
-        <a:lstStyle/>
-        <a:p>
-          <a:endParaRPr lang="es-ES"/>
-        </a:p>
-      </dgm:t>
     </dgm:pt>
     <dgm:pt modelId="{87D83FED-1993-419E-AB68-87F9A0B3F78A}" type="pres">
       <dgm:prSet presAssocID="{755EFD14-40AD-48B6-B94C-C4DE10443888}" presName="level3hierChild" presStyleCnt="0"/>
@@ -2331,24 +2107,10 @@
     <dgm:pt modelId="{9C4524FA-D7AA-4CEF-B700-CC67A645B438}" type="pres">
       <dgm:prSet presAssocID="{F5641F43-DBCB-42CF-9810-CE2938BA372C}" presName="conn2-1" presStyleLbl="parChTrans1D4" presStyleIdx="5" presStyleCnt="9"/>
       <dgm:spPr/>
-      <dgm:t>
-        <a:bodyPr/>
-        <a:lstStyle/>
-        <a:p>
-          <a:endParaRPr lang="es-ES"/>
-        </a:p>
-      </dgm:t>
     </dgm:pt>
     <dgm:pt modelId="{224E18EF-F645-4465-A195-E8400C0E1586}" type="pres">
       <dgm:prSet presAssocID="{F5641F43-DBCB-42CF-9810-CE2938BA372C}" presName="connTx" presStyleLbl="parChTrans1D4" presStyleIdx="5" presStyleCnt="9"/>
       <dgm:spPr/>
-      <dgm:t>
-        <a:bodyPr/>
-        <a:lstStyle/>
-        <a:p>
-          <a:endParaRPr lang="es-ES"/>
-        </a:p>
-      </dgm:t>
     </dgm:pt>
     <dgm:pt modelId="{67B1467B-FB03-46C5-BC48-AC44BD40F92E}" type="pres">
       <dgm:prSet presAssocID="{E6B63A6B-5C6A-461C-92B5-8BC27C7F3CF4}" presName="root2" presStyleCnt="0"/>
@@ -2361,13 +2123,6 @@
         </dgm:presLayoutVars>
       </dgm:prSet>
       <dgm:spPr/>
-      <dgm:t>
-        <a:bodyPr/>
-        <a:lstStyle/>
-        <a:p>
-          <a:endParaRPr lang="es-ES"/>
-        </a:p>
-      </dgm:t>
     </dgm:pt>
     <dgm:pt modelId="{741A7382-B0C2-4440-B560-CAD62DE7361E}" type="pres">
       <dgm:prSet presAssocID="{E6B63A6B-5C6A-461C-92B5-8BC27C7F3CF4}" presName="level3hierChild" presStyleCnt="0"/>
@@ -2376,24 +2131,10 @@
     <dgm:pt modelId="{C6AA5DF5-3707-4789-8F01-87EBF3477839}" type="pres">
       <dgm:prSet presAssocID="{7863B7E2-F15F-4225-85BA-E5F85442CECA}" presName="conn2-1" presStyleLbl="parChTrans1D4" presStyleIdx="6" presStyleCnt="9"/>
       <dgm:spPr/>
-      <dgm:t>
-        <a:bodyPr/>
-        <a:lstStyle/>
-        <a:p>
-          <a:endParaRPr lang="es-ES"/>
-        </a:p>
-      </dgm:t>
     </dgm:pt>
     <dgm:pt modelId="{DD833ACC-8683-46BC-8B1C-9D9D20868D2B}" type="pres">
       <dgm:prSet presAssocID="{7863B7E2-F15F-4225-85BA-E5F85442CECA}" presName="connTx" presStyleLbl="parChTrans1D4" presStyleIdx="6" presStyleCnt="9"/>
       <dgm:spPr/>
-      <dgm:t>
-        <a:bodyPr/>
-        <a:lstStyle/>
-        <a:p>
-          <a:endParaRPr lang="es-ES"/>
-        </a:p>
-      </dgm:t>
     </dgm:pt>
     <dgm:pt modelId="{F4CC1774-214E-4BEA-8722-8CCC1E876041}" type="pres">
       <dgm:prSet presAssocID="{41CCBF91-7BF8-4961-8F93-C0B5B64E05DB}" presName="root2" presStyleCnt="0"/>
@@ -2406,13 +2147,6 @@
         </dgm:presLayoutVars>
       </dgm:prSet>
       <dgm:spPr/>
-      <dgm:t>
-        <a:bodyPr/>
-        <a:lstStyle/>
-        <a:p>
-          <a:endParaRPr lang="es-ES"/>
-        </a:p>
-      </dgm:t>
     </dgm:pt>
     <dgm:pt modelId="{B0D7F0A6-E4A6-46C7-B3B6-D12146FF343A}" type="pres">
       <dgm:prSet presAssocID="{41CCBF91-7BF8-4961-8F93-C0B5B64E05DB}" presName="level3hierChild" presStyleCnt="0"/>
@@ -2421,24 +2155,10 @@
     <dgm:pt modelId="{F613943E-168E-40AB-9475-7456F53CCF9A}" type="pres">
       <dgm:prSet presAssocID="{5ADC04EF-F9E3-49C9-8B1F-7A938E956F49}" presName="conn2-1" presStyleLbl="parChTrans1D3" presStyleIdx="3" presStyleCnt="8"/>
       <dgm:spPr/>
-      <dgm:t>
-        <a:bodyPr/>
-        <a:lstStyle/>
-        <a:p>
-          <a:endParaRPr lang="es-ES"/>
-        </a:p>
-      </dgm:t>
     </dgm:pt>
     <dgm:pt modelId="{E86144F1-6F44-45CC-92DE-655D018FAFBB}" type="pres">
       <dgm:prSet presAssocID="{5ADC04EF-F9E3-49C9-8B1F-7A938E956F49}" presName="connTx" presStyleLbl="parChTrans1D3" presStyleIdx="3" presStyleCnt="8"/>
       <dgm:spPr/>
-      <dgm:t>
-        <a:bodyPr/>
-        <a:lstStyle/>
-        <a:p>
-          <a:endParaRPr lang="es-ES"/>
-        </a:p>
-      </dgm:t>
     </dgm:pt>
     <dgm:pt modelId="{9E9F18BB-3705-44EF-8A27-32A368A4F515}" type="pres">
       <dgm:prSet presAssocID="{1546E2A4-646A-438F-90F9-AF0CAE732DAC}" presName="root2" presStyleCnt="0"/>
@@ -2451,13 +2171,6 @@
         </dgm:presLayoutVars>
       </dgm:prSet>
       <dgm:spPr/>
-      <dgm:t>
-        <a:bodyPr/>
-        <a:lstStyle/>
-        <a:p>
-          <a:endParaRPr lang="es-ES"/>
-        </a:p>
-      </dgm:t>
     </dgm:pt>
     <dgm:pt modelId="{34BC87A7-C4B8-494D-A2F1-E82243CF38C9}" type="pres">
       <dgm:prSet presAssocID="{1546E2A4-646A-438F-90F9-AF0CAE732DAC}" presName="level3hierChild" presStyleCnt="0"/>
@@ -2466,24 +2179,10 @@
     <dgm:pt modelId="{ED0E97A1-321D-4845-A906-80C74040ED25}" type="pres">
       <dgm:prSet presAssocID="{9C4DFB95-232B-49DD-A6E2-B4AD62E042DC}" presName="conn2-1" presStyleLbl="parChTrans1D4" presStyleIdx="7" presStyleCnt="9"/>
       <dgm:spPr/>
-      <dgm:t>
-        <a:bodyPr/>
-        <a:lstStyle/>
-        <a:p>
-          <a:endParaRPr lang="es-ES"/>
-        </a:p>
-      </dgm:t>
     </dgm:pt>
     <dgm:pt modelId="{927FAD8B-6756-4069-B973-DFC306B9782C}" type="pres">
       <dgm:prSet presAssocID="{9C4DFB95-232B-49DD-A6E2-B4AD62E042DC}" presName="connTx" presStyleLbl="parChTrans1D4" presStyleIdx="7" presStyleCnt="9"/>
       <dgm:spPr/>
-      <dgm:t>
-        <a:bodyPr/>
-        <a:lstStyle/>
-        <a:p>
-          <a:endParaRPr lang="es-ES"/>
-        </a:p>
-      </dgm:t>
     </dgm:pt>
     <dgm:pt modelId="{679EC731-6838-46D0-962F-9F44FBBA915C}" type="pres">
       <dgm:prSet presAssocID="{A5E68B0A-0845-4BD0-9C59-75877FD895DB}" presName="root2" presStyleCnt="0"/>
@@ -2496,13 +2195,6 @@
         </dgm:presLayoutVars>
       </dgm:prSet>
       <dgm:spPr/>
-      <dgm:t>
-        <a:bodyPr/>
-        <a:lstStyle/>
-        <a:p>
-          <a:endParaRPr lang="es-ES"/>
-        </a:p>
-      </dgm:t>
     </dgm:pt>
     <dgm:pt modelId="{338DFAEA-AC4E-461A-AB66-B8190CEBD0B7}" type="pres">
       <dgm:prSet presAssocID="{A5E68B0A-0845-4BD0-9C59-75877FD895DB}" presName="level3hierChild" presStyleCnt="0"/>
@@ -2511,24 +2203,10 @@
     <dgm:pt modelId="{CC75584B-4935-4760-B8E8-EDC702A46ED2}" type="pres">
       <dgm:prSet presAssocID="{9ADB1338-2672-492F-ABA6-2927C5674444}" presName="conn2-1" presStyleLbl="parChTrans1D2" presStyleIdx="2" presStyleCnt="6"/>
       <dgm:spPr/>
-      <dgm:t>
-        <a:bodyPr/>
-        <a:lstStyle/>
-        <a:p>
-          <a:endParaRPr lang="es-ES"/>
-        </a:p>
-      </dgm:t>
     </dgm:pt>
     <dgm:pt modelId="{3D0B6B84-56F8-44D3-9DD4-B6B6C3D779D6}" type="pres">
       <dgm:prSet presAssocID="{9ADB1338-2672-492F-ABA6-2927C5674444}" presName="connTx" presStyleLbl="parChTrans1D2" presStyleIdx="2" presStyleCnt="6"/>
       <dgm:spPr/>
-      <dgm:t>
-        <a:bodyPr/>
-        <a:lstStyle/>
-        <a:p>
-          <a:endParaRPr lang="es-ES"/>
-        </a:p>
-      </dgm:t>
     </dgm:pt>
     <dgm:pt modelId="{A45A6766-94BD-4C08-BCC2-C6F6EF9C8E29}" type="pres">
       <dgm:prSet presAssocID="{8AA86B0C-D917-4176-94E6-205946283056}" presName="root2" presStyleCnt="0"/>
@@ -2541,13 +2219,6 @@
         </dgm:presLayoutVars>
       </dgm:prSet>
       <dgm:spPr/>
-      <dgm:t>
-        <a:bodyPr/>
-        <a:lstStyle/>
-        <a:p>
-          <a:endParaRPr lang="es-ES"/>
-        </a:p>
-      </dgm:t>
     </dgm:pt>
     <dgm:pt modelId="{2BE1E24D-D866-404E-8831-17B117656EF3}" type="pres">
       <dgm:prSet presAssocID="{8AA86B0C-D917-4176-94E6-205946283056}" presName="level3hierChild" presStyleCnt="0"/>
@@ -2556,24 +2227,10 @@
     <dgm:pt modelId="{23ADCD83-A68C-4920-A91C-A68D518B9629}" type="pres">
       <dgm:prSet presAssocID="{52539E7A-43F5-4E10-9DDC-01B3396399F8}" presName="conn2-1" presStyleLbl="parChTrans1D3" presStyleIdx="4" presStyleCnt="8"/>
       <dgm:spPr/>
-      <dgm:t>
-        <a:bodyPr/>
-        <a:lstStyle/>
-        <a:p>
-          <a:endParaRPr lang="es-ES"/>
-        </a:p>
-      </dgm:t>
     </dgm:pt>
     <dgm:pt modelId="{C3ED37B6-D9D7-4DD3-86A6-14B8D93F143F}" type="pres">
       <dgm:prSet presAssocID="{52539E7A-43F5-4E10-9DDC-01B3396399F8}" presName="connTx" presStyleLbl="parChTrans1D3" presStyleIdx="4" presStyleCnt="8"/>
       <dgm:spPr/>
-      <dgm:t>
-        <a:bodyPr/>
-        <a:lstStyle/>
-        <a:p>
-          <a:endParaRPr lang="es-ES"/>
-        </a:p>
-      </dgm:t>
     </dgm:pt>
     <dgm:pt modelId="{E4690B54-8D58-4951-B6B6-1C9860274C8E}" type="pres">
       <dgm:prSet presAssocID="{D46BB214-ECDE-477C-B1C7-EAA71933BACE}" presName="root2" presStyleCnt="0"/>
@@ -2586,13 +2243,6 @@
         </dgm:presLayoutVars>
       </dgm:prSet>
       <dgm:spPr/>
-      <dgm:t>
-        <a:bodyPr/>
-        <a:lstStyle/>
-        <a:p>
-          <a:endParaRPr lang="es-ES"/>
-        </a:p>
-      </dgm:t>
     </dgm:pt>
     <dgm:pt modelId="{8CFC6301-4D76-42C7-BFE6-897E0311697C}" type="pres">
       <dgm:prSet presAssocID="{D46BB214-ECDE-477C-B1C7-EAA71933BACE}" presName="level3hierChild" presStyleCnt="0"/>
@@ -2601,24 +2251,10 @@
     <dgm:pt modelId="{698D5EF6-6D12-4061-88E5-5E8825772A19}" type="pres">
       <dgm:prSet presAssocID="{35AB48A9-1300-4BD5-8CBF-8E807A0ECBD4}" presName="conn2-1" presStyleLbl="parChTrans1D2" presStyleIdx="3" presStyleCnt="6"/>
       <dgm:spPr/>
-      <dgm:t>
-        <a:bodyPr/>
-        <a:lstStyle/>
-        <a:p>
-          <a:endParaRPr lang="es-ES"/>
-        </a:p>
-      </dgm:t>
     </dgm:pt>
     <dgm:pt modelId="{2985DE3F-4E31-4120-BA36-866DCE422D96}" type="pres">
       <dgm:prSet presAssocID="{35AB48A9-1300-4BD5-8CBF-8E807A0ECBD4}" presName="connTx" presStyleLbl="parChTrans1D2" presStyleIdx="3" presStyleCnt="6"/>
       <dgm:spPr/>
-      <dgm:t>
-        <a:bodyPr/>
-        <a:lstStyle/>
-        <a:p>
-          <a:endParaRPr lang="es-ES"/>
-        </a:p>
-      </dgm:t>
     </dgm:pt>
     <dgm:pt modelId="{03B4830D-93C4-4B3B-A28A-CAAFABFE3156}" type="pres">
       <dgm:prSet presAssocID="{CB36923F-7B0C-4F83-8707-AFA3DB0C0A5E}" presName="root2" presStyleCnt="0"/>
@@ -2631,13 +2267,6 @@
         </dgm:presLayoutVars>
       </dgm:prSet>
       <dgm:spPr/>
-      <dgm:t>
-        <a:bodyPr/>
-        <a:lstStyle/>
-        <a:p>
-          <a:endParaRPr lang="es-ES"/>
-        </a:p>
-      </dgm:t>
     </dgm:pt>
     <dgm:pt modelId="{A7E4CB4E-CCA5-4BB0-BB88-D489E81FFF08}" type="pres">
       <dgm:prSet presAssocID="{CB36923F-7B0C-4F83-8707-AFA3DB0C0A5E}" presName="level3hierChild" presStyleCnt="0"/>
@@ -2646,24 +2275,10 @@
     <dgm:pt modelId="{B71402E3-4CE0-4A97-87DE-07C3467EE444}" type="pres">
       <dgm:prSet presAssocID="{BF93CB55-A873-4673-8274-E521FC71B063}" presName="conn2-1" presStyleLbl="parChTrans1D3" presStyleIdx="5" presStyleCnt="8"/>
       <dgm:spPr/>
-      <dgm:t>
-        <a:bodyPr/>
-        <a:lstStyle/>
-        <a:p>
-          <a:endParaRPr lang="es-ES"/>
-        </a:p>
-      </dgm:t>
     </dgm:pt>
     <dgm:pt modelId="{20573BA9-FC9F-43F7-AAFD-94ACF9104640}" type="pres">
       <dgm:prSet presAssocID="{BF93CB55-A873-4673-8274-E521FC71B063}" presName="connTx" presStyleLbl="parChTrans1D3" presStyleIdx="5" presStyleCnt="8"/>
       <dgm:spPr/>
-      <dgm:t>
-        <a:bodyPr/>
-        <a:lstStyle/>
-        <a:p>
-          <a:endParaRPr lang="es-ES"/>
-        </a:p>
-      </dgm:t>
     </dgm:pt>
     <dgm:pt modelId="{130ED109-35C9-48F0-B651-8DBD0BF5C563}" type="pres">
       <dgm:prSet presAssocID="{966FF253-3587-4C11-8FEC-C0BC13CAA401}" presName="root2" presStyleCnt="0"/>
@@ -2676,13 +2291,6 @@
         </dgm:presLayoutVars>
       </dgm:prSet>
       <dgm:spPr/>
-      <dgm:t>
-        <a:bodyPr/>
-        <a:lstStyle/>
-        <a:p>
-          <a:endParaRPr lang="es-ES"/>
-        </a:p>
-      </dgm:t>
     </dgm:pt>
     <dgm:pt modelId="{C55B0099-D3F6-49E2-BBE6-F9D25C19412D}" type="pres">
       <dgm:prSet presAssocID="{966FF253-3587-4C11-8FEC-C0BC13CAA401}" presName="level3hierChild" presStyleCnt="0"/>
@@ -2691,24 +2299,10 @@
     <dgm:pt modelId="{C436168E-7472-4AF7-9298-4B5D1762B948}" type="pres">
       <dgm:prSet presAssocID="{53E3B8D3-612E-4E09-BFC9-CDBC1ABD610F}" presName="conn2-1" presStyleLbl="parChTrans1D2" presStyleIdx="4" presStyleCnt="6"/>
       <dgm:spPr/>
-      <dgm:t>
-        <a:bodyPr/>
-        <a:lstStyle/>
-        <a:p>
-          <a:endParaRPr lang="es-ES"/>
-        </a:p>
-      </dgm:t>
     </dgm:pt>
     <dgm:pt modelId="{037A47FC-C4E0-48FE-B2D8-C1BC2FB5406C}" type="pres">
       <dgm:prSet presAssocID="{53E3B8D3-612E-4E09-BFC9-CDBC1ABD610F}" presName="connTx" presStyleLbl="parChTrans1D2" presStyleIdx="4" presStyleCnt="6"/>
       <dgm:spPr/>
-      <dgm:t>
-        <a:bodyPr/>
-        <a:lstStyle/>
-        <a:p>
-          <a:endParaRPr lang="es-ES"/>
-        </a:p>
-      </dgm:t>
     </dgm:pt>
     <dgm:pt modelId="{9480F0C8-2E39-4831-B66D-E6F590D87F3B}" type="pres">
       <dgm:prSet presAssocID="{D03542B2-16F3-4EFB-A072-801DF1C724BC}" presName="root2" presStyleCnt="0"/>
@@ -2721,13 +2315,6 @@
         </dgm:presLayoutVars>
       </dgm:prSet>
       <dgm:spPr/>
-      <dgm:t>
-        <a:bodyPr/>
-        <a:lstStyle/>
-        <a:p>
-          <a:endParaRPr lang="es-ES"/>
-        </a:p>
-      </dgm:t>
     </dgm:pt>
     <dgm:pt modelId="{283D0108-1F17-4167-A981-9FF4DB97D9FE}" type="pres">
       <dgm:prSet presAssocID="{D03542B2-16F3-4EFB-A072-801DF1C724BC}" presName="level3hierChild" presStyleCnt="0"/>
@@ -2736,24 +2323,10 @@
     <dgm:pt modelId="{77937493-C75F-4F12-A71E-969B6669BF76}" type="pres">
       <dgm:prSet presAssocID="{E1460541-8638-4ABB-BBA3-DE5ED688BF93}" presName="conn2-1" presStyleLbl="parChTrans1D3" presStyleIdx="6" presStyleCnt="8"/>
       <dgm:spPr/>
-      <dgm:t>
-        <a:bodyPr/>
-        <a:lstStyle/>
-        <a:p>
-          <a:endParaRPr lang="es-ES"/>
-        </a:p>
-      </dgm:t>
     </dgm:pt>
     <dgm:pt modelId="{F0C286D4-2B39-4BF3-B9A6-3EE705B82A4C}" type="pres">
       <dgm:prSet presAssocID="{E1460541-8638-4ABB-BBA3-DE5ED688BF93}" presName="connTx" presStyleLbl="parChTrans1D3" presStyleIdx="6" presStyleCnt="8"/>
       <dgm:spPr/>
-      <dgm:t>
-        <a:bodyPr/>
-        <a:lstStyle/>
-        <a:p>
-          <a:endParaRPr lang="es-ES"/>
-        </a:p>
-      </dgm:t>
     </dgm:pt>
     <dgm:pt modelId="{7902A8D5-EEEA-4D46-932C-661625F056ED}" type="pres">
       <dgm:prSet presAssocID="{8938A349-BB9D-4DEB-8C49-1101AE0CC7F3}" presName="root2" presStyleCnt="0"/>
@@ -2766,13 +2339,6 @@
         </dgm:presLayoutVars>
       </dgm:prSet>
       <dgm:spPr/>
-      <dgm:t>
-        <a:bodyPr/>
-        <a:lstStyle/>
-        <a:p>
-          <a:endParaRPr lang="es-ES"/>
-        </a:p>
-      </dgm:t>
     </dgm:pt>
     <dgm:pt modelId="{42CC2F25-296F-433D-805B-4699A9101D06}" type="pres">
       <dgm:prSet presAssocID="{8938A349-BB9D-4DEB-8C49-1101AE0CC7F3}" presName="level3hierChild" presStyleCnt="0"/>
@@ -2781,24 +2347,10 @@
     <dgm:pt modelId="{0D107382-6F24-411A-A483-3D119237911F}" type="pres">
       <dgm:prSet presAssocID="{CBC25389-9B98-4DBB-AC07-A94A4B942CEC}" presName="conn2-1" presStyleLbl="parChTrans1D4" presStyleIdx="8" presStyleCnt="9"/>
       <dgm:spPr/>
-      <dgm:t>
-        <a:bodyPr/>
-        <a:lstStyle/>
-        <a:p>
-          <a:endParaRPr lang="es-ES"/>
-        </a:p>
-      </dgm:t>
     </dgm:pt>
     <dgm:pt modelId="{D59BAFDB-9B88-40C7-A4B8-3424C6C16110}" type="pres">
       <dgm:prSet presAssocID="{CBC25389-9B98-4DBB-AC07-A94A4B942CEC}" presName="connTx" presStyleLbl="parChTrans1D4" presStyleIdx="8" presStyleCnt="9"/>
       <dgm:spPr/>
-      <dgm:t>
-        <a:bodyPr/>
-        <a:lstStyle/>
-        <a:p>
-          <a:endParaRPr lang="es-ES"/>
-        </a:p>
-      </dgm:t>
     </dgm:pt>
     <dgm:pt modelId="{AB01460F-EC26-4C1C-A0CC-D7222652F1DC}" type="pres">
       <dgm:prSet presAssocID="{FE42A88A-E9AF-4334-806E-73A016D07A0B}" presName="root2" presStyleCnt="0"/>
@@ -2811,13 +2363,6 @@
         </dgm:presLayoutVars>
       </dgm:prSet>
       <dgm:spPr/>
-      <dgm:t>
-        <a:bodyPr/>
-        <a:lstStyle/>
-        <a:p>
-          <a:endParaRPr lang="es-ES"/>
-        </a:p>
-      </dgm:t>
     </dgm:pt>
     <dgm:pt modelId="{1FD64179-0519-458D-925C-50E36B6BA857}" type="pres">
       <dgm:prSet presAssocID="{FE42A88A-E9AF-4334-806E-73A016D07A0B}" presName="level3hierChild" presStyleCnt="0"/>
@@ -2826,24 +2371,10 @@
     <dgm:pt modelId="{B8B7796E-16AF-4FF2-96F8-4A2F73A4E1C9}" type="pres">
       <dgm:prSet presAssocID="{DC7187DA-E214-4248-BA42-497ABADB8E40}" presName="conn2-1" presStyleLbl="parChTrans1D2" presStyleIdx="5" presStyleCnt="6"/>
       <dgm:spPr/>
-      <dgm:t>
-        <a:bodyPr/>
-        <a:lstStyle/>
-        <a:p>
-          <a:endParaRPr lang="es-ES"/>
-        </a:p>
-      </dgm:t>
     </dgm:pt>
     <dgm:pt modelId="{F4C01140-4360-4A7C-9674-7B8840DEBF02}" type="pres">
       <dgm:prSet presAssocID="{DC7187DA-E214-4248-BA42-497ABADB8E40}" presName="connTx" presStyleLbl="parChTrans1D2" presStyleIdx="5" presStyleCnt="6"/>
       <dgm:spPr/>
-      <dgm:t>
-        <a:bodyPr/>
-        <a:lstStyle/>
-        <a:p>
-          <a:endParaRPr lang="es-ES"/>
-        </a:p>
-      </dgm:t>
     </dgm:pt>
     <dgm:pt modelId="{B98C1AEA-BC95-4B92-85CB-45B1B727D06C}" type="pres">
       <dgm:prSet presAssocID="{7EAAFB5F-FEBD-4331-BE61-AFB2FC9092C9}" presName="root2" presStyleCnt="0"/>
@@ -2856,13 +2387,6 @@
         </dgm:presLayoutVars>
       </dgm:prSet>
       <dgm:spPr/>
-      <dgm:t>
-        <a:bodyPr/>
-        <a:lstStyle/>
-        <a:p>
-          <a:endParaRPr lang="es-ES"/>
-        </a:p>
-      </dgm:t>
     </dgm:pt>
     <dgm:pt modelId="{E45D6514-8803-4908-956C-3D0FB5BFC96E}" type="pres">
       <dgm:prSet presAssocID="{7EAAFB5F-FEBD-4331-BE61-AFB2FC9092C9}" presName="level3hierChild" presStyleCnt="0"/>
@@ -2871,24 +2395,10 @@
     <dgm:pt modelId="{776FF87B-F0BC-4584-AE1C-24B22D621384}" type="pres">
       <dgm:prSet presAssocID="{8930935A-CAAC-4D57-965A-28DFB66BE5F4}" presName="conn2-1" presStyleLbl="parChTrans1D3" presStyleIdx="7" presStyleCnt="8"/>
       <dgm:spPr/>
-      <dgm:t>
-        <a:bodyPr/>
-        <a:lstStyle/>
-        <a:p>
-          <a:endParaRPr lang="es-ES"/>
-        </a:p>
-      </dgm:t>
     </dgm:pt>
     <dgm:pt modelId="{54CF41C1-77B8-4637-84CA-C65DB4197F90}" type="pres">
       <dgm:prSet presAssocID="{8930935A-CAAC-4D57-965A-28DFB66BE5F4}" presName="connTx" presStyleLbl="parChTrans1D3" presStyleIdx="7" presStyleCnt="8"/>
       <dgm:spPr/>
-      <dgm:t>
-        <a:bodyPr/>
-        <a:lstStyle/>
-        <a:p>
-          <a:endParaRPr lang="es-ES"/>
-        </a:p>
-      </dgm:t>
     </dgm:pt>
     <dgm:pt modelId="{57DC239E-7A8D-493D-92E8-EA28FD052373}" type="pres">
       <dgm:prSet presAssocID="{57433F99-F708-4F58-94E5-02093D6AA866}" presName="root2" presStyleCnt="0"/>
@@ -2901,13 +2411,6 @@
         </dgm:presLayoutVars>
       </dgm:prSet>
       <dgm:spPr/>
-      <dgm:t>
-        <a:bodyPr/>
-        <a:lstStyle/>
-        <a:p>
-          <a:endParaRPr lang="es-ES"/>
-        </a:p>
-      </dgm:t>
     </dgm:pt>
     <dgm:pt modelId="{949A84D4-0EDE-49D6-9429-DC2DAA8A470B}" type="pres">
       <dgm:prSet presAssocID="{57433F99-F708-4F58-94E5-02093D6AA866}" presName="level3hierChild" presStyleCnt="0"/>
@@ -2915,101 +2418,101 @@
     </dgm:pt>
   </dgm:ptLst>
   <dgm:cxnLst>
+    <dgm:cxn modelId="{121E4201-DCF1-4D9E-8D16-83E9BAE47841}" type="presOf" srcId="{52539E7A-43F5-4E10-9DDC-01B3396399F8}" destId="{C3ED37B6-D9D7-4DD3-86A6-14B8D93F143F}" srcOrd="1" destOrd="0" presId="urn:microsoft.com/office/officeart/2005/8/layout/hierarchy2"/>
+    <dgm:cxn modelId="{E3B89E01-EC00-44F3-852C-ED92EA7BF876}" type="presOf" srcId="{FB83C6F6-F8B7-41FC-BBF8-0B2F92A002C1}" destId="{1968E761-EEC0-4D9F-9DFB-64EC53305073}" srcOrd="1" destOrd="0" presId="urn:microsoft.com/office/officeart/2005/8/layout/hierarchy2"/>
+    <dgm:cxn modelId="{97359B02-4B6D-4C39-9E8D-0FFA24AC77FB}" type="presOf" srcId="{966FF253-3587-4C11-8FEC-C0BC13CAA401}" destId="{9306F3D2-DD44-4CC5-A27F-4D1DDD91030B}" srcOrd="0" destOrd="0" presId="urn:microsoft.com/office/officeart/2005/8/layout/hierarchy2"/>
+    <dgm:cxn modelId="{84D17603-FD0B-4417-8E8B-2165353E8182}" type="presOf" srcId="{52539E7A-43F5-4E10-9DDC-01B3396399F8}" destId="{23ADCD83-A68C-4920-A91C-A68D518B9629}" srcOrd="0" destOrd="0" presId="urn:microsoft.com/office/officeart/2005/8/layout/hierarchy2"/>
+    <dgm:cxn modelId="{ABF3C304-6D4B-4D11-B608-946FE01CC9ED}" type="presOf" srcId="{A028C982-2A92-43B9-B350-D57C10FBAB0A}" destId="{1CEE8638-8326-4A74-8D12-808D1DDFFCA7}" srcOrd="1" destOrd="0" presId="urn:microsoft.com/office/officeart/2005/8/layout/hierarchy2"/>
+    <dgm:cxn modelId="{56D1E50B-BEA6-4DB2-8F63-64CF2550D645}" type="presOf" srcId="{F5641F43-DBCB-42CF-9810-CE2938BA372C}" destId="{9C4524FA-D7AA-4CEF-B700-CC67A645B438}" srcOrd="0" destOrd="0" presId="urn:microsoft.com/office/officeart/2005/8/layout/hierarchy2"/>
+    <dgm:cxn modelId="{1CB88B0C-7DDF-4A46-9BA1-F08678C3A3BF}" type="presOf" srcId="{8AA86B0C-D917-4176-94E6-205946283056}" destId="{BD0BCFE7-22B1-4182-814E-F62956F76F85}" srcOrd="0" destOrd="0" presId="urn:microsoft.com/office/officeart/2005/8/layout/hierarchy2"/>
+    <dgm:cxn modelId="{61A3AE0D-CB42-4142-A2F5-3424F8341B8B}" type="presOf" srcId="{D03542B2-16F3-4EFB-A072-801DF1C724BC}" destId="{D96CF026-ECA0-4F8E-A023-D83410F44A45}" srcOrd="0" destOrd="0" presId="urn:microsoft.com/office/officeart/2005/8/layout/hierarchy2"/>
+    <dgm:cxn modelId="{52598419-1BF1-4010-88B4-8665541AD742}" srcId="{8938A349-BB9D-4DEB-8C49-1101AE0CC7F3}" destId="{FE42A88A-E9AF-4334-806E-73A016D07A0B}" srcOrd="0" destOrd="0" parTransId="{CBC25389-9B98-4DBB-AC07-A94A4B942CEC}" sibTransId="{2AD9649B-3779-4AA5-A077-223A64EC9C3D}"/>
+    <dgm:cxn modelId="{DFE75D1D-1F48-41DE-BBA2-15B6EA5624A7}" type="presOf" srcId="{6DCD5A69-E68C-4867-AFE1-DA5BA10D38F8}" destId="{84A95C67-F5EC-4C5B-95F8-36700353F4DB}" srcOrd="0" destOrd="0" presId="urn:microsoft.com/office/officeart/2005/8/layout/hierarchy2"/>
+    <dgm:cxn modelId="{044E9C23-7A11-4242-A683-12875D61F112}" type="presOf" srcId="{1546E2A4-646A-438F-90F9-AF0CAE732DAC}" destId="{16F1E1B9-F608-43E8-8FBE-653972714A3F}" srcOrd="0" destOrd="0" presId="urn:microsoft.com/office/officeart/2005/8/layout/hierarchy2"/>
     <dgm:cxn modelId="{10DEC323-6C02-4DCB-A59A-EAA3AA230520}" type="presOf" srcId="{35AB48A9-1300-4BD5-8CBF-8E807A0ECBD4}" destId="{2985DE3F-4E31-4120-BA36-866DCE422D96}" srcOrd="1" destOrd="0" presId="urn:microsoft.com/office/officeart/2005/8/layout/hierarchy2"/>
-    <dgm:cxn modelId="{ABF3C304-6D4B-4D11-B608-946FE01CC9ED}" type="presOf" srcId="{A028C982-2A92-43B9-B350-D57C10FBAB0A}" destId="{1CEE8638-8326-4A74-8D12-808D1DDFFCA7}" srcOrd="1" destOrd="0" presId="urn:microsoft.com/office/officeart/2005/8/layout/hierarchy2"/>
-    <dgm:cxn modelId="{97359B02-4B6D-4C39-9E8D-0FFA24AC77FB}" type="presOf" srcId="{966FF253-3587-4C11-8FEC-C0BC13CAA401}" destId="{9306F3D2-DD44-4CC5-A27F-4D1DDD91030B}" srcOrd="0" destOrd="0" presId="urn:microsoft.com/office/officeart/2005/8/layout/hierarchy2"/>
+    <dgm:cxn modelId="{8A6DBF2B-4E1F-4C18-A02A-0D16771FC73F}" type="presOf" srcId="{A028C982-2A92-43B9-B350-D57C10FBAB0A}" destId="{8A44B239-B375-417E-BD64-F588906047FC}" srcOrd="0" destOrd="0" presId="urn:microsoft.com/office/officeart/2005/8/layout/hierarchy2"/>
     <dgm:cxn modelId="{D61AEB2B-7CF6-49A1-95F4-74FCFFD26FBC}" type="presOf" srcId="{77123F68-3803-4A64-A39D-4F1672ACD934}" destId="{AA98D9DA-09E4-40BD-B36D-FC56D05BD4C9}" srcOrd="1" destOrd="0" presId="urn:microsoft.com/office/officeart/2005/8/layout/hierarchy2"/>
+    <dgm:cxn modelId="{2FD2222E-89B7-4145-9549-9978BA1969ED}" type="presOf" srcId="{B584F320-C209-4EC3-93BC-D68F9FB62184}" destId="{7D1DC272-07EF-4020-9DA3-6B0F294CFDFC}" srcOrd="0" destOrd="0" presId="urn:microsoft.com/office/officeart/2005/8/layout/hierarchy2"/>
+    <dgm:cxn modelId="{90D23730-F667-4700-8932-788C35C98B4A}" type="presOf" srcId="{41CCBF91-7BF8-4961-8F93-C0B5B64E05DB}" destId="{194E73C5-2BD5-40A2-9EE8-3E42BE47378E}" srcOrd="0" destOrd="0" presId="urn:microsoft.com/office/officeart/2005/8/layout/hierarchy2"/>
+    <dgm:cxn modelId="{EDECEC30-9BA0-492F-BF82-89A9F5F8F7A5}" type="presOf" srcId="{A66F1D8E-5685-46E3-BE8D-7FCA83E9FDE9}" destId="{F9979F22-0827-468E-B344-F8893B828C5D}" srcOrd="0" destOrd="0" presId="urn:microsoft.com/office/officeart/2005/8/layout/hierarchy2"/>
+    <dgm:cxn modelId="{5D084132-09A2-45A7-91C2-CE5644AC5E60}" srcId="{AF5A8C4F-0B2D-47AB-BC91-456F9D955560}" destId="{01BCC422-7019-4C31-B5AB-55F8D4FEDC1F}" srcOrd="1" destOrd="0" parTransId="{CB451582-96A1-4422-B6F9-BBD688E3A0E3}" sibTransId="{9AEF87C2-C64E-429A-8989-E71F4E4C8050}"/>
+    <dgm:cxn modelId="{DE28E132-45D0-4F62-8307-965D05DEBBC1}" type="presOf" srcId="{6E9B27E2-CE02-4660-860A-F45613B62EF8}" destId="{5EF827FB-54C7-4D9F-9324-A47445BB9FCE}" srcOrd="0" destOrd="0" presId="urn:microsoft.com/office/officeart/2005/8/layout/hierarchy2"/>
+    <dgm:cxn modelId="{ECFCA133-9CAD-4AC1-857C-794AB783565E}" type="presOf" srcId="{A69C5F1F-FD11-42A2-8CE6-F6266978F37A}" destId="{7FEC33F5-F480-4899-9890-221ABA751C3E}" srcOrd="0" destOrd="0" presId="urn:microsoft.com/office/officeart/2005/8/layout/hierarchy2"/>
+    <dgm:cxn modelId="{92849D34-B6CC-409F-9461-CDEAE97CE348}" type="presOf" srcId="{AE69E38B-C9B3-42E5-87D3-30B557227A8E}" destId="{441FB366-D47B-42BC-BB39-1106869C34C1}" srcOrd="1" destOrd="0" presId="urn:microsoft.com/office/officeart/2005/8/layout/hierarchy2"/>
+    <dgm:cxn modelId="{9B1FE634-3AA7-4943-B03B-11A59C33BFEA}" srcId="{F02892E4-4798-4CFA-9FE2-B8361D851E5B}" destId="{7EAAFB5F-FEBD-4331-BE61-AFB2FC9092C9}" srcOrd="5" destOrd="0" parTransId="{DC7187DA-E214-4248-BA42-497ABADB8E40}" sibTransId="{6D86F8DC-E69F-4F60-93AB-B567DEEA4E5B}"/>
+    <dgm:cxn modelId="{9F5C4535-C071-411D-B284-92A8CB500CEC}" type="presOf" srcId="{77123F68-3803-4A64-A39D-4F1672ACD934}" destId="{DA919181-FAAD-4C16-B75A-7594C7148CE1}" srcOrd="0" destOrd="0" presId="urn:microsoft.com/office/officeart/2005/8/layout/hierarchy2"/>
+    <dgm:cxn modelId="{B4509735-09FB-488F-831C-CE3C5ACF6A07}" srcId="{582268F8-C507-49AD-8DD2-CCA1A89A9B6A}" destId="{5D9C9459-6708-44EE-95A4-812372C730CE}" srcOrd="1" destOrd="0" parTransId="{FB83C6F6-F8B7-41FC-BBF8-0B2F92A002C1}" sibTransId="{6B2BF8AF-AECF-4EAB-ABDF-DC2B33A99232}"/>
+    <dgm:cxn modelId="{A2DCC83A-7ED2-47B4-8838-E867644BF7DA}" type="presOf" srcId="{DA2418C7-90B6-4AB4-9DCD-6BE17FA2427C}" destId="{C76B5BB1-98CF-4FEC-9022-FFB06C7F5DEF}" srcOrd="0" destOrd="0" presId="urn:microsoft.com/office/officeart/2005/8/layout/hierarchy2"/>
+    <dgm:cxn modelId="{68A6A45E-F497-46CA-9741-2C1132D2A8A9}" srcId="{8AA86B0C-D917-4176-94E6-205946283056}" destId="{D46BB214-ECDE-477C-B1C7-EAA71933BACE}" srcOrd="0" destOrd="0" parTransId="{52539E7A-43F5-4E10-9DDC-01B3396399F8}" sibTransId="{23FFC5AD-36D1-4888-AEF5-07EFF8EE5DF7}"/>
+    <dgm:cxn modelId="{7190E95E-D414-4D3B-9212-5000439F9CB2}" type="presOf" srcId="{AE69E38B-C9B3-42E5-87D3-30B557227A8E}" destId="{72391683-CA39-4CBF-B3AB-442149D5D006}" srcOrd="0" destOrd="0" presId="urn:microsoft.com/office/officeart/2005/8/layout/hierarchy2"/>
+    <dgm:cxn modelId="{FD7E0F41-D034-44ED-86B1-7D57D9DD4BAC}" type="presOf" srcId="{2013A976-9626-4706-B736-CCEBC9A526D4}" destId="{5FF16927-7532-4194-BC03-AE89F4CC6F01}" srcOrd="1" destOrd="0" presId="urn:microsoft.com/office/officeart/2005/8/layout/hierarchy2"/>
     <dgm:cxn modelId="{A6072363-322C-4775-9E48-B29A0A2910CD}" type="presOf" srcId="{8938A349-BB9D-4DEB-8C49-1101AE0CC7F3}" destId="{FF7FEC23-402C-4A14-B257-1A8DCA291C86}" srcOrd="0" destOrd="0" presId="urn:microsoft.com/office/officeart/2005/8/layout/hierarchy2"/>
-    <dgm:cxn modelId="{7F444FD0-E1C3-4213-8174-32BAF26158E5}" type="presOf" srcId="{80E74D8C-542F-4CC5-BC98-FAF5FE974176}" destId="{E2D2FF66-6440-418D-90AF-014434079EB4}" srcOrd="0" destOrd="0" presId="urn:microsoft.com/office/officeart/2005/8/layout/hierarchy2"/>
-    <dgm:cxn modelId="{52598419-1BF1-4010-88B4-8665541AD742}" srcId="{8938A349-BB9D-4DEB-8C49-1101AE0CC7F3}" destId="{FE42A88A-E9AF-4334-806E-73A016D07A0B}" srcOrd="0" destOrd="0" parTransId="{CBC25389-9B98-4DBB-AC07-A94A4B942CEC}" sibTransId="{2AD9649B-3779-4AA5-A077-223A64EC9C3D}"/>
+    <dgm:cxn modelId="{E7954A64-094D-49C7-AD7E-50C4C8ECA34D}" type="presOf" srcId="{7863B7E2-F15F-4225-85BA-E5F85442CECA}" destId="{DD833ACC-8683-46BC-8B1C-9D9D20868D2B}" srcOrd="1" destOrd="0" presId="urn:microsoft.com/office/officeart/2005/8/layout/hierarchy2"/>
+    <dgm:cxn modelId="{DEB70E45-1BE0-4092-A17E-22B8044AB9CB}" type="presOf" srcId="{57433F99-F708-4F58-94E5-02093D6AA866}" destId="{DDA46FC9-3943-4A0D-8CEE-141A745265D1}" srcOrd="0" destOrd="0" presId="urn:microsoft.com/office/officeart/2005/8/layout/hierarchy2"/>
+    <dgm:cxn modelId="{1B252647-DF18-4F34-82FA-8439889ED857}" type="presOf" srcId="{BF93CB55-A873-4673-8274-E521FC71B063}" destId="{20573BA9-FC9F-43F7-AAFD-94ACF9104640}" srcOrd="1" destOrd="0" presId="urn:microsoft.com/office/officeart/2005/8/layout/hierarchy2"/>
+    <dgm:cxn modelId="{A8D16A68-F727-4BD9-BDA0-9FB88C94AFC9}" type="presOf" srcId="{FE42A88A-E9AF-4334-806E-73A016D07A0B}" destId="{2BD0C697-77BF-4BCA-AA65-69E8966A730F}" srcOrd="0" destOrd="0" presId="urn:microsoft.com/office/officeart/2005/8/layout/hierarchy2"/>
+    <dgm:cxn modelId="{F5AFB369-A98A-4D3A-A31A-AAADC7B6BEE5}" type="presOf" srcId="{E6B63A6B-5C6A-461C-92B5-8BC27C7F3CF4}" destId="{82CDBEEB-67A4-4593-8D81-0C328B2F3D7C}" srcOrd="0" destOrd="0" presId="urn:microsoft.com/office/officeart/2005/8/layout/hierarchy2"/>
+    <dgm:cxn modelId="{8A160E4A-48B6-40F5-A130-532D3F6B3696}" type="presOf" srcId="{D46BB214-ECDE-477C-B1C7-EAA71933BACE}" destId="{9A91CE11-2890-4C92-883F-E82106D3C8FE}" srcOrd="0" destOrd="0" presId="urn:microsoft.com/office/officeart/2005/8/layout/hierarchy2"/>
+    <dgm:cxn modelId="{7B304B6A-E7DC-4ADE-876A-25E1D1DDFD92}" srcId="{B584F320-C209-4EC3-93BC-D68F9FB62184}" destId="{755EFD14-40AD-48B6-B94C-C4DE10443888}" srcOrd="0" destOrd="0" parTransId="{A66F1D8E-5685-46E3-BE8D-7FCA83E9FDE9}" sibTransId="{C926530B-0174-49B9-913A-EB142A32E19E}"/>
+    <dgm:cxn modelId="{8BFAF24A-68A5-4713-BC0A-EF9DF3CE33E7}" type="presOf" srcId="{CB451582-96A1-4422-B6F9-BBD688E3A0E3}" destId="{9E30B63F-2FB0-43E9-BD66-D69A79C603CD}" srcOrd="1" destOrd="0" presId="urn:microsoft.com/office/officeart/2005/8/layout/hierarchy2"/>
+    <dgm:cxn modelId="{5A9DE94C-EB93-45EA-A115-57C5D141DAA5}" type="presOf" srcId="{FB83C6F6-F8B7-41FC-BBF8-0B2F92A002C1}" destId="{AEB92F3D-3E90-4B7F-8F2C-FC35DADED716}" srcOrd="0" destOrd="0" presId="urn:microsoft.com/office/officeart/2005/8/layout/hierarchy2"/>
+    <dgm:cxn modelId="{C1B1754D-91F8-4C49-BE74-6223A2534336}" type="presOf" srcId="{5ADC04EF-F9E3-49C9-8B1F-7A938E956F49}" destId="{E86144F1-6F44-45CC-92DE-655D018FAFBB}" srcOrd="1" destOrd="0" presId="urn:microsoft.com/office/officeart/2005/8/layout/hierarchy2"/>
+    <dgm:cxn modelId="{8C8B786D-830F-488C-B8A8-87841803DC57}" srcId="{01BCC422-7019-4C31-B5AB-55F8D4FEDC1F}" destId="{6E9B27E2-CE02-4660-860A-F45613B62EF8}" srcOrd="0" destOrd="0" parTransId="{AE69E38B-C9B3-42E5-87D3-30B557227A8E}" sibTransId="{09DE4D44-C41E-4194-8C00-25B9DD2112A8}"/>
     <dgm:cxn modelId="{9C087B4D-1C9C-4D0D-B9C1-F25B02A5DA2D}" srcId="{AF5A8C4F-0B2D-47AB-BC91-456F9D955560}" destId="{4CA19D27-1525-4917-9452-1D98D69E4E90}" srcOrd="0" destOrd="0" parTransId="{F9211877-83EE-4FB3-80F5-800BE2268021}" sibTransId="{A1A26B75-3525-4CE9-9D19-80750785A1B4}"/>
-    <dgm:cxn modelId="{B4509735-09FB-488F-831C-CE3C5ACF6A07}" srcId="{582268F8-C507-49AD-8DD2-CCA1A89A9B6A}" destId="{5D9C9459-6708-44EE-95A4-812372C730CE}" srcOrd="1" destOrd="0" parTransId="{FB83C6F6-F8B7-41FC-BBF8-0B2F92A002C1}" sibTransId="{6B2BF8AF-AECF-4EAB-ABDF-DC2B33A99232}"/>
     <dgm:cxn modelId="{F332FB6D-9647-477F-AB7A-74532B3F9099}" type="presOf" srcId="{582268F8-C507-49AD-8DD2-CCA1A89A9B6A}" destId="{C9223ED6-F45B-406F-A22C-6AE3991901A1}" srcOrd="0" destOrd="0" presId="urn:microsoft.com/office/officeart/2005/8/layout/hierarchy2"/>
+    <dgm:cxn modelId="{5D84086E-3CE7-4B5E-95A7-9FB842DA875E}" type="presOf" srcId="{5D9C9459-6708-44EE-95A4-812372C730CE}" destId="{421DB750-DCB0-42FC-9A20-77F0493E1097}" srcOrd="0" destOrd="0" presId="urn:microsoft.com/office/officeart/2005/8/layout/hierarchy2"/>
+    <dgm:cxn modelId="{0D16DF6E-BE85-4A2F-B90A-FFB932958120}" type="presOf" srcId="{CB36923F-7B0C-4F83-8707-AFA3DB0C0A5E}" destId="{59C4D808-1654-4A0C-ABE0-04874B55021B}" srcOrd="0" destOrd="0" presId="urn:microsoft.com/office/officeart/2005/8/layout/hierarchy2"/>
+    <dgm:cxn modelId="{37F47F6F-7075-45CA-89A4-14643B744395}" srcId="{755EFD14-40AD-48B6-B94C-C4DE10443888}" destId="{E6B63A6B-5C6A-461C-92B5-8BC27C7F3CF4}" srcOrd="0" destOrd="0" parTransId="{F5641F43-DBCB-42CF-9810-CE2938BA372C}" sibTransId="{8EC2AF54-6641-435E-8216-32B3B7D4869A}"/>
+    <dgm:cxn modelId="{2168B86F-8D1E-4C1E-8E1F-2058D15AD13A}" srcId="{D03542B2-16F3-4EFB-A072-801DF1C724BC}" destId="{8938A349-BB9D-4DEB-8C49-1101AE0CC7F3}" srcOrd="0" destOrd="0" parTransId="{E1460541-8638-4ABB-BBA3-DE5ED688BF93}" sibTransId="{0DEC186C-78B6-47E7-9708-CB905840CAD8}"/>
+    <dgm:cxn modelId="{B5D2A572-90DF-4008-8AF1-8B52D234637D}" type="presOf" srcId="{8930935A-CAAC-4D57-965A-28DFB66BE5F4}" destId="{54CF41C1-77B8-4637-84CA-C65DB4197F90}" srcOrd="1" destOrd="0" presId="urn:microsoft.com/office/officeart/2005/8/layout/hierarchy2"/>
+    <dgm:cxn modelId="{D1F4B353-92D1-4B16-92A4-D1AAC68C5048}" type="presOf" srcId="{9ADB1338-2672-492F-ABA6-2927C5674444}" destId="{3D0B6B84-56F8-44D3-9DD4-B6B6C3D779D6}" srcOrd="1" destOrd="0" presId="urn:microsoft.com/office/officeart/2005/8/layout/hierarchy2"/>
+    <dgm:cxn modelId="{0904D955-AC32-4A73-8B43-4F22C10A48BD}" type="presOf" srcId="{4CA19D27-1525-4917-9452-1D98D69E4E90}" destId="{3D54E95E-3451-4A01-8E77-2ACBC8C1E174}" srcOrd="0" destOrd="0" presId="urn:microsoft.com/office/officeart/2005/8/layout/hierarchy2"/>
+    <dgm:cxn modelId="{BACB3157-854D-4152-A217-60AEB3AF45AC}" type="presOf" srcId="{5ADC04EF-F9E3-49C9-8B1F-7A938E956F49}" destId="{F613943E-168E-40AB-9475-7456F53CCF9A}" srcOrd="0" destOrd="0" presId="urn:microsoft.com/office/officeart/2005/8/layout/hierarchy2"/>
+    <dgm:cxn modelId="{9F4E0878-39FD-4C8F-9114-0A244AA52B58}" type="presOf" srcId="{63FA7234-CD69-411D-8704-C339195B6FE1}" destId="{EF7DDFB5-FB87-49FC-9C33-B7A9410F9D6E}" srcOrd="1" destOrd="0" presId="urn:microsoft.com/office/officeart/2005/8/layout/hierarchy2"/>
+    <dgm:cxn modelId="{6639E97A-47AA-4BA5-80D1-D6FB53F0575D}" type="presOf" srcId="{F02892E4-4798-4CFA-9FE2-B8361D851E5B}" destId="{7CB58221-110F-4600-BE03-B2B3731AF535}" srcOrd="0" destOrd="0" presId="urn:microsoft.com/office/officeart/2005/8/layout/hierarchy2"/>
     <dgm:cxn modelId="{7D44A17F-0E7A-4CD0-A1BF-76310241DF39}" type="presOf" srcId="{7EAAFB5F-FEBD-4331-BE61-AFB2FC9092C9}" destId="{61836AAE-9727-42F7-85A4-0FC8671C5CC3}" srcOrd="0" destOrd="0" presId="urn:microsoft.com/office/officeart/2005/8/layout/hierarchy2"/>
-    <dgm:cxn modelId="{DE28E132-45D0-4F62-8307-965D05DEBBC1}" type="presOf" srcId="{6E9B27E2-CE02-4660-860A-F45613B62EF8}" destId="{5EF827FB-54C7-4D9F-9324-A47445BB9FCE}" srcOrd="0" destOrd="0" presId="urn:microsoft.com/office/officeart/2005/8/layout/hierarchy2"/>
+    <dgm:cxn modelId="{BEE0358A-62E0-4EC9-B885-8BC6241C4C5A}" srcId="{DA2418C7-90B6-4AB4-9DCD-6BE17FA2427C}" destId="{F02892E4-4798-4CFA-9FE2-B8361D851E5B}" srcOrd="0" destOrd="0" parTransId="{E088F082-27AE-4CD1-AD61-F31A8A5B04A8}" sibTransId="{C62BB59E-1EDB-405C-A616-7E3B57EC7443}"/>
+    <dgm:cxn modelId="{BDA5018F-24C9-4CA6-871D-1537B1F8C0B8}" type="presOf" srcId="{35AB48A9-1300-4BD5-8CBF-8E807A0ECBD4}" destId="{698D5EF6-6D12-4061-88E5-5E8825772A19}" srcOrd="0" destOrd="0" presId="urn:microsoft.com/office/officeart/2005/8/layout/hierarchy2"/>
+    <dgm:cxn modelId="{30F01E90-57BC-4524-8DFF-046A2F843514}" srcId="{CB36923F-7B0C-4F83-8707-AFA3DB0C0A5E}" destId="{966FF253-3587-4C11-8FEC-C0BC13CAA401}" srcOrd="0" destOrd="0" parTransId="{BF93CB55-A873-4673-8274-E521FC71B063}" sibTransId="{14E715A6-3941-49FC-98B8-9A4500D003D8}"/>
+    <dgm:cxn modelId="{A9541091-F219-4198-8068-5C261A5330BB}" srcId="{1546E2A4-646A-438F-90F9-AF0CAE732DAC}" destId="{A5E68B0A-0845-4BD0-9C59-75877FD895DB}" srcOrd="0" destOrd="0" parTransId="{9C4DFB95-232B-49DD-A6E2-B4AD62E042DC}" sibTransId="{54CFE0F6-BC74-4E55-A12B-D7CE5E7E7296}"/>
     <dgm:cxn modelId="{3C4CF392-4543-41C5-BADD-3BB12922ECC0}" type="presOf" srcId="{7863B7E2-F15F-4225-85BA-E5F85442CECA}" destId="{C6AA5DF5-3707-4789-8F01-87EBF3477839}" srcOrd="0" destOrd="0" presId="urn:microsoft.com/office/officeart/2005/8/layout/hierarchy2"/>
-    <dgm:cxn modelId="{F5AFB369-A98A-4D3A-A31A-AAADC7B6BEE5}" type="presOf" srcId="{E6B63A6B-5C6A-461C-92B5-8BC27C7F3CF4}" destId="{82CDBEEB-67A4-4593-8D81-0C328B2F3D7C}" srcOrd="0" destOrd="0" presId="urn:microsoft.com/office/officeart/2005/8/layout/hierarchy2"/>
-    <dgm:cxn modelId="{61A3AE0D-CB42-4142-A2F5-3424F8341B8B}" type="presOf" srcId="{D03542B2-16F3-4EFB-A072-801DF1C724BC}" destId="{D96CF026-ECA0-4F8E-A023-D83410F44A45}" srcOrd="0" destOrd="0" presId="urn:microsoft.com/office/officeart/2005/8/layout/hierarchy2"/>
-    <dgm:cxn modelId="{FD7E0F41-D034-44ED-86B1-7D57D9DD4BAC}" type="presOf" srcId="{2013A976-9626-4706-B736-CCEBC9A526D4}" destId="{5FF16927-7532-4194-BC03-AE89F4CC6F01}" srcOrd="1" destOrd="0" presId="urn:microsoft.com/office/officeart/2005/8/layout/hierarchy2"/>
-    <dgm:cxn modelId="{B81E1CC2-27E4-46C4-B2F4-DD3B41FCC369}" type="presOf" srcId="{01BCC422-7019-4C31-B5AB-55F8D4FEDC1F}" destId="{84D6CAB9-2D30-488C-9250-B000E3F6DD63}" srcOrd="0" destOrd="0" presId="urn:microsoft.com/office/officeart/2005/8/layout/hierarchy2"/>
-    <dgm:cxn modelId="{BEE0358A-62E0-4EC9-B885-8BC6241C4C5A}" srcId="{DA2418C7-90B6-4AB4-9DCD-6BE17FA2427C}" destId="{F02892E4-4798-4CFA-9FE2-B8361D851E5B}" srcOrd="0" destOrd="0" parTransId="{E088F082-27AE-4CD1-AD61-F31A8A5B04A8}" sibTransId="{C62BB59E-1EDB-405C-A616-7E3B57EC7443}"/>
     <dgm:cxn modelId="{05B44E97-8784-4F20-A841-EE6000A3A571}" type="presOf" srcId="{9C4DFB95-232B-49DD-A6E2-B4AD62E042DC}" destId="{927FAD8B-6756-4069-B973-DFC306B9782C}" srcOrd="1" destOrd="0" presId="urn:microsoft.com/office/officeart/2005/8/layout/hierarchy2"/>
-    <dgm:cxn modelId="{0904D955-AC32-4A73-8B43-4F22C10A48BD}" type="presOf" srcId="{4CA19D27-1525-4917-9452-1D98D69E4E90}" destId="{3D54E95E-3451-4A01-8E77-2ACBC8C1E174}" srcOrd="0" destOrd="0" presId="urn:microsoft.com/office/officeart/2005/8/layout/hierarchy2"/>
-    <dgm:cxn modelId="{7E47D7EE-B962-4C7A-A547-18793467B128}" type="presOf" srcId="{F9211877-83EE-4FB3-80F5-800BE2268021}" destId="{2E5CE375-6246-43EE-91D7-C33E9AE5782A}" srcOrd="0" destOrd="0" presId="urn:microsoft.com/office/officeart/2005/8/layout/hierarchy2"/>
-    <dgm:cxn modelId="{EDECEC30-9BA0-492F-BF82-89A9F5F8F7A5}" type="presOf" srcId="{A66F1D8E-5685-46E3-BE8D-7FCA83E9FDE9}" destId="{F9979F22-0827-468E-B344-F8893B828C5D}" srcOrd="0" destOrd="0" presId="urn:microsoft.com/office/officeart/2005/8/layout/hierarchy2"/>
-    <dgm:cxn modelId="{1A5E54E8-DF34-44F6-976B-F20C96B8F489}" srcId="{F02892E4-4798-4CFA-9FE2-B8361D851E5B}" destId="{8AA86B0C-D917-4176-94E6-205946283056}" srcOrd="2" destOrd="0" parTransId="{9ADB1338-2672-492F-ABA6-2927C5674444}" sibTransId="{A8ACEC76-E104-40ED-8181-D63219F5849E}"/>
+    <dgm:cxn modelId="{18C74A98-6F6B-459C-BCC3-3B1C8B4D1938}" type="presOf" srcId="{755EFD14-40AD-48B6-B94C-C4DE10443888}" destId="{3F357979-74FE-416F-967C-D5ACFBDD7196}" srcOrd="0" destOrd="0" presId="urn:microsoft.com/office/officeart/2005/8/layout/hierarchy2"/>
+    <dgm:cxn modelId="{DC00AE9E-D70D-458E-A6BA-80FA07F5F2D2}" type="presOf" srcId="{A5E68B0A-0845-4BD0-9C59-75877FD895DB}" destId="{D4B27C39-B3A5-4BD0-95E9-6180FEF22577}" srcOrd="0" destOrd="0" presId="urn:microsoft.com/office/officeart/2005/8/layout/hierarchy2"/>
     <dgm:cxn modelId="{74328CAE-2988-4BA6-A827-5CE2EACCB424}" srcId="{F02892E4-4798-4CFA-9FE2-B8361D851E5B}" destId="{AF5A8C4F-0B2D-47AB-BC91-456F9D955560}" srcOrd="0" destOrd="0" parTransId="{2013A976-9626-4706-B736-CCEBC9A526D4}" sibTransId="{B926D51B-FA02-4C34-BCF2-DAEEF57CF5FD}"/>
-    <dgm:cxn modelId="{EC8E13F7-05E2-4CC0-B576-0E8C98DC4F07}" srcId="{7EAAFB5F-FEBD-4331-BE61-AFB2FC9092C9}" destId="{57433F99-F708-4F58-94E5-02093D6AA866}" srcOrd="0" destOrd="0" parTransId="{8930935A-CAAC-4D57-965A-28DFB66BE5F4}" sibTransId="{D989D43B-DC52-48E3-862E-96DC1ECA1F98}"/>
-    <dgm:cxn modelId="{92849D34-B6CC-409F-9461-CDEAE97CE348}" type="presOf" srcId="{AE69E38B-C9B3-42E5-87D3-30B557227A8E}" destId="{441FB366-D47B-42BC-BB39-1106869C34C1}" srcOrd="1" destOrd="0" presId="urn:microsoft.com/office/officeart/2005/8/layout/hierarchy2"/>
-    <dgm:cxn modelId="{8BFAF24A-68A5-4713-BC0A-EF9DF3CE33E7}" type="presOf" srcId="{CB451582-96A1-4422-B6F9-BBD688E3A0E3}" destId="{9E30B63F-2FB0-43E9-BD66-D69A79C603CD}" srcOrd="1" destOrd="0" presId="urn:microsoft.com/office/officeart/2005/8/layout/hierarchy2"/>
-    <dgm:cxn modelId="{55D403F6-7B4B-4267-83DF-F9EB8A24AE38}" type="presOf" srcId="{63FA7234-CD69-411D-8704-C339195B6FE1}" destId="{C82602F8-0349-4B99-A39A-33C65352B125}" srcOrd="0" destOrd="0" presId="urn:microsoft.com/office/officeart/2005/8/layout/hierarchy2"/>
-    <dgm:cxn modelId="{2FD2222E-89B7-4145-9549-9978BA1969ED}" type="presOf" srcId="{B584F320-C209-4EC3-93BC-D68F9FB62184}" destId="{7D1DC272-07EF-4020-9DA3-6B0F294CFDFC}" srcOrd="0" destOrd="0" presId="urn:microsoft.com/office/officeart/2005/8/layout/hierarchy2"/>
-    <dgm:cxn modelId="{9F5C4535-C071-411D-B284-92A8CB500CEC}" type="presOf" srcId="{77123F68-3803-4A64-A39D-4F1672ACD934}" destId="{DA919181-FAAD-4C16-B75A-7594C7148CE1}" srcOrd="0" destOrd="0" presId="urn:microsoft.com/office/officeart/2005/8/layout/hierarchy2"/>
-    <dgm:cxn modelId="{0D16DF6E-BE85-4A2F-B90A-FFB932958120}" type="presOf" srcId="{CB36923F-7B0C-4F83-8707-AFA3DB0C0A5E}" destId="{59C4D808-1654-4A0C-ABE0-04874B55021B}" srcOrd="0" destOrd="0" presId="urn:microsoft.com/office/officeart/2005/8/layout/hierarchy2"/>
-    <dgm:cxn modelId="{DEB70E45-1BE0-4092-A17E-22B8044AB9CB}" type="presOf" srcId="{57433F99-F708-4F58-94E5-02093D6AA866}" destId="{DDA46FC9-3943-4A0D-8CEE-141A745265D1}" srcOrd="0" destOrd="0" presId="urn:microsoft.com/office/officeart/2005/8/layout/hierarchy2"/>
-    <dgm:cxn modelId="{D52886C3-6C7E-47EF-BA25-28571BEC6678}" type="presOf" srcId="{E1460541-8638-4ABB-BBA3-DE5ED688BF93}" destId="{77937493-C75F-4F12-A71E-969B6669BF76}" srcOrd="0" destOrd="0" presId="urn:microsoft.com/office/officeart/2005/8/layout/hierarchy2"/>
-    <dgm:cxn modelId="{1CB88B0C-7DDF-4A46-9BA1-F08678C3A3BF}" type="presOf" srcId="{8AA86B0C-D917-4176-94E6-205946283056}" destId="{BD0BCFE7-22B1-4182-814E-F62956F76F85}" srcOrd="0" destOrd="0" presId="urn:microsoft.com/office/officeart/2005/8/layout/hierarchy2"/>
-    <dgm:cxn modelId="{68A6A45E-F497-46CA-9741-2C1132D2A8A9}" srcId="{8AA86B0C-D917-4176-94E6-205946283056}" destId="{D46BB214-ECDE-477C-B1C7-EAA71933BACE}" srcOrd="0" destOrd="0" parTransId="{52539E7A-43F5-4E10-9DDC-01B3396399F8}" sibTransId="{23FFC5AD-36D1-4888-AEF5-07EFF8EE5DF7}"/>
-    <dgm:cxn modelId="{133F74E0-AF89-490F-AB36-CE45742E2C3E}" type="presOf" srcId="{F9211877-83EE-4FB3-80F5-800BE2268021}" destId="{BC212194-7374-4269-968B-01AE26C8E7E7}" srcOrd="1" destOrd="0" presId="urn:microsoft.com/office/officeart/2005/8/layout/hierarchy2"/>
-    <dgm:cxn modelId="{DFE75D1D-1F48-41DE-BBA2-15B6EA5624A7}" type="presOf" srcId="{6DCD5A69-E68C-4867-AFE1-DA5BA10D38F8}" destId="{84A95C67-F5EC-4C5B-95F8-36700353F4DB}" srcOrd="0" destOrd="0" presId="urn:microsoft.com/office/officeart/2005/8/layout/hierarchy2"/>
-    <dgm:cxn modelId="{9B1FE634-3AA7-4943-B03B-11A59C33BFEA}" srcId="{F02892E4-4798-4CFA-9FE2-B8361D851E5B}" destId="{7EAAFB5F-FEBD-4331-BE61-AFB2FC9092C9}" srcOrd="5" destOrd="0" parTransId="{DC7187DA-E214-4248-BA42-497ABADB8E40}" sibTransId="{6D86F8DC-E69F-4F60-93AB-B567DEEA4E5B}"/>
     <dgm:cxn modelId="{EF14A7AE-E1A4-4022-9945-DA294D573D26}" srcId="{6DCD5A69-E68C-4867-AFE1-DA5BA10D38F8}" destId="{1546E2A4-646A-438F-90F9-AF0CAE732DAC}" srcOrd="1" destOrd="0" parTransId="{5ADC04EF-F9E3-49C9-8B1F-7A938E956F49}" sibTransId="{2A250AF9-6DC5-46F1-8DC2-A0C6B2D152A6}"/>
-    <dgm:cxn modelId="{AC2C67C9-F239-4C9E-A8BC-2F6536C8BAE4}" type="presOf" srcId="{DC7187DA-E214-4248-BA42-497ABADB8E40}" destId="{B8B7796E-16AF-4FF2-96F8-4A2F73A4E1C9}" srcOrd="0" destOrd="0" presId="urn:microsoft.com/office/officeart/2005/8/layout/hierarchy2"/>
-    <dgm:cxn modelId="{BACB3157-854D-4152-A217-60AEB3AF45AC}" type="presOf" srcId="{5ADC04EF-F9E3-49C9-8B1F-7A938E956F49}" destId="{F613943E-168E-40AB-9475-7456F53CCF9A}" srcOrd="0" destOrd="0" presId="urn:microsoft.com/office/officeart/2005/8/layout/hierarchy2"/>
-    <dgm:cxn modelId="{A8D16A68-F727-4BD9-BDA0-9FB88C94AFC9}" type="presOf" srcId="{FE42A88A-E9AF-4334-806E-73A016D07A0B}" destId="{2BD0C697-77BF-4BCA-AA65-69E8966A730F}" srcOrd="0" destOrd="0" presId="urn:microsoft.com/office/officeart/2005/8/layout/hierarchy2"/>
-    <dgm:cxn modelId="{18C74A98-6F6B-459C-BCC3-3B1C8B4D1938}" type="presOf" srcId="{755EFD14-40AD-48B6-B94C-C4DE10443888}" destId="{3F357979-74FE-416F-967C-D5ACFBDD7196}" srcOrd="0" destOrd="0" presId="urn:microsoft.com/office/officeart/2005/8/layout/hierarchy2"/>
-    <dgm:cxn modelId="{1B252647-DF18-4F34-82FA-8439889ED857}" type="presOf" srcId="{BF93CB55-A873-4673-8274-E521FC71B063}" destId="{20573BA9-FC9F-43F7-AAFD-94ACF9104640}" srcOrd="1" destOrd="0" presId="urn:microsoft.com/office/officeart/2005/8/layout/hierarchy2"/>
-    <dgm:cxn modelId="{37F47F6F-7075-45CA-89A4-14643B744395}" srcId="{755EFD14-40AD-48B6-B94C-C4DE10443888}" destId="{E6B63A6B-5C6A-461C-92B5-8BC27C7F3CF4}" srcOrd="0" destOrd="0" parTransId="{F5641F43-DBCB-42CF-9810-CE2938BA372C}" sibTransId="{8EC2AF54-6641-435E-8216-32B3B7D4869A}"/>
-    <dgm:cxn modelId="{30F01E90-57BC-4524-8DFF-046A2F843514}" srcId="{CB36923F-7B0C-4F83-8707-AFA3DB0C0A5E}" destId="{966FF253-3587-4C11-8FEC-C0BC13CAA401}" srcOrd="0" destOrd="0" parTransId="{BF93CB55-A873-4673-8274-E521FC71B063}" sibTransId="{14E715A6-3941-49FC-98B8-9A4500D003D8}"/>
-    <dgm:cxn modelId="{B5D2A572-90DF-4008-8AF1-8B52D234637D}" type="presOf" srcId="{8930935A-CAAC-4D57-965A-28DFB66BE5F4}" destId="{54CF41C1-77B8-4637-84CA-C65DB4197F90}" srcOrd="1" destOrd="0" presId="urn:microsoft.com/office/officeart/2005/8/layout/hierarchy2"/>
-    <dgm:cxn modelId="{90D23730-F667-4700-8932-788C35C98B4A}" type="presOf" srcId="{41CCBF91-7BF8-4961-8F93-C0B5B64E05DB}" destId="{194E73C5-2BD5-40A2-9EE8-3E42BE47378E}" srcOrd="0" destOrd="0" presId="urn:microsoft.com/office/officeart/2005/8/layout/hierarchy2"/>
-    <dgm:cxn modelId="{511876F9-8468-4350-A0B0-CEB2599A1E27}" srcId="{6DCD5A69-E68C-4867-AFE1-DA5BA10D38F8}" destId="{B584F320-C209-4EC3-93BC-D68F9FB62184}" srcOrd="0" destOrd="0" parTransId="{A028C982-2A92-43B9-B350-D57C10FBAB0A}" sibTransId="{0DEB30A7-0B01-4417-8C65-683E58CF4304}"/>
-    <dgm:cxn modelId="{A2DCC83A-7ED2-47B4-8838-E867644BF7DA}" type="presOf" srcId="{DA2418C7-90B6-4AB4-9DCD-6BE17FA2427C}" destId="{C76B5BB1-98CF-4FEC-9022-FFB06C7F5DEF}" srcOrd="0" destOrd="0" presId="urn:microsoft.com/office/officeart/2005/8/layout/hierarchy2"/>
-    <dgm:cxn modelId="{ECFCA133-9CAD-4AC1-857C-794AB783565E}" type="presOf" srcId="{A69C5F1F-FD11-42A2-8CE6-F6266978F37A}" destId="{7FEC33F5-F480-4899-9890-221ABA751C3E}" srcOrd="0" destOrd="0" presId="urn:microsoft.com/office/officeart/2005/8/layout/hierarchy2"/>
-    <dgm:cxn modelId="{243A1AE1-8CB1-43D7-9EDE-656A4118D804}" type="presOf" srcId="{A66F1D8E-5685-46E3-BE8D-7FCA83E9FDE9}" destId="{FFF5DBD4-11AC-4A60-A1E0-7F73FD9B4013}" srcOrd="1" destOrd="0" presId="urn:microsoft.com/office/officeart/2005/8/layout/hierarchy2"/>
-    <dgm:cxn modelId="{E7954A64-094D-49C7-AD7E-50C4C8ECA34D}" type="presOf" srcId="{7863B7E2-F15F-4225-85BA-E5F85442CECA}" destId="{DD833ACC-8683-46BC-8B1C-9D9D20868D2B}" srcOrd="1" destOrd="0" presId="urn:microsoft.com/office/officeart/2005/8/layout/hierarchy2"/>
+    <dgm:cxn modelId="{1AA0DAAF-BAF7-4C82-BA14-91CE19CE271C}" type="presOf" srcId="{2013A976-9626-4706-B736-CCEBC9A526D4}" destId="{BFF1365F-825B-490A-9491-C2A9086DA0CC}" srcOrd="0" destOrd="0" presId="urn:microsoft.com/office/officeart/2005/8/layout/hierarchy2"/>
     <dgm:cxn modelId="{C0271CB3-46B1-4421-ABC9-452E22697534}" type="presOf" srcId="{AF5A8C4F-0B2D-47AB-BC91-456F9D955560}" destId="{616D218F-7D5A-48F6-9518-2D6BFE9FC7E4}" srcOrd="0" destOrd="0" presId="urn:microsoft.com/office/officeart/2005/8/layout/hierarchy2"/>
-    <dgm:cxn modelId="{7190E95E-D414-4D3B-9212-5000439F9CB2}" type="presOf" srcId="{AE69E38B-C9B3-42E5-87D3-30B557227A8E}" destId="{72391683-CA39-4CBF-B3AB-442149D5D006}" srcOrd="0" destOrd="0" presId="urn:microsoft.com/office/officeart/2005/8/layout/hierarchy2"/>
-    <dgm:cxn modelId="{044E9C23-7A11-4242-A683-12875D61F112}" type="presOf" srcId="{1546E2A4-646A-438F-90F9-AF0CAE732DAC}" destId="{16F1E1B9-F608-43E8-8FBE-653972714A3F}" srcOrd="0" destOrd="0" presId="urn:microsoft.com/office/officeart/2005/8/layout/hierarchy2"/>
-    <dgm:cxn modelId="{A9541091-F219-4198-8068-5C261A5330BB}" srcId="{1546E2A4-646A-438F-90F9-AF0CAE732DAC}" destId="{A5E68B0A-0845-4BD0-9C59-75877FD895DB}" srcOrd="0" destOrd="0" parTransId="{9C4DFB95-232B-49DD-A6E2-B4AD62E042DC}" sibTransId="{54CFE0F6-BC74-4E55-A12B-D7CE5E7E7296}"/>
-    <dgm:cxn modelId="{97B480C9-3F5A-49AA-A342-BF753D5E5D56}" srcId="{4CA19D27-1525-4917-9452-1D98D69E4E90}" destId="{582268F8-C507-49AD-8DD2-CCA1A89A9B6A}" srcOrd="0" destOrd="0" parTransId="{63FA7234-CD69-411D-8704-C339195B6FE1}" sibTransId="{52080AC3-EBD0-4866-BAA7-3F006D757B2F}"/>
-    <dgm:cxn modelId="{9FF89FCD-D474-42A1-9BFE-AD0CDAC88A44}" srcId="{F02892E4-4798-4CFA-9FE2-B8361D851E5B}" destId="{6DCD5A69-E68C-4867-AFE1-DA5BA10D38F8}" srcOrd="1" destOrd="0" parTransId="{80E74D8C-542F-4CC5-BC98-FAF5FE974176}" sibTransId="{1F203E2A-B92A-4FB6-90A1-0FCE4C7ED6F2}"/>
-    <dgm:cxn modelId="{5D84086E-3CE7-4B5E-95A7-9FB842DA875E}" type="presOf" srcId="{5D9C9459-6708-44EE-95A4-812372C730CE}" destId="{421DB750-DCB0-42FC-9A20-77F0493E1097}" srcOrd="0" destOrd="0" presId="urn:microsoft.com/office/officeart/2005/8/layout/hierarchy2"/>
-    <dgm:cxn modelId="{4F7012CB-5DD0-4DBB-8B69-4BFB93CBB125}" srcId="{582268F8-C507-49AD-8DD2-CCA1A89A9B6A}" destId="{A69C5F1F-FD11-42A2-8CE6-F6266978F37A}" srcOrd="0" destOrd="0" parTransId="{77123F68-3803-4A64-A39D-4F1672ACD934}" sibTransId="{5470A283-618C-4AC3-8666-EEF1CCE24D0C}"/>
-    <dgm:cxn modelId="{40E24EC3-818E-42A9-ACE7-48633CAAE1B7}" type="presOf" srcId="{DC7187DA-E214-4248-BA42-497ABADB8E40}" destId="{F4C01140-4360-4A7C-9674-7B8840DEBF02}" srcOrd="1" destOrd="0" presId="urn:microsoft.com/office/officeart/2005/8/layout/hierarchy2"/>
-    <dgm:cxn modelId="{8C8046B8-4B91-43C9-8D06-D68ED8F86A7D}" type="presOf" srcId="{F5641F43-DBCB-42CF-9810-CE2938BA372C}" destId="{224E18EF-F645-4465-A195-E8400C0E1586}" srcOrd="1" destOrd="0" presId="urn:microsoft.com/office/officeart/2005/8/layout/hierarchy2"/>
-    <dgm:cxn modelId="{7DA742C6-E30A-46AB-98A2-B6ED982137AC}" type="presOf" srcId="{9C4DFB95-232B-49DD-A6E2-B4AD62E042DC}" destId="{ED0E97A1-321D-4845-A906-80C74040ED25}" srcOrd="0" destOrd="0" presId="urn:microsoft.com/office/officeart/2005/8/layout/hierarchy2"/>
-    <dgm:cxn modelId="{BDA5018F-24C9-4CA6-871D-1537B1F8C0B8}" type="presOf" srcId="{35AB48A9-1300-4BD5-8CBF-8E807A0ECBD4}" destId="{698D5EF6-6D12-4061-88E5-5E8825772A19}" srcOrd="0" destOrd="0" presId="urn:microsoft.com/office/officeart/2005/8/layout/hierarchy2"/>
-    <dgm:cxn modelId="{1DCDCDD3-ED05-4BD4-9EDC-97C973DBF117}" type="presOf" srcId="{80E74D8C-542F-4CC5-BC98-FAF5FE974176}" destId="{6E47D520-F4BE-414A-B85C-6428C39B27F3}" srcOrd="1" destOrd="0" presId="urn:microsoft.com/office/officeart/2005/8/layout/hierarchy2"/>
-    <dgm:cxn modelId="{6639E97A-47AA-4BA5-80D1-D6FB53F0575D}" type="presOf" srcId="{F02892E4-4798-4CFA-9FE2-B8361D851E5B}" destId="{7CB58221-110F-4600-BE03-B2B3731AF535}" srcOrd="0" destOrd="0" presId="urn:microsoft.com/office/officeart/2005/8/layout/hierarchy2"/>
-    <dgm:cxn modelId="{744E5AF4-94FA-4E7D-B44D-978F42BC5F1C}" type="presOf" srcId="{9ADB1338-2672-492F-ABA6-2927C5674444}" destId="{CC75584B-4935-4760-B8E8-EDC702A46ED2}" srcOrd="0" destOrd="0" presId="urn:microsoft.com/office/officeart/2005/8/layout/hierarchy2"/>
-    <dgm:cxn modelId="{72CB51E2-0D02-4DB0-8F2C-115491DD2517}" type="presOf" srcId="{E1460541-8638-4ABB-BBA3-DE5ED688BF93}" destId="{F0C286D4-2B39-4BF3-B9A6-3EE705B82A4C}" srcOrd="1" destOrd="0" presId="urn:microsoft.com/office/officeart/2005/8/layout/hierarchy2"/>
-    <dgm:cxn modelId="{5A9DE94C-EB93-45EA-A115-57C5D141DAA5}" type="presOf" srcId="{FB83C6F6-F8B7-41FC-BBF8-0B2F92A002C1}" destId="{AEB92F3D-3E90-4B7F-8F2C-FC35DADED716}" srcOrd="0" destOrd="0" presId="urn:microsoft.com/office/officeart/2005/8/layout/hierarchy2"/>
-    <dgm:cxn modelId="{DC00AE9E-D70D-458E-A6BA-80FA07F5F2D2}" type="presOf" srcId="{A5E68B0A-0845-4BD0-9C59-75877FD895DB}" destId="{D4B27C39-B3A5-4BD0-95E9-6180FEF22577}" srcOrd="0" destOrd="0" presId="urn:microsoft.com/office/officeart/2005/8/layout/hierarchy2"/>
-    <dgm:cxn modelId="{2168B86F-8D1E-4C1E-8E1F-2058D15AD13A}" srcId="{D03542B2-16F3-4EFB-A072-801DF1C724BC}" destId="{8938A349-BB9D-4DEB-8C49-1101AE0CC7F3}" srcOrd="0" destOrd="0" parTransId="{E1460541-8638-4ABB-BBA3-DE5ED688BF93}" sibTransId="{0DEC186C-78B6-47E7-9708-CB905840CAD8}"/>
-    <dgm:cxn modelId="{A0959EED-A2F6-47B7-BBEB-00555E16A431}" type="presOf" srcId="{BF93CB55-A873-4673-8274-E521FC71B063}" destId="{B71402E3-4CE0-4A97-87DE-07C3467EE444}" srcOrd="0" destOrd="0" presId="urn:microsoft.com/office/officeart/2005/8/layout/hierarchy2"/>
-    <dgm:cxn modelId="{56D1E50B-BEA6-4DB2-8F63-64CF2550D645}" type="presOf" srcId="{F5641F43-DBCB-42CF-9810-CE2938BA372C}" destId="{9C4524FA-D7AA-4CEF-B700-CC67A645B438}" srcOrd="0" destOrd="0" presId="urn:microsoft.com/office/officeart/2005/8/layout/hierarchy2"/>
-    <dgm:cxn modelId="{60643ECC-21C8-4C51-8B66-3907055552FD}" type="presOf" srcId="{8930935A-CAAC-4D57-965A-28DFB66BE5F4}" destId="{776FF87B-F0BC-4584-AE1C-24B22D621384}" srcOrd="0" destOrd="0" presId="urn:microsoft.com/office/officeart/2005/8/layout/hierarchy2"/>
-    <dgm:cxn modelId="{481649D3-AC93-49A6-9831-DE239401EE75}" srcId="{755EFD14-40AD-48B6-B94C-C4DE10443888}" destId="{41CCBF91-7BF8-4961-8F93-C0B5B64E05DB}" srcOrd="1" destOrd="0" parTransId="{7863B7E2-F15F-4225-85BA-E5F85442CECA}" sibTransId="{24508407-DB51-4638-A8C5-4C6466966A9E}"/>
-    <dgm:cxn modelId="{84D17603-FD0B-4417-8E8B-2165353E8182}" type="presOf" srcId="{52539E7A-43F5-4E10-9DDC-01B3396399F8}" destId="{23ADCD83-A68C-4920-A91C-A68D518B9629}" srcOrd="0" destOrd="0" presId="urn:microsoft.com/office/officeart/2005/8/layout/hierarchy2"/>
-    <dgm:cxn modelId="{7B304B6A-E7DC-4ADE-876A-25E1D1DDFD92}" srcId="{B584F320-C209-4EC3-93BC-D68F9FB62184}" destId="{755EFD14-40AD-48B6-B94C-C4DE10443888}" srcOrd="0" destOrd="0" parTransId="{A66F1D8E-5685-46E3-BE8D-7FCA83E9FDE9}" sibTransId="{C926530B-0174-49B9-913A-EB142A32E19E}"/>
-    <dgm:cxn modelId="{8A160E4A-48B6-40F5-A130-532D3F6B3696}" type="presOf" srcId="{D46BB214-ECDE-477C-B1C7-EAA71933BACE}" destId="{9A91CE11-2890-4C92-883F-E82106D3C8FE}" srcOrd="0" destOrd="0" presId="urn:microsoft.com/office/officeart/2005/8/layout/hierarchy2"/>
-    <dgm:cxn modelId="{1419F3EA-51EB-4B66-B072-E0C5FEFD9273}" type="presOf" srcId="{53E3B8D3-612E-4E09-BFC9-CDBC1ABD610F}" destId="{C436168E-7472-4AF7-9298-4B5D1762B948}" srcOrd="0" destOrd="0" presId="urn:microsoft.com/office/officeart/2005/8/layout/hierarchy2"/>
-    <dgm:cxn modelId="{3EEDC6FA-DA39-4CC7-9DBB-AEB0138FA515}" type="presOf" srcId="{CBC25389-9B98-4DBB-AC07-A94A4B942CEC}" destId="{D59BAFDB-9B88-40C7-A4B8-3424C6C16110}" srcOrd="1" destOrd="0" presId="urn:microsoft.com/office/officeart/2005/8/layout/hierarchy2"/>
     <dgm:cxn modelId="{9B59D5B6-295F-49D2-B6B5-1FF7086C1037}" type="presOf" srcId="{53E3B8D3-612E-4E09-BFC9-CDBC1ABD610F}" destId="{037A47FC-C4E0-48FE-B2D8-C1BC2FB5406C}" srcOrd="1" destOrd="0" presId="urn:microsoft.com/office/officeart/2005/8/layout/hierarchy2"/>
     <dgm:cxn modelId="{6E7943B8-D2AC-4804-8310-880FA2E7F05B}" type="presOf" srcId="{CBC25389-9B98-4DBB-AC07-A94A4B942CEC}" destId="{0D107382-6F24-411A-A483-3D119237911F}" srcOrd="0" destOrd="0" presId="urn:microsoft.com/office/officeart/2005/8/layout/hierarchy2"/>
-    <dgm:cxn modelId="{8C8B786D-830F-488C-B8A8-87841803DC57}" srcId="{01BCC422-7019-4C31-B5AB-55F8D4FEDC1F}" destId="{6E9B27E2-CE02-4660-860A-F45613B62EF8}" srcOrd="0" destOrd="0" parTransId="{AE69E38B-C9B3-42E5-87D3-30B557227A8E}" sibTransId="{09DE4D44-C41E-4194-8C00-25B9DD2112A8}"/>
+    <dgm:cxn modelId="{8C8046B8-4B91-43C9-8D06-D68ED8F86A7D}" type="presOf" srcId="{F5641F43-DBCB-42CF-9810-CE2938BA372C}" destId="{224E18EF-F645-4465-A195-E8400C0E1586}" srcOrd="1" destOrd="0" presId="urn:microsoft.com/office/officeart/2005/8/layout/hierarchy2"/>
+    <dgm:cxn modelId="{B81E1CC2-27E4-46C4-B2F4-DD3B41FCC369}" type="presOf" srcId="{01BCC422-7019-4C31-B5AB-55F8D4FEDC1F}" destId="{84D6CAB9-2D30-488C-9250-B000E3F6DD63}" srcOrd="0" destOrd="0" presId="urn:microsoft.com/office/officeart/2005/8/layout/hierarchy2"/>
+    <dgm:cxn modelId="{40E24EC3-818E-42A9-ACE7-48633CAAE1B7}" type="presOf" srcId="{DC7187DA-E214-4248-BA42-497ABADB8E40}" destId="{F4C01140-4360-4A7C-9674-7B8840DEBF02}" srcOrd="1" destOrd="0" presId="urn:microsoft.com/office/officeart/2005/8/layout/hierarchy2"/>
+    <dgm:cxn modelId="{D52886C3-6C7E-47EF-BA25-28571BEC6678}" type="presOf" srcId="{E1460541-8638-4ABB-BBA3-DE5ED688BF93}" destId="{77937493-C75F-4F12-A71E-969B6669BF76}" srcOrd="0" destOrd="0" presId="urn:microsoft.com/office/officeart/2005/8/layout/hierarchy2"/>
+    <dgm:cxn modelId="{7DA742C6-E30A-46AB-98A2-B6ED982137AC}" type="presOf" srcId="{9C4DFB95-232B-49DD-A6E2-B4AD62E042DC}" destId="{ED0E97A1-321D-4845-A906-80C74040ED25}" srcOrd="0" destOrd="0" presId="urn:microsoft.com/office/officeart/2005/8/layout/hierarchy2"/>
+    <dgm:cxn modelId="{AC2C67C9-F239-4C9E-A8BC-2F6536C8BAE4}" type="presOf" srcId="{DC7187DA-E214-4248-BA42-497ABADB8E40}" destId="{B8B7796E-16AF-4FF2-96F8-4A2F73A4E1C9}" srcOrd="0" destOrd="0" presId="urn:microsoft.com/office/officeart/2005/8/layout/hierarchy2"/>
+    <dgm:cxn modelId="{97B480C9-3F5A-49AA-A342-BF753D5E5D56}" srcId="{4CA19D27-1525-4917-9452-1D98D69E4E90}" destId="{582268F8-C507-49AD-8DD2-CCA1A89A9B6A}" srcOrd="0" destOrd="0" parTransId="{63FA7234-CD69-411D-8704-C339195B6FE1}" sibTransId="{52080AC3-EBD0-4866-BAA7-3F006D757B2F}"/>
+    <dgm:cxn modelId="{4F7012CB-5DD0-4DBB-8B69-4BFB93CBB125}" srcId="{582268F8-C507-49AD-8DD2-CCA1A89A9B6A}" destId="{A69C5F1F-FD11-42A2-8CE6-F6266978F37A}" srcOrd="0" destOrd="0" parTransId="{77123F68-3803-4A64-A39D-4F1672ACD934}" sibTransId="{5470A283-618C-4AC3-8666-EEF1CCE24D0C}"/>
+    <dgm:cxn modelId="{60643ECC-21C8-4C51-8B66-3907055552FD}" type="presOf" srcId="{8930935A-CAAC-4D57-965A-28DFB66BE5F4}" destId="{776FF87B-F0BC-4584-AE1C-24B22D621384}" srcOrd="0" destOrd="0" presId="urn:microsoft.com/office/officeart/2005/8/layout/hierarchy2"/>
+    <dgm:cxn modelId="{9FF89FCD-D474-42A1-9BFE-AD0CDAC88A44}" srcId="{F02892E4-4798-4CFA-9FE2-B8361D851E5B}" destId="{6DCD5A69-E68C-4867-AFE1-DA5BA10D38F8}" srcOrd="1" destOrd="0" parTransId="{80E74D8C-542F-4CC5-BC98-FAF5FE974176}" sibTransId="{1F203E2A-B92A-4FB6-90A1-0FCE4C7ED6F2}"/>
+    <dgm:cxn modelId="{7F444FD0-E1C3-4213-8174-32BAF26158E5}" type="presOf" srcId="{80E74D8C-542F-4CC5-BC98-FAF5FE974176}" destId="{E2D2FF66-6440-418D-90AF-014434079EB4}" srcOrd="0" destOrd="0" presId="urn:microsoft.com/office/officeart/2005/8/layout/hierarchy2"/>
     <dgm:cxn modelId="{201E4ED2-1641-411E-BF34-55BBE129677D}" type="presOf" srcId="{CB451582-96A1-4422-B6F9-BBD688E3A0E3}" destId="{A7DEC78C-B813-49E5-8B40-85B90434DFDE}" srcOrd="0" destOrd="0" presId="urn:microsoft.com/office/officeart/2005/8/layout/hierarchy2"/>
+    <dgm:cxn modelId="{481649D3-AC93-49A6-9831-DE239401EE75}" srcId="{755EFD14-40AD-48B6-B94C-C4DE10443888}" destId="{41CCBF91-7BF8-4961-8F93-C0B5B64E05DB}" srcOrd="1" destOrd="0" parTransId="{7863B7E2-F15F-4225-85BA-E5F85442CECA}" sibTransId="{24508407-DB51-4638-A8C5-4C6466966A9E}"/>
+    <dgm:cxn modelId="{1DCDCDD3-ED05-4BD4-9EDC-97C973DBF117}" type="presOf" srcId="{80E74D8C-542F-4CC5-BC98-FAF5FE974176}" destId="{6E47D520-F4BE-414A-B85C-6428C39B27F3}" srcOrd="1" destOrd="0" presId="urn:microsoft.com/office/officeart/2005/8/layout/hierarchy2"/>
+    <dgm:cxn modelId="{133F74E0-AF89-490F-AB36-CE45742E2C3E}" type="presOf" srcId="{F9211877-83EE-4FB3-80F5-800BE2268021}" destId="{BC212194-7374-4269-968B-01AE26C8E7E7}" srcOrd="1" destOrd="0" presId="urn:microsoft.com/office/officeart/2005/8/layout/hierarchy2"/>
+    <dgm:cxn modelId="{243A1AE1-8CB1-43D7-9EDE-656A4118D804}" type="presOf" srcId="{A66F1D8E-5685-46E3-BE8D-7FCA83E9FDE9}" destId="{FFF5DBD4-11AC-4A60-A1E0-7F73FD9B4013}" srcOrd="1" destOrd="0" presId="urn:microsoft.com/office/officeart/2005/8/layout/hierarchy2"/>
+    <dgm:cxn modelId="{72CB51E2-0D02-4DB0-8F2C-115491DD2517}" type="presOf" srcId="{E1460541-8638-4ABB-BBA3-DE5ED688BF93}" destId="{F0C286D4-2B39-4BF3-B9A6-3EE705B82A4C}" srcOrd="1" destOrd="0" presId="urn:microsoft.com/office/officeart/2005/8/layout/hierarchy2"/>
+    <dgm:cxn modelId="{DBF832E7-A5C4-463C-9849-F7F64E697721}" srcId="{F02892E4-4798-4CFA-9FE2-B8361D851E5B}" destId="{CB36923F-7B0C-4F83-8707-AFA3DB0C0A5E}" srcOrd="3" destOrd="0" parTransId="{35AB48A9-1300-4BD5-8CBF-8E807A0ECBD4}" sibTransId="{097D9A9F-769F-4E66-AFAF-DF0A4083C7B5}"/>
+    <dgm:cxn modelId="{1A5E54E8-DF34-44F6-976B-F20C96B8F489}" srcId="{F02892E4-4798-4CFA-9FE2-B8361D851E5B}" destId="{8AA86B0C-D917-4176-94E6-205946283056}" srcOrd="2" destOrd="0" parTransId="{9ADB1338-2672-492F-ABA6-2927C5674444}" sibTransId="{A8ACEC76-E104-40ED-8181-D63219F5849E}"/>
+    <dgm:cxn modelId="{1419F3EA-51EB-4B66-B072-E0C5FEFD9273}" type="presOf" srcId="{53E3B8D3-612E-4E09-BFC9-CDBC1ABD610F}" destId="{C436168E-7472-4AF7-9298-4B5D1762B948}" srcOrd="0" destOrd="0" presId="urn:microsoft.com/office/officeart/2005/8/layout/hierarchy2"/>
+    <dgm:cxn modelId="{A0959EED-A2F6-47B7-BBEB-00555E16A431}" type="presOf" srcId="{BF93CB55-A873-4673-8274-E521FC71B063}" destId="{B71402E3-4CE0-4A97-87DE-07C3467EE444}" srcOrd="0" destOrd="0" presId="urn:microsoft.com/office/officeart/2005/8/layout/hierarchy2"/>
+    <dgm:cxn modelId="{7E47D7EE-B962-4C7A-A547-18793467B128}" type="presOf" srcId="{F9211877-83EE-4FB3-80F5-800BE2268021}" destId="{2E5CE375-6246-43EE-91D7-C33E9AE5782A}" srcOrd="0" destOrd="0" presId="urn:microsoft.com/office/officeart/2005/8/layout/hierarchy2"/>
     <dgm:cxn modelId="{35B924F1-1A7C-458A-A23E-A262BE4F86C1}" srcId="{F02892E4-4798-4CFA-9FE2-B8361D851E5B}" destId="{D03542B2-16F3-4EFB-A072-801DF1C724BC}" srcOrd="4" destOrd="0" parTransId="{53E3B8D3-612E-4E09-BFC9-CDBC1ABD610F}" sibTransId="{1C6127D0-9137-4A6B-8C5D-2701837DE3FE}"/>
-    <dgm:cxn modelId="{9F4E0878-39FD-4C8F-9114-0A244AA52B58}" type="presOf" srcId="{63FA7234-CD69-411D-8704-C339195B6FE1}" destId="{EF7DDFB5-FB87-49FC-9C33-B7A9410F9D6E}" srcOrd="1" destOrd="0" presId="urn:microsoft.com/office/officeart/2005/8/layout/hierarchy2"/>
-    <dgm:cxn modelId="{C1B1754D-91F8-4C49-BE74-6223A2534336}" type="presOf" srcId="{5ADC04EF-F9E3-49C9-8B1F-7A938E956F49}" destId="{E86144F1-6F44-45CC-92DE-655D018FAFBB}" srcOrd="1" destOrd="0" presId="urn:microsoft.com/office/officeart/2005/8/layout/hierarchy2"/>
-    <dgm:cxn modelId="{5D084132-09A2-45A7-91C2-CE5644AC5E60}" srcId="{AF5A8C4F-0B2D-47AB-BC91-456F9D955560}" destId="{01BCC422-7019-4C31-B5AB-55F8D4FEDC1F}" srcOrd="1" destOrd="0" parTransId="{CB451582-96A1-4422-B6F9-BBD688E3A0E3}" sibTransId="{9AEF87C2-C64E-429A-8989-E71F4E4C8050}"/>
-    <dgm:cxn modelId="{8A6DBF2B-4E1F-4C18-A02A-0D16771FC73F}" type="presOf" srcId="{A028C982-2A92-43B9-B350-D57C10FBAB0A}" destId="{8A44B239-B375-417E-BD64-F588906047FC}" srcOrd="0" destOrd="0" presId="urn:microsoft.com/office/officeart/2005/8/layout/hierarchy2"/>
-    <dgm:cxn modelId="{121E4201-DCF1-4D9E-8D16-83E9BAE47841}" type="presOf" srcId="{52539E7A-43F5-4E10-9DDC-01B3396399F8}" destId="{C3ED37B6-D9D7-4DD3-86A6-14B8D93F143F}" srcOrd="1" destOrd="0" presId="urn:microsoft.com/office/officeart/2005/8/layout/hierarchy2"/>
-    <dgm:cxn modelId="{DBF832E7-A5C4-463C-9849-F7F64E697721}" srcId="{F02892E4-4798-4CFA-9FE2-B8361D851E5B}" destId="{CB36923F-7B0C-4F83-8707-AFA3DB0C0A5E}" srcOrd="3" destOrd="0" parTransId="{35AB48A9-1300-4BD5-8CBF-8E807A0ECBD4}" sibTransId="{097D9A9F-769F-4E66-AFAF-DF0A4083C7B5}"/>
-    <dgm:cxn modelId="{1AA0DAAF-BAF7-4C82-BA14-91CE19CE271C}" type="presOf" srcId="{2013A976-9626-4706-B736-CCEBC9A526D4}" destId="{BFF1365F-825B-490A-9491-C2A9086DA0CC}" srcOrd="0" destOrd="0" presId="urn:microsoft.com/office/officeart/2005/8/layout/hierarchy2"/>
-    <dgm:cxn modelId="{E3B89E01-EC00-44F3-852C-ED92EA7BF876}" type="presOf" srcId="{FB83C6F6-F8B7-41FC-BBF8-0B2F92A002C1}" destId="{1968E761-EEC0-4D9F-9DFB-64EC53305073}" srcOrd="1" destOrd="0" presId="urn:microsoft.com/office/officeart/2005/8/layout/hierarchy2"/>
-    <dgm:cxn modelId="{D1F4B353-92D1-4B16-92A4-D1AAC68C5048}" type="presOf" srcId="{9ADB1338-2672-492F-ABA6-2927C5674444}" destId="{3D0B6B84-56F8-44D3-9DD4-B6B6C3D779D6}" srcOrd="1" destOrd="0" presId="urn:microsoft.com/office/officeart/2005/8/layout/hierarchy2"/>
+    <dgm:cxn modelId="{744E5AF4-94FA-4E7D-B44D-978F42BC5F1C}" type="presOf" srcId="{9ADB1338-2672-492F-ABA6-2927C5674444}" destId="{CC75584B-4935-4760-B8E8-EDC702A46ED2}" srcOrd="0" destOrd="0" presId="urn:microsoft.com/office/officeart/2005/8/layout/hierarchy2"/>
+    <dgm:cxn modelId="{55D403F6-7B4B-4267-83DF-F9EB8A24AE38}" type="presOf" srcId="{63FA7234-CD69-411D-8704-C339195B6FE1}" destId="{C82602F8-0349-4B99-A39A-33C65352B125}" srcOrd="0" destOrd="0" presId="urn:microsoft.com/office/officeart/2005/8/layout/hierarchy2"/>
+    <dgm:cxn modelId="{EC8E13F7-05E2-4CC0-B576-0E8C98DC4F07}" srcId="{7EAAFB5F-FEBD-4331-BE61-AFB2FC9092C9}" destId="{57433F99-F708-4F58-94E5-02093D6AA866}" srcOrd="0" destOrd="0" parTransId="{8930935A-CAAC-4D57-965A-28DFB66BE5F4}" sibTransId="{D989D43B-DC52-48E3-862E-96DC1ECA1F98}"/>
+    <dgm:cxn modelId="{511876F9-8468-4350-A0B0-CEB2599A1E27}" srcId="{6DCD5A69-E68C-4867-AFE1-DA5BA10D38F8}" destId="{B584F320-C209-4EC3-93BC-D68F9FB62184}" srcOrd="0" destOrd="0" parTransId="{A028C982-2A92-43B9-B350-D57C10FBAB0A}" sibTransId="{0DEB30A7-0B01-4417-8C65-683E58CF4304}"/>
+    <dgm:cxn modelId="{3EEDC6FA-DA39-4CC7-9DBB-AEB0138FA515}" type="presOf" srcId="{CBC25389-9B98-4DBB-AC07-A94A4B942CEC}" destId="{D59BAFDB-9B88-40C7-A4B8-3424C6C16110}" srcOrd="1" destOrd="0" presId="urn:microsoft.com/office/officeart/2005/8/layout/hierarchy2"/>
     <dgm:cxn modelId="{1E5C8ACA-73C8-45C3-9BF3-ACE38A13D6C8}" type="presParOf" srcId="{C76B5BB1-98CF-4FEC-9022-FFB06C7F5DEF}" destId="{B2E3F683-9CCD-47F1-A9AC-C356A21D4E4D}" srcOrd="0" destOrd="0" presId="urn:microsoft.com/office/officeart/2005/8/layout/hierarchy2"/>
     <dgm:cxn modelId="{C7CF04D1-2188-43BE-A1CA-CAC119D99071}" type="presParOf" srcId="{B2E3F683-9CCD-47F1-A9AC-C356A21D4E4D}" destId="{7CB58221-110F-4600-BE03-B2B3731AF535}" srcOrd="0" destOrd="0" presId="urn:microsoft.com/office/officeart/2005/8/layout/hierarchy2"/>
     <dgm:cxn modelId="{88965673-CC79-4ED9-BBFB-AE6539DDFF8A}" type="presParOf" srcId="{B2E3F683-9CCD-47F1-A9AC-C356A21D4E4D}" destId="{496CB9D1-3224-4247-8B8D-4E5FBA233C36}" srcOrd="1" destOrd="0" presId="urn:microsoft.com/office/officeart/2005/8/layout/hierarchy2"/>
@@ -3229,7 +2732,7 @@
         </a:bodyPr>
         <a:lstStyle/>
         <a:p>
-          <a:pPr lvl="0" algn="ctr" defTabSz="800100">
+          <a:pPr marL="0" lvl="0" indent="0" algn="ctr" defTabSz="800100">
             <a:lnSpc>
               <a:spcPct val="90000"/>
             </a:lnSpc>
@@ -3239,6 +2742,7 @@
             <a:spcAft>
               <a:spcPct val="35000"/>
             </a:spcAft>
+            <a:buNone/>
           </a:pPr>
           <a:r>
             <a:rPr lang="es-ES" sz="1800" b="0" kern="1200" dirty="0"/>
@@ -3310,7 +2814,7 @@
         </a:bodyPr>
         <a:lstStyle/>
         <a:p>
-          <a:pPr lvl="0" algn="ctr" defTabSz="311150">
+          <a:pPr marL="0" lvl="0" indent="0" algn="ctr" defTabSz="311150">
             <a:lnSpc>
               <a:spcPct val="90000"/>
             </a:lnSpc>
@@ -3320,6 +2824,7 @@
             <a:spcAft>
               <a:spcPct val="35000"/>
             </a:spcAft>
+            <a:buNone/>
           </a:pPr>
           <a:endParaRPr lang="es-ES" sz="700" b="0" kern="1200"/>
         </a:p>
@@ -3407,7 +2912,7 @@
         </a:bodyPr>
         <a:lstStyle/>
         <a:p>
-          <a:pPr lvl="0" algn="ctr" defTabSz="711200">
+          <a:pPr marL="0" lvl="0" indent="0" algn="ctr" defTabSz="711200">
             <a:lnSpc>
               <a:spcPct val="90000"/>
             </a:lnSpc>
@@ -3417,6 +2922,7 @@
             <a:spcAft>
               <a:spcPct val="35000"/>
             </a:spcAft>
+            <a:buNone/>
           </a:pPr>
           <a:r>
             <a:rPr lang="es-ES" sz="1600" b="0" kern="1200" dirty="0"/>
@@ -3488,7 +2994,7 @@
         </a:bodyPr>
         <a:lstStyle/>
         <a:p>
-          <a:pPr lvl="0" algn="ctr" defTabSz="311150">
+          <a:pPr marL="0" lvl="0" indent="0" algn="ctr" defTabSz="311150">
             <a:lnSpc>
               <a:spcPct val="90000"/>
             </a:lnSpc>
@@ -3498,6 +3004,7 @@
             <a:spcAft>
               <a:spcPct val="35000"/>
             </a:spcAft>
+            <a:buNone/>
           </a:pPr>
           <a:endParaRPr lang="es-ES" sz="700" b="0" kern="1200"/>
         </a:p>
@@ -3585,7 +3092,7 @@
         </a:bodyPr>
         <a:lstStyle/>
         <a:p>
-          <a:pPr lvl="0" algn="ctr" defTabSz="622300">
+          <a:pPr marL="0" lvl="0" indent="0" algn="ctr" defTabSz="622300">
             <a:lnSpc>
               <a:spcPct val="90000"/>
             </a:lnSpc>
@@ -3595,6 +3102,7 @@
             <a:spcAft>
               <a:spcPct val="35000"/>
             </a:spcAft>
+            <a:buNone/>
           </a:pPr>
           <a:r>
             <a:rPr lang="es-ES" sz="1400" b="0" kern="1200"/>
@@ -3666,7 +3174,7 @@
         </a:bodyPr>
         <a:lstStyle/>
         <a:p>
-          <a:pPr lvl="0" algn="ctr" defTabSz="311150">
+          <a:pPr marL="0" lvl="0" indent="0" algn="ctr" defTabSz="311150">
             <a:lnSpc>
               <a:spcPct val="90000"/>
             </a:lnSpc>
@@ -3676,6 +3184,7 @@
             <a:spcAft>
               <a:spcPct val="35000"/>
             </a:spcAft>
+            <a:buNone/>
           </a:pPr>
           <a:endParaRPr lang="es-ES" sz="700" b="0" kern="1200"/>
         </a:p>
@@ -3763,7 +3272,7 @@
         </a:bodyPr>
         <a:lstStyle/>
         <a:p>
-          <a:pPr lvl="0" algn="ctr" defTabSz="711200">
+          <a:pPr marL="0" lvl="0" indent="0" algn="ctr" defTabSz="711200">
             <a:lnSpc>
               <a:spcPct val="90000"/>
             </a:lnSpc>
@@ -3773,6 +3282,7 @@
             <a:spcAft>
               <a:spcPct val="35000"/>
             </a:spcAft>
+            <a:buNone/>
           </a:pPr>
           <a:r>
             <a:rPr lang="es-ES" sz="1600" b="0" kern="1200" dirty="0"/>
@@ -3849,7 +3359,7 @@
         </a:bodyPr>
         <a:lstStyle/>
         <a:p>
-          <a:pPr lvl="0" algn="ctr" defTabSz="311150">
+          <a:pPr marL="0" lvl="0" indent="0" algn="ctr" defTabSz="311150">
             <a:lnSpc>
               <a:spcPct val="90000"/>
             </a:lnSpc>
@@ -3859,6 +3369,7 @@
             <a:spcAft>
               <a:spcPct val="35000"/>
             </a:spcAft>
+            <a:buNone/>
           </a:pPr>
           <a:endParaRPr lang="es-ES" sz="700" b="0" kern="1200"/>
         </a:p>
@@ -3946,7 +3457,7 @@
         </a:bodyPr>
         <a:lstStyle/>
         <a:p>
-          <a:pPr lvl="0" algn="ctr" defTabSz="711200">
+          <a:pPr marL="0" lvl="0" indent="0" algn="ctr" defTabSz="711200">
             <a:lnSpc>
               <a:spcPct val="90000"/>
             </a:lnSpc>
@@ -3956,6 +3467,7 @@
             <a:spcAft>
               <a:spcPct val="35000"/>
             </a:spcAft>
+            <a:buNone/>
           </a:pPr>
           <a:r>
             <a:rPr lang="es-ES" sz="1600" b="0" kern="1200"/>
@@ -4027,7 +3539,7 @@
         </a:bodyPr>
         <a:lstStyle/>
         <a:p>
-          <a:pPr lvl="0" algn="ctr" defTabSz="311150">
+          <a:pPr marL="0" lvl="0" indent="0" algn="ctr" defTabSz="311150">
             <a:lnSpc>
               <a:spcPct val="90000"/>
             </a:lnSpc>
@@ -4037,6 +3549,7 @@
             <a:spcAft>
               <a:spcPct val="35000"/>
             </a:spcAft>
+            <a:buNone/>
           </a:pPr>
           <a:endParaRPr lang="es-ES" sz="700" b="0" kern="1200"/>
         </a:p>
@@ -4124,7 +3637,7 @@
         </a:bodyPr>
         <a:lstStyle/>
         <a:p>
-          <a:pPr lvl="0" algn="ctr" defTabSz="711200">
+          <a:pPr marL="0" lvl="0" indent="0" algn="ctr" defTabSz="711200">
             <a:lnSpc>
               <a:spcPct val="90000"/>
             </a:lnSpc>
@@ -4134,6 +3647,7 @@
             <a:spcAft>
               <a:spcPct val="35000"/>
             </a:spcAft>
+            <a:buNone/>
           </a:pPr>
           <a:r>
             <a:rPr lang="es-ES" sz="1600" b="0" kern="1200"/>
@@ -4205,7 +3719,7 @@
         </a:bodyPr>
         <a:lstStyle/>
         <a:p>
-          <a:pPr lvl="0" algn="ctr" defTabSz="311150">
+          <a:pPr marL="0" lvl="0" indent="0" algn="ctr" defTabSz="311150">
             <a:lnSpc>
               <a:spcPct val="90000"/>
             </a:lnSpc>
@@ -4215,6 +3729,7 @@
             <a:spcAft>
               <a:spcPct val="35000"/>
             </a:spcAft>
+            <a:buNone/>
           </a:pPr>
           <a:endParaRPr lang="es-ES" sz="700" b="0" kern="1200"/>
         </a:p>
@@ -4302,7 +3817,7 @@
         </a:bodyPr>
         <a:lstStyle/>
         <a:p>
-          <a:pPr lvl="0" algn="ctr" defTabSz="622300">
+          <a:pPr marL="0" lvl="0" indent="0" algn="ctr" defTabSz="622300">
             <a:lnSpc>
               <a:spcPct val="90000"/>
             </a:lnSpc>
@@ -4312,6 +3827,7 @@
             <a:spcAft>
               <a:spcPct val="35000"/>
             </a:spcAft>
+            <a:buNone/>
           </a:pPr>
           <a:r>
             <a:rPr lang="es-ES" sz="1400" b="0" kern="1200"/>
@@ -4383,7 +3899,7 @@
         </a:bodyPr>
         <a:lstStyle/>
         <a:p>
-          <a:pPr lvl="0" algn="ctr" defTabSz="311150">
+          <a:pPr marL="0" lvl="0" indent="0" algn="ctr" defTabSz="311150">
             <a:lnSpc>
               <a:spcPct val="90000"/>
             </a:lnSpc>
@@ -4393,6 +3909,7 @@
             <a:spcAft>
               <a:spcPct val="35000"/>
             </a:spcAft>
+            <a:buNone/>
           </a:pPr>
           <a:endParaRPr lang="es-ES" sz="700" b="0" kern="1200"/>
         </a:p>
@@ -4480,7 +3997,7 @@
         </a:bodyPr>
         <a:lstStyle/>
         <a:p>
-          <a:pPr lvl="0" algn="ctr" defTabSz="711200">
+          <a:pPr marL="0" lvl="0" indent="0" algn="ctr" defTabSz="711200">
             <a:lnSpc>
               <a:spcPct val="90000"/>
             </a:lnSpc>
@@ -4490,6 +4007,7 @@
             <a:spcAft>
               <a:spcPct val="35000"/>
             </a:spcAft>
+            <a:buNone/>
           </a:pPr>
           <a:r>
             <a:rPr lang="es-ES" sz="1600" b="0" kern="1200"/>
@@ -4561,7 +4079,7 @@
         </a:bodyPr>
         <a:lstStyle/>
         <a:p>
-          <a:pPr lvl="0" algn="ctr" defTabSz="311150">
+          <a:pPr marL="0" lvl="0" indent="0" algn="ctr" defTabSz="311150">
             <a:lnSpc>
               <a:spcPct val="90000"/>
             </a:lnSpc>
@@ -4571,6 +4089,7 @@
             <a:spcAft>
               <a:spcPct val="35000"/>
             </a:spcAft>
+            <a:buNone/>
           </a:pPr>
           <a:endParaRPr lang="es-ES" sz="700" b="0" kern="1200"/>
         </a:p>
@@ -4658,7 +4177,7 @@
         </a:bodyPr>
         <a:lstStyle/>
         <a:p>
-          <a:pPr lvl="0" algn="ctr" defTabSz="711200">
+          <a:pPr marL="0" lvl="0" indent="0" algn="ctr" defTabSz="711200">
             <a:lnSpc>
               <a:spcPct val="90000"/>
             </a:lnSpc>
@@ -4668,6 +4187,7 @@
             <a:spcAft>
               <a:spcPct val="35000"/>
             </a:spcAft>
+            <a:buNone/>
           </a:pPr>
           <a:r>
             <a:rPr lang="es-ES" sz="1600" b="0" kern="1200" dirty="0"/>
@@ -4739,7 +4259,7 @@
         </a:bodyPr>
         <a:lstStyle/>
         <a:p>
-          <a:pPr lvl="0" algn="ctr" defTabSz="311150">
+          <a:pPr marL="0" lvl="0" indent="0" algn="ctr" defTabSz="311150">
             <a:lnSpc>
               <a:spcPct val="90000"/>
             </a:lnSpc>
@@ -4749,6 +4269,7 @@
             <a:spcAft>
               <a:spcPct val="35000"/>
             </a:spcAft>
+            <a:buNone/>
           </a:pPr>
           <a:endParaRPr lang="es-ES" sz="700" b="0" kern="1200"/>
         </a:p>
@@ -4836,7 +4357,7 @@
         </a:bodyPr>
         <a:lstStyle/>
         <a:p>
-          <a:pPr lvl="0" algn="ctr" defTabSz="622300">
+          <a:pPr marL="0" lvl="0" indent="0" algn="ctr" defTabSz="622300">
             <a:lnSpc>
               <a:spcPct val="90000"/>
             </a:lnSpc>
@@ -4846,6 +4367,7 @@
             <a:spcAft>
               <a:spcPct val="35000"/>
             </a:spcAft>
+            <a:buNone/>
           </a:pPr>
           <a:r>
             <a:rPr lang="es-ES" sz="1400" b="0" kern="1200"/>
@@ -4917,7 +4439,7 @@
         </a:bodyPr>
         <a:lstStyle/>
         <a:p>
-          <a:pPr lvl="0" algn="ctr" defTabSz="311150">
+          <a:pPr marL="0" lvl="0" indent="0" algn="ctr" defTabSz="311150">
             <a:lnSpc>
               <a:spcPct val="90000"/>
             </a:lnSpc>
@@ -4927,6 +4449,7 @@
             <a:spcAft>
               <a:spcPct val="35000"/>
             </a:spcAft>
+            <a:buNone/>
           </a:pPr>
           <a:endParaRPr lang="es-ES" sz="700" b="0" kern="1200"/>
         </a:p>
@@ -5014,7 +4537,7 @@
         </a:bodyPr>
         <a:lstStyle/>
         <a:p>
-          <a:pPr lvl="0" algn="ctr" defTabSz="711200">
+          <a:pPr marL="0" lvl="0" indent="0" algn="ctr" defTabSz="711200">
             <a:lnSpc>
               <a:spcPct val="90000"/>
             </a:lnSpc>
@@ -5024,6 +4547,7 @@
             <a:spcAft>
               <a:spcPct val="35000"/>
             </a:spcAft>
+            <a:buNone/>
           </a:pPr>
           <a:r>
             <a:rPr lang="es-ES" sz="1600" b="0" kern="1200"/>
@@ -5095,7 +4619,7 @@
         </a:bodyPr>
         <a:lstStyle/>
         <a:p>
-          <a:pPr lvl="0" algn="ctr" defTabSz="311150">
+          <a:pPr marL="0" lvl="0" indent="0" algn="ctr" defTabSz="311150">
             <a:lnSpc>
               <a:spcPct val="90000"/>
             </a:lnSpc>
@@ -5105,6 +4629,7 @@
             <a:spcAft>
               <a:spcPct val="35000"/>
             </a:spcAft>
+            <a:buNone/>
           </a:pPr>
           <a:endParaRPr lang="es-ES" sz="700" b="0" kern="1200"/>
         </a:p>
@@ -5192,7 +4717,7 @@
         </a:bodyPr>
         <a:lstStyle/>
         <a:p>
-          <a:pPr lvl="0" algn="ctr" defTabSz="711200">
+          <a:pPr marL="0" lvl="0" indent="0" algn="ctr" defTabSz="711200">
             <a:lnSpc>
               <a:spcPct val="90000"/>
             </a:lnSpc>
@@ -5202,6 +4727,7 @@
             <a:spcAft>
               <a:spcPct val="35000"/>
             </a:spcAft>
+            <a:buNone/>
           </a:pPr>
           <a:r>
             <a:rPr lang="es-ES" sz="1600" b="0" kern="1200"/>
@@ -5273,7 +4799,7 @@
         </a:bodyPr>
         <a:lstStyle/>
         <a:p>
-          <a:pPr lvl="0" algn="ctr" defTabSz="311150">
+          <a:pPr marL="0" lvl="0" indent="0" algn="ctr" defTabSz="311150">
             <a:lnSpc>
               <a:spcPct val="90000"/>
             </a:lnSpc>
@@ -5283,6 +4809,7 @@
             <a:spcAft>
               <a:spcPct val="35000"/>
             </a:spcAft>
+            <a:buNone/>
           </a:pPr>
           <a:endParaRPr lang="es-ES" sz="700" b="0" kern="1200"/>
         </a:p>
@@ -5370,7 +4897,7 @@
         </a:bodyPr>
         <a:lstStyle/>
         <a:p>
-          <a:pPr lvl="0" algn="ctr" defTabSz="711200">
+          <a:pPr marL="0" lvl="0" indent="0" algn="ctr" defTabSz="711200">
             <a:lnSpc>
               <a:spcPct val="90000"/>
             </a:lnSpc>
@@ -5380,6 +4907,7 @@
             <a:spcAft>
               <a:spcPct val="35000"/>
             </a:spcAft>
+            <a:buNone/>
           </a:pPr>
           <a:r>
             <a:rPr lang="es-ES" sz="1600" b="0" kern="1200"/>
@@ -5451,7 +4979,7 @@
         </a:bodyPr>
         <a:lstStyle/>
         <a:p>
-          <a:pPr lvl="0" algn="ctr" defTabSz="311150">
+          <a:pPr marL="0" lvl="0" indent="0" algn="ctr" defTabSz="311150">
             <a:lnSpc>
               <a:spcPct val="90000"/>
             </a:lnSpc>
@@ -5461,6 +4989,7 @@
             <a:spcAft>
               <a:spcPct val="35000"/>
             </a:spcAft>
+            <a:buNone/>
           </a:pPr>
           <a:endParaRPr lang="es-ES" sz="700" b="0" kern="1200"/>
         </a:p>
@@ -5548,7 +5077,7 @@
         </a:bodyPr>
         <a:lstStyle/>
         <a:p>
-          <a:pPr lvl="0" algn="ctr" defTabSz="622300">
+          <a:pPr marL="0" lvl="0" indent="0" algn="ctr" defTabSz="622300">
             <a:lnSpc>
               <a:spcPct val="90000"/>
             </a:lnSpc>
@@ -5558,6 +5087,7 @@
             <a:spcAft>
               <a:spcPct val="35000"/>
             </a:spcAft>
+            <a:buNone/>
           </a:pPr>
           <a:r>
             <a:rPr lang="es-ES" sz="1400" b="0" kern="1200"/>
@@ -5629,7 +5159,7 @@
         </a:bodyPr>
         <a:lstStyle/>
         <a:p>
-          <a:pPr lvl="0" algn="ctr" defTabSz="311150">
+          <a:pPr marL="0" lvl="0" indent="0" algn="ctr" defTabSz="311150">
             <a:lnSpc>
               <a:spcPct val="90000"/>
             </a:lnSpc>
@@ -5639,6 +5169,7 @@
             <a:spcAft>
               <a:spcPct val="35000"/>
             </a:spcAft>
+            <a:buNone/>
           </a:pPr>
           <a:endParaRPr lang="es-ES" sz="700" b="0" kern="1200"/>
         </a:p>
@@ -5726,7 +5257,7 @@
         </a:bodyPr>
         <a:lstStyle/>
         <a:p>
-          <a:pPr lvl="0" algn="ctr" defTabSz="711200">
+          <a:pPr marL="0" lvl="0" indent="0" algn="ctr" defTabSz="711200">
             <a:lnSpc>
               <a:spcPct val="90000"/>
             </a:lnSpc>
@@ -5736,6 +5267,7 @@
             <a:spcAft>
               <a:spcPct val="35000"/>
             </a:spcAft>
+            <a:buNone/>
           </a:pPr>
           <a:r>
             <a:rPr lang="es-ES" sz="1600" b="0" kern="1200"/>
@@ -5807,7 +5339,7 @@
         </a:bodyPr>
         <a:lstStyle/>
         <a:p>
-          <a:pPr lvl="0" algn="ctr" defTabSz="311150">
+          <a:pPr marL="0" lvl="0" indent="0" algn="ctr" defTabSz="311150">
             <a:lnSpc>
               <a:spcPct val="90000"/>
             </a:lnSpc>
@@ -5817,6 +5349,7 @@
             <a:spcAft>
               <a:spcPct val="35000"/>
             </a:spcAft>
+            <a:buNone/>
           </a:pPr>
           <a:endParaRPr lang="es-ES" sz="700" b="0" kern="1200"/>
         </a:p>
@@ -5904,7 +5437,7 @@
         </a:bodyPr>
         <a:lstStyle/>
         <a:p>
-          <a:pPr lvl="0" algn="ctr" defTabSz="711200">
+          <a:pPr marL="0" lvl="0" indent="0" algn="ctr" defTabSz="711200">
             <a:lnSpc>
               <a:spcPct val="90000"/>
             </a:lnSpc>
@@ -5914,6 +5447,7 @@
             <a:spcAft>
               <a:spcPct val="35000"/>
             </a:spcAft>
+            <a:buNone/>
           </a:pPr>
           <a:r>
             <a:rPr lang="es-ES" sz="1600" b="0" kern="1200" dirty="0"/>
@@ -5985,7 +5519,7 @@
         </a:bodyPr>
         <a:lstStyle/>
         <a:p>
-          <a:pPr lvl="0" algn="ctr" defTabSz="311150">
+          <a:pPr marL="0" lvl="0" indent="0" algn="ctr" defTabSz="311150">
             <a:lnSpc>
               <a:spcPct val="90000"/>
             </a:lnSpc>
@@ -5995,6 +5529,7 @@
             <a:spcAft>
               <a:spcPct val="35000"/>
             </a:spcAft>
+            <a:buNone/>
           </a:pPr>
           <a:endParaRPr lang="es-ES" sz="700" b="0" kern="1200"/>
         </a:p>
@@ -6082,7 +5617,7 @@
         </a:bodyPr>
         <a:lstStyle/>
         <a:p>
-          <a:pPr lvl="0" algn="ctr" defTabSz="622300">
+          <a:pPr marL="0" lvl="0" indent="0" algn="ctr" defTabSz="622300">
             <a:lnSpc>
               <a:spcPct val="90000"/>
             </a:lnSpc>
@@ -6092,6 +5627,7 @@
             <a:spcAft>
               <a:spcPct val="35000"/>
             </a:spcAft>
+            <a:buNone/>
           </a:pPr>
           <a:r>
             <a:rPr lang="es-ES" sz="1400" b="0" kern="1200"/>
@@ -6163,7 +5699,7 @@
         </a:bodyPr>
         <a:lstStyle/>
         <a:p>
-          <a:pPr lvl="0" algn="ctr" defTabSz="311150">
+          <a:pPr marL="0" lvl="0" indent="0" algn="ctr" defTabSz="311150">
             <a:lnSpc>
               <a:spcPct val="90000"/>
             </a:lnSpc>
@@ -6173,6 +5709,7 @@
             <a:spcAft>
               <a:spcPct val="35000"/>
             </a:spcAft>
+            <a:buNone/>
           </a:pPr>
           <a:endParaRPr lang="es-ES" sz="700" b="0" kern="1200"/>
         </a:p>
@@ -6260,7 +5797,7 @@
         </a:bodyPr>
         <a:lstStyle/>
         <a:p>
-          <a:pPr lvl="0" algn="ctr" defTabSz="711200">
+          <a:pPr marL="0" lvl="0" indent="0" algn="ctr" defTabSz="711200">
             <a:lnSpc>
               <a:spcPct val="90000"/>
             </a:lnSpc>
@@ -6270,6 +5807,7 @@
             <a:spcAft>
               <a:spcPct val="35000"/>
             </a:spcAft>
+            <a:buNone/>
           </a:pPr>
           <a:r>
             <a:rPr lang="es-ES" sz="1600" b="0" kern="1200"/>
@@ -6341,7 +5879,7 @@
         </a:bodyPr>
         <a:lstStyle/>
         <a:p>
-          <a:pPr lvl="0" algn="ctr" defTabSz="311150">
+          <a:pPr marL="0" lvl="0" indent="0" algn="ctr" defTabSz="311150">
             <a:lnSpc>
               <a:spcPct val="90000"/>
             </a:lnSpc>
@@ -6351,6 +5889,7 @@
             <a:spcAft>
               <a:spcPct val="35000"/>
             </a:spcAft>
+            <a:buNone/>
           </a:pPr>
           <a:endParaRPr lang="es-ES" sz="700" b="0" kern="1200"/>
         </a:p>
@@ -6438,7 +5977,7 @@
         </a:bodyPr>
         <a:lstStyle/>
         <a:p>
-          <a:pPr lvl="0" algn="ctr" defTabSz="622300">
+          <a:pPr marL="0" lvl="0" indent="0" algn="ctr" defTabSz="622300">
             <a:lnSpc>
               <a:spcPct val="90000"/>
             </a:lnSpc>
@@ -6448,6 +5987,7 @@
             <a:spcAft>
               <a:spcPct val="35000"/>
             </a:spcAft>
+            <a:buNone/>
           </a:pPr>
           <a:r>
             <a:rPr lang="es-ES" sz="1400" b="0" kern="1200"/>
@@ -6519,7 +6059,7 @@
         </a:bodyPr>
         <a:lstStyle/>
         <a:p>
-          <a:pPr lvl="0" algn="ctr" defTabSz="311150">
+          <a:pPr marL="0" lvl="0" indent="0" algn="ctr" defTabSz="311150">
             <a:lnSpc>
               <a:spcPct val="90000"/>
             </a:lnSpc>
@@ -6529,6 +6069,7 @@
             <a:spcAft>
               <a:spcPct val="35000"/>
             </a:spcAft>
+            <a:buNone/>
           </a:pPr>
           <a:endParaRPr lang="es-ES" sz="700" b="0" kern="1200"/>
         </a:p>
@@ -6616,7 +6157,7 @@
         </a:bodyPr>
         <a:lstStyle/>
         <a:p>
-          <a:pPr lvl="0" algn="ctr" defTabSz="711200">
+          <a:pPr marL="0" lvl="0" indent="0" algn="ctr" defTabSz="711200">
             <a:lnSpc>
               <a:spcPct val="90000"/>
             </a:lnSpc>
@@ -6626,6 +6167,7 @@
             <a:spcAft>
               <a:spcPct val="35000"/>
             </a:spcAft>
+            <a:buNone/>
           </a:pPr>
           <a:r>
             <a:rPr lang="es-ES" sz="1600" b="0" kern="1200"/>
@@ -6697,7 +6239,7 @@
         </a:bodyPr>
         <a:lstStyle/>
         <a:p>
-          <a:pPr lvl="0" algn="ctr" defTabSz="222250">
+          <a:pPr marL="0" lvl="0" indent="0" algn="ctr" defTabSz="222250">
             <a:lnSpc>
               <a:spcPct val="90000"/>
             </a:lnSpc>
@@ -6707,6 +6249,7 @@
             <a:spcAft>
               <a:spcPct val="35000"/>
             </a:spcAft>
+            <a:buNone/>
           </a:pPr>
           <a:endParaRPr lang="es-ES" sz="500" b="0" kern="1200"/>
         </a:p>
@@ -6794,7 +6337,7 @@
         </a:bodyPr>
         <a:lstStyle/>
         <a:p>
-          <a:pPr lvl="0" algn="ctr" defTabSz="622300">
+          <a:pPr marL="0" lvl="0" indent="0" algn="ctr" defTabSz="622300">
             <a:lnSpc>
               <a:spcPct val="90000"/>
             </a:lnSpc>
@@ -6804,6 +6347,7 @@
             <a:spcAft>
               <a:spcPct val="35000"/>
             </a:spcAft>
+            <a:buNone/>
           </a:pPr>
           <a:r>
             <a:rPr lang="es-ES" sz="1400" b="0" kern="1200"/>
@@ -6875,7 +6419,7 @@
         </a:bodyPr>
         <a:lstStyle/>
         <a:p>
-          <a:pPr lvl="0" algn="ctr" defTabSz="311150">
+          <a:pPr marL="0" lvl="0" indent="0" algn="ctr" defTabSz="311150">
             <a:lnSpc>
               <a:spcPct val="90000"/>
             </a:lnSpc>
@@ -6885,6 +6429,7 @@
             <a:spcAft>
               <a:spcPct val="35000"/>
             </a:spcAft>
+            <a:buNone/>
           </a:pPr>
           <a:endParaRPr lang="es-ES" sz="700" b="0" kern="1200"/>
         </a:p>
@@ -6972,7 +6517,7 @@
         </a:bodyPr>
         <a:lstStyle/>
         <a:p>
-          <a:pPr lvl="0" algn="ctr" defTabSz="711200">
+          <a:pPr marL="0" lvl="0" indent="0" algn="ctr" defTabSz="711200">
             <a:lnSpc>
               <a:spcPct val="90000"/>
             </a:lnSpc>
@@ -6982,6 +6527,7 @@
             <a:spcAft>
               <a:spcPct val="35000"/>
             </a:spcAft>
+            <a:buNone/>
           </a:pPr>
           <a:r>
             <a:rPr lang="es-ES" sz="1600" b="0" kern="1200"/>
@@ -7053,7 +6599,7 @@
         </a:bodyPr>
         <a:lstStyle/>
         <a:p>
-          <a:pPr lvl="0" algn="ctr" defTabSz="488950">
+          <a:pPr marL="0" lvl="0" indent="0" algn="ctr" defTabSz="488950">
             <a:lnSpc>
               <a:spcPct val="90000"/>
             </a:lnSpc>
@@ -7063,6 +6609,7 @@
             <a:spcAft>
               <a:spcPct val="35000"/>
             </a:spcAft>
+            <a:buNone/>
           </a:pPr>
           <a:endParaRPr lang="es-ES" sz="1100" b="0" kern="1200"/>
         </a:p>
@@ -7150,7 +6697,7 @@
         </a:bodyPr>
         <a:lstStyle/>
         <a:p>
-          <a:pPr lvl="0" algn="ctr" defTabSz="711200">
+          <a:pPr marL="0" lvl="0" indent="0" algn="ctr" defTabSz="711200">
             <a:lnSpc>
               <a:spcPct val="90000"/>
             </a:lnSpc>
@@ -7160,6 +6707,7 @@
             <a:spcAft>
               <a:spcPct val="35000"/>
             </a:spcAft>
+            <a:buNone/>
           </a:pPr>
           <a:r>
             <a:rPr lang="es-ES" sz="1600" b="0" kern="1200"/>
@@ -7231,7 +6779,7 @@
         </a:bodyPr>
         <a:lstStyle/>
         <a:p>
-          <a:pPr lvl="0" algn="ctr" defTabSz="222250">
+          <a:pPr marL="0" lvl="0" indent="0" algn="ctr" defTabSz="222250">
             <a:lnSpc>
               <a:spcPct val="90000"/>
             </a:lnSpc>
@@ -7241,6 +6789,7 @@
             <a:spcAft>
               <a:spcPct val="35000"/>
             </a:spcAft>
+            <a:buNone/>
           </a:pPr>
           <a:endParaRPr lang="es-ES" sz="500" b="0" kern="1200"/>
         </a:p>
@@ -7328,7 +6877,7 @@
         </a:bodyPr>
         <a:lstStyle/>
         <a:p>
-          <a:pPr lvl="0" algn="ctr" defTabSz="622300">
+          <a:pPr marL="0" lvl="0" indent="0" algn="ctr" defTabSz="622300">
             <a:lnSpc>
               <a:spcPct val="90000"/>
             </a:lnSpc>
@@ -7338,6 +6887,7 @@
             <a:spcAft>
               <a:spcPct val="35000"/>
             </a:spcAft>
+            <a:buNone/>
           </a:pPr>
           <a:r>
             <a:rPr lang="es-ES" sz="1400" b="0" kern="1200"/>
@@ -12792,13 +12342,6 @@
   <p:clrMapOvr>
     <a:masterClrMapping/>
   </p:clrMapOvr>
-  <p:timing>
-    <p:tnLst>
-      <p:par>
-        <p:cTn id="1" dur="indefinite" restart="never" nodeType="tmRoot"/>
-      </p:par>
-    </p:tnLst>
-  </p:timing>
 </p:sld>
 </file>
 
@@ -12856,60 +12399,52 @@
           <a:lstStyle/>
           <a:p>
             <a:r>
-              <a:rPr lang="es-ES" dirty="0"/>
-              <a:t>Si no superamos </a:t>
-            </a:r>
-            <a:r>
-              <a:rPr lang="es-ES" dirty="0" err="1"/>
-              <a:t>record</a:t>
-            </a:r>
-            <a:r>
-              <a:rPr lang="es-ES" dirty="0"/>
-              <a:t> de un nivel, no permite guardar partida.</a:t>
-            </a:r>
-          </a:p>
-          <a:p>
-            <a:r>
-              <a:rPr lang="es-ES" dirty="0"/>
+              <a:rPr lang="es-ES" sz="2400" dirty="0"/>
+              <a:t>Si no superamos récord de un nivel, no permite guardar partida.</a:t>
+            </a:r>
+          </a:p>
+          <a:p>
+            <a:r>
+              <a:rPr lang="es-ES" sz="2400" dirty="0"/>
               <a:t>Sólo se accederá a tabla de mejores tiempos desde página principal.</a:t>
             </a:r>
           </a:p>
           <a:p>
-            <a:endParaRPr lang="es-ES" dirty="0"/>
-          </a:p>
-          <a:p>
-            <a:endParaRPr lang="es-ES" dirty="0"/>
-          </a:p>
-          <a:p>
-            <a:r>
-              <a:rPr lang="es-ES" dirty="0"/>
+            <a:endParaRPr lang="es-ES" sz="2400" dirty="0"/>
+          </a:p>
+          <a:p>
+            <a:endParaRPr lang="es-ES" sz="2400" dirty="0"/>
+          </a:p>
+          <a:p>
+            <a:r>
+              <a:rPr lang="es-ES" sz="2400" dirty="0"/>
               <a:t>Desde el menú de inicio no se puede:</a:t>
             </a:r>
           </a:p>
           <a:p>
             <a:pPr lvl="1"/>
             <a:r>
-              <a:rPr lang="es-ES" dirty="0"/>
+              <a:rPr lang="es-ES" sz="2400" dirty="0"/>
               <a:t>Guardar una partida.</a:t>
             </a:r>
           </a:p>
           <a:p>
             <a:pPr lvl="1"/>
             <a:r>
-              <a:rPr lang="es-ES" dirty="0"/>
+              <a:rPr lang="es-ES" sz="2400" dirty="0"/>
               <a:t>Reiniciar un nivel.</a:t>
             </a:r>
           </a:p>
           <a:p>
             <a:r>
-              <a:rPr lang="es-ES" dirty="0"/>
+              <a:rPr lang="es-ES" sz="2400" dirty="0"/>
               <a:t>Desde la pantalla de juego, no se puede: </a:t>
             </a:r>
           </a:p>
           <a:p>
             <a:pPr lvl="1"/>
             <a:r>
-              <a:rPr lang="es-ES" dirty="0"/>
+              <a:rPr lang="es-ES" sz="2400" dirty="0"/>
               <a:t>Ver los 10 mejores tiempos.</a:t>
             </a:r>
           </a:p>
@@ -12934,7 +12469,7 @@
         <p:spPr>
           <a:xfrm>
             <a:off x="942109" y="110836"/>
-            <a:ext cx="9601200" cy="1485900"/>
+            <a:ext cx="9601200" cy="778618"/>
           </a:xfrm>
         </p:spPr>
         <p:txBody>
@@ -13000,7 +12535,7 @@
         <p:spPr>
           <a:xfrm>
             <a:off x="6759842" y="2266951"/>
-            <a:ext cx="3527780" cy="2562224"/>
+            <a:ext cx="4271952" cy="3102715"/>
           </a:xfrm>
           <a:prstGeom prst="rect">
             <a:avLst/>
@@ -13101,61 +12636,63 @@
         </p:nvSpPr>
         <p:spPr>
           <a:xfrm>
-            <a:off x="1371600" y="1857375"/>
-            <a:ext cx="9601200" cy="3581400"/>
+            <a:off x="1295400" y="1532854"/>
+            <a:ext cx="9601200" cy="4440186"/>
           </a:xfrm>
         </p:spPr>
         <p:txBody>
-          <a:bodyPr/>
+          <a:bodyPr>
+            <a:normAutofit/>
+          </a:bodyPr>
           <a:lstStyle/>
           <a:p>
             <a:r>
-              <a:rPr lang="es-ES" dirty="0"/>
+              <a:rPr lang="es-ES" sz="2400" dirty="0"/>
               <a:t>Problema en el tablero de juego del Nivel Experto, se desbloqueaban mal las celdas.</a:t>
             </a:r>
           </a:p>
           <a:p>
             <a:r>
-              <a:rPr lang="es-ES" dirty="0"/>
+              <a:rPr lang="es-ES" sz="2400" dirty="0"/>
               <a:t>Ese problema se trasladaba al nivel Personalizado cuando las columnas eran distintas de las filas.</a:t>
             </a:r>
           </a:p>
           <a:p>
             <a:r>
-              <a:rPr lang="es-ES" dirty="0"/>
+              <a:rPr lang="es-ES" sz="2400" dirty="0"/>
               <a:t>Solución: Poner un nivel Experto de mismas columnas y filas con la misma cantidad de celdas aproximadamente. Hacer que el usuario solo pueda insertar filas y columnas iguales.</a:t>
             </a:r>
           </a:p>
           <a:p>
             <a:r>
-              <a:rPr lang="es-ES" dirty="0"/>
+              <a:rPr lang="es-ES" sz="2400" dirty="0"/>
               <a:t>Problema con el guardado de la partida en un fichero debido a una clase.</a:t>
             </a:r>
           </a:p>
           <a:p>
             <a:r>
-              <a:rPr lang="es-ES" dirty="0"/>
+              <a:rPr lang="es-ES" sz="2400" dirty="0"/>
               <a:t>Solución: Paso del valor del </a:t>
             </a:r>
             <a:r>
-              <a:rPr lang="es-ES" dirty="0" err="1"/>
+              <a:rPr lang="es-ES" sz="2400" dirty="0" err="1"/>
               <a:t>String</a:t>
             </a:r>
             <a:r>
-              <a:rPr lang="es-ES" dirty="0"/>
+              <a:rPr lang="es-ES" sz="2400" dirty="0"/>
               <a:t> de la clase </a:t>
             </a:r>
             <a:r>
-              <a:rPr lang="es-ES" dirty="0" err="1"/>
+              <a:rPr lang="es-ES" sz="2400" dirty="0" err="1"/>
               <a:t>JButton</a:t>
             </a:r>
             <a:r>
-              <a:rPr lang="es-ES" dirty="0"/>
+              <a:rPr lang="es-ES" sz="2400" dirty="0"/>
               <a:t> uno a uno.</a:t>
             </a:r>
           </a:p>
           <a:p>
-            <a:endParaRPr lang="es-ES" dirty="0"/>
+            <a:endParaRPr lang="es-ES" sz="2400" dirty="0"/>
           </a:p>
         </p:txBody>
       </p:sp>
@@ -13385,13 +12922,6 @@
   <p:clrMapOvr>
     <a:masterClrMapping/>
   </p:clrMapOvr>
-  <p:timing>
-    <p:tnLst>
-      <p:par>
-        <p:cTn id="1" dur="indefinite" restart="never" nodeType="tmRoot"/>
-      </p:par>
-    </p:tnLst>
-  </p:timing>
 </p:sld>
 </file>
 
@@ -13471,7 +13001,7 @@
         </p:nvSpPr>
         <p:spPr>
           <a:xfrm>
-            <a:off x="997528" y="1759527"/>
+            <a:off x="1039687" y="1549977"/>
             <a:ext cx="5829515" cy="1879023"/>
           </a:xfrm>
         </p:spPr>
@@ -13554,7 +13084,7 @@
         </p:nvGrpSpPr>
         <p:grpSpPr>
           <a:xfrm>
-            <a:off x="3294458" y="3245427"/>
+            <a:off x="3294457" y="3429000"/>
             <a:ext cx="4424363" cy="3060145"/>
             <a:chOff x="3883818" y="3524250"/>
             <a:chExt cx="4424363" cy="3060145"/>
@@ -13678,8 +13208,8 @@
         </p:nvSpPr>
         <p:spPr>
           <a:xfrm>
-            <a:off x="7718820" y="3214254"/>
-            <a:ext cx="4130279" cy="1477328"/>
+            <a:off x="7718820" y="2939996"/>
+            <a:ext cx="4130279" cy="1631216"/>
           </a:xfrm>
           <a:prstGeom prst="rect">
             <a:avLst/>
@@ -13697,7 +13227,7 @@
               <a:buChar char="§"/>
             </a:pPr>
             <a:r>
-              <a:rPr lang="es-ES" dirty="0" smtClean="0"/>
+              <a:rPr lang="es-ES" sz="2000" dirty="0"/>
               <a:t>Tablero del juego 23 filas por 23 columnas. </a:t>
             </a:r>
           </a:p>
@@ -13706,7 +13236,7 @@
               <a:buFont typeface="Wingdings" panose="05000000000000000000" pitchFamily="2" charset="2"/>
               <a:buChar char="§"/>
             </a:pPr>
-            <a:endParaRPr lang="es-ES" dirty="0" smtClean="0"/>
+            <a:endParaRPr lang="es-ES" sz="2000" dirty="0"/>
           </a:p>
           <a:p>
             <a:pPr marL="742950" lvl="1" indent="-285750">
@@ -13714,12 +13244,12 @@
               <a:buChar char="−"/>
             </a:pPr>
             <a:r>
-              <a:rPr lang="es-ES" dirty="0" smtClean="0"/>
+              <a:rPr lang="es-ES" sz="2000" dirty="0"/>
               <a:t>Deben ser iguales</a:t>
             </a:r>
           </a:p>
           <a:p>
-            <a:endParaRPr lang="es-ES" dirty="0"/>
+            <a:endParaRPr lang="es-ES" sz="2000" dirty="0"/>
           </a:p>
         </p:txBody>
       </p:sp>
@@ -13733,13 +13263,6 @@
   <p:clrMapOvr>
     <a:masterClrMapping/>
   </p:clrMapOvr>
-  <p:timing>
-    <p:tnLst>
-      <p:par>
-        <p:cTn id="1" dur="indefinite" restart="never" nodeType="tmRoot"/>
-      </p:par>
-    </p:tnLst>
-  </p:timing>
 </p:sld>
 </file>
 
@@ -13970,13 +13493,6 @@
   <p:clrMapOvr>
     <a:masterClrMapping/>
   </p:clrMapOvr>
-  <p:timing>
-    <p:tnLst>
-      <p:par>
-        <p:cTn id="1" dur="indefinite" restart="never" nodeType="tmRoot"/>
-      </p:par>
-    </p:tnLst>
-  </p:timing>
 </p:sld>
 </file>
 
@@ -14021,7 +13537,12 @@
             <p:ph type="title"/>
           </p:nvPr>
         </p:nvSpPr>
-        <p:spPr/>
+        <p:spPr>
+          <a:xfrm>
+            <a:off x="1371600" y="282106"/>
+            <a:ext cx="9601200" cy="1485900"/>
+          </a:xfrm>
+        </p:spPr>
         <p:txBody>
           <a:bodyPr/>
           <a:lstStyle/>
@@ -14051,7 +13572,7 @@
         </p:nvSpPr>
         <p:spPr>
           <a:xfrm>
-            <a:off x="1219200" y="1428750"/>
+            <a:off x="1219200" y="941091"/>
             <a:ext cx="9601200" cy="3581400"/>
           </a:xfrm>
         </p:spPr>
@@ -14145,8 +13666,8 @@
         </p:nvGrpSpPr>
         <p:grpSpPr>
           <a:xfrm>
-            <a:off x="2447925" y="4551673"/>
-            <a:ext cx="2352675" cy="1963242"/>
+            <a:off x="1969168" y="4251222"/>
+            <a:ext cx="3348191" cy="2654709"/>
             <a:chOff x="1189904" y="4684568"/>
             <a:chExt cx="2352675" cy="1963242"/>
           </a:xfrm>
@@ -14203,10 +13724,9 @@
             <a:p>
               <a:pPr algn="ctr"/>
               <a:r>
-                <a:rPr lang="es-ES" dirty="0" smtClean="0"/>
+                <a:rPr lang="es-ES" dirty="0"/>
                 <a:t>Menú principal</a:t>
               </a:r>
-              <a:endParaRPr lang="es-ES" dirty="0"/>
             </a:p>
           </p:txBody>
         </p:sp>
@@ -14226,8 +13746,8 @@
         </p:blipFill>
         <p:spPr>
           <a:xfrm>
-            <a:off x="7219950" y="4527726"/>
-            <a:ext cx="2390775" cy="1692556"/>
+            <a:off x="6909311" y="4224832"/>
+            <a:ext cx="2973951" cy="2105417"/>
           </a:xfrm>
           <a:prstGeom prst="rect">
             <a:avLst/>
@@ -14247,7 +13767,7 @@
         </p:nvSpPr>
         <p:spPr>
           <a:xfrm>
-            <a:off x="7219950" y="6145583"/>
+            <a:off x="7219948" y="6304239"/>
             <a:ext cx="2352675" cy="369332"/>
           </a:xfrm>
           <a:prstGeom prst="rect">
@@ -14263,10 +13783,9 @@
           <a:p>
             <a:pPr algn="ctr"/>
             <a:r>
-              <a:rPr lang="es-ES" dirty="0" smtClean="0"/>
+              <a:rPr lang="es-ES" dirty="0"/>
               <a:t>Menú juego</a:t>
             </a:r>
-            <a:endParaRPr lang="es-ES" dirty="0"/>
           </a:p>
         </p:txBody>
       </p:sp>
@@ -14280,13 +13799,6 @@
   <p:clrMapOvr>
     <a:masterClrMapping/>
   </p:clrMapOvr>
-  <p:timing>
-    <p:tnLst>
-      <p:par>
-        <p:cTn id="1" dur="indefinite" restart="never" nodeType="tmRoot"/>
-      </p:par>
-    </p:tnLst>
-  </p:timing>
 </p:sld>
 </file>
 
@@ -14446,13 +13958,6 @@
   <p:clrMapOvr>
     <a:masterClrMapping/>
   </p:clrMapOvr>
-  <p:timing>
-    <p:tnLst>
-      <p:par>
-        <p:cTn id="1" dur="indefinite" restart="never" nodeType="tmRoot"/>
-      </p:par>
-    </p:tnLst>
-  </p:timing>
 </p:sld>
 </file>
 
@@ -14737,7 +14242,7 @@
               <a:t>Objetivo del proyecto: mejorar las funcionalidades del juego </a:t>
             </a:r>
             <a:r>
-              <a:rPr lang="es-ES" sz="2800" i="1" dirty="0" smtClean="0"/>
+              <a:rPr lang="es-ES" sz="2800" i="1" dirty="0"/>
               <a:t>Buscaminas</a:t>
             </a:r>
           </a:p>
@@ -14752,7 +14257,6 @@
               <a:rPr lang="es-ES" sz="2800" dirty="0"/>
               <a:t>Producto final: código fuente del juego, Plan de Proyecto, Plan de Gestión de Configuración de Software y Plan de mantenimiento. </a:t>
             </a:r>
-            <a:endParaRPr lang="es-ES" sz="2800" dirty="0" smtClean="0"/>
           </a:p>
           <a:p>
             <a:pPr marL="0" indent="0">
@@ -14817,13 +14321,6 @@
   <p:clrMapOvr>
     <a:masterClrMapping/>
   </p:clrMapOvr>
-  <p:timing>
-    <p:tnLst>
-      <p:par>
-        <p:cTn id="1" dur="indefinite" restart="never" nodeType="tmRoot"/>
-      </p:par>
-    </p:tnLst>
-  </p:timing>
 </p:sld>
 </file>
 
@@ -14870,7 +14367,7 @@
         </p:nvSpPr>
         <p:spPr>
           <a:xfrm>
-            <a:off x="996461" y="247650"/>
+            <a:off x="966964" y="232902"/>
             <a:ext cx="9601200" cy="1485900"/>
           </a:xfrm>
         </p:spPr>
@@ -14881,34 +14378,6 @@
             <a:r>
               <a:rPr lang="es-ES" dirty="0"/>
               <a:t>Organización del proyecto</a:t>
-            </a:r>
-          </a:p>
-        </p:txBody>
-      </p:sp>
-      <p:sp>
-        <p:nvSpPr>
-          <p:cNvPr id="3" name="Marcador de contenido 2">
-            <a:extLst>
-              <a:ext uri="{FF2B5EF4-FFF2-40B4-BE49-F238E27FC236}">
-                <a16:creationId xmlns:a16="http://schemas.microsoft.com/office/drawing/2014/main" id="{569C5198-CF1B-4899-B627-FC7667F998CD}"/>
-              </a:ext>
-            </a:extLst>
-          </p:cNvPr>
-          <p:cNvSpPr>
-            <a:spLocks noGrp="1"/>
-          </p:cNvSpPr>
-          <p:nvPr>
-            <p:ph idx="1"/>
-          </p:nvPr>
-        </p:nvSpPr>
-        <p:spPr/>
-        <p:txBody>
-          <a:bodyPr/>
-          <a:lstStyle/>
-          <a:p>
-            <a:r>
-              <a:rPr lang="es-ES" dirty="0"/>
-              <a:t>(hacer un calendario con el proyecto)</a:t>
             </a:r>
           </a:p>
         </p:txBody>
@@ -14949,6 +14418,204 @@
           </a:prstGeom>
         </p:spPr>
       </p:pic>
+      <p:pic>
+        <p:nvPicPr>
+          <p:cNvPr id="13" name="Imagen 12">
+            <a:extLst>
+              <a:ext uri="{FF2B5EF4-FFF2-40B4-BE49-F238E27FC236}">
+                <a16:creationId xmlns:a16="http://schemas.microsoft.com/office/drawing/2014/main" id="{4E4551E1-BF05-4EB7-B36A-DCBD4C3E7494}"/>
+              </a:ext>
+            </a:extLst>
+          </p:cNvPr>
+          <p:cNvPicPr>
+            <a:picLocks noChangeAspect="1"/>
+          </p:cNvPicPr>
+          <p:nvPr/>
+        </p:nvPicPr>
+        <p:blipFill>
+          <a:blip r:embed="rId3">
+            <a:extLst>
+              <a:ext uri="{28A0092B-C50C-407E-A947-70E740481C1C}">
+                <a14:useLocalDpi xmlns:a14="http://schemas.microsoft.com/office/drawing/2010/main" val="0"/>
+              </a:ext>
+            </a:extLst>
+          </a:blip>
+          <a:stretch>
+            <a:fillRect/>
+          </a:stretch>
+        </p:blipFill>
+        <p:spPr>
+          <a:xfrm>
+            <a:off x="966964" y="1467880"/>
+            <a:ext cx="4161728" cy="4247317"/>
+          </a:xfrm>
+          <a:prstGeom prst="rect">
+            <a:avLst/>
+          </a:prstGeom>
+        </p:spPr>
+      </p:pic>
+      <p:pic>
+        <p:nvPicPr>
+          <p:cNvPr id="15" name="Imagen 14">
+            <a:extLst>
+              <a:ext uri="{FF2B5EF4-FFF2-40B4-BE49-F238E27FC236}">
+                <a16:creationId xmlns:a16="http://schemas.microsoft.com/office/drawing/2014/main" id="{055A90CE-3E8C-4E73-B98E-F542873FEF1C}"/>
+              </a:ext>
+            </a:extLst>
+          </p:cNvPr>
+          <p:cNvPicPr>
+            <a:picLocks noChangeAspect="1"/>
+          </p:cNvPicPr>
+          <p:nvPr/>
+        </p:nvPicPr>
+        <p:blipFill>
+          <a:blip r:embed="rId4">
+            <a:extLst>
+              <a:ext uri="{28A0092B-C50C-407E-A947-70E740481C1C}">
+                <a14:useLocalDpi xmlns:a14="http://schemas.microsoft.com/office/drawing/2010/main" val="0"/>
+              </a:ext>
+            </a:extLst>
+          </a:blip>
+          <a:stretch>
+            <a:fillRect/>
+          </a:stretch>
+        </p:blipFill>
+        <p:spPr>
+          <a:xfrm>
+            <a:off x="7785936" y="1305342"/>
+            <a:ext cx="4215301" cy="4247316"/>
+          </a:xfrm>
+          <a:prstGeom prst="rect">
+            <a:avLst/>
+          </a:prstGeom>
+        </p:spPr>
+      </p:pic>
+      <p:sp>
+        <p:nvSpPr>
+          <p:cNvPr id="16" name="CuadroTexto 15">
+            <a:extLst>
+              <a:ext uri="{FF2B5EF4-FFF2-40B4-BE49-F238E27FC236}">
+                <a16:creationId xmlns:a16="http://schemas.microsoft.com/office/drawing/2014/main" id="{A38C7BFE-7C5D-4C08-A91D-E3F58C9061BA}"/>
+              </a:ext>
+            </a:extLst>
+          </p:cNvPr>
+          <p:cNvSpPr txBox="1"/>
+          <p:nvPr/>
+        </p:nvSpPr>
+        <p:spPr>
+          <a:xfrm>
+            <a:off x="5447049" y="1733352"/>
+            <a:ext cx="2020529" cy="3785652"/>
+          </a:xfrm>
+          <a:prstGeom prst="rect">
+            <a:avLst/>
+          </a:prstGeom>
+          <a:noFill/>
+        </p:spPr>
+        <p:txBody>
+          <a:bodyPr wrap="square" rtlCol="0">
+            <a:spAutoFit/>
+          </a:bodyPr>
+          <a:lstStyle/>
+          <a:p>
+            <a:pPr algn="ctr"/>
+            <a:r>
+              <a:rPr lang="es-ES" sz="2400" dirty="0">
+                <a:solidFill>
+                  <a:srgbClr val="FF0000"/>
+                </a:solidFill>
+              </a:rPr>
+              <a:t>Día de inicio</a:t>
+            </a:r>
+          </a:p>
+          <a:p>
+            <a:pPr algn="ctr"/>
+            <a:r>
+              <a:rPr lang="es-ES" sz="2400" dirty="0">
+                <a:solidFill>
+                  <a:srgbClr val="7030A0"/>
+                </a:solidFill>
+              </a:rPr>
+              <a:t>Creación de documentos </a:t>
+            </a:r>
+          </a:p>
+          <a:p>
+            <a:pPr algn="ctr"/>
+            <a:r>
+              <a:rPr lang="es-ES" sz="2400" dirty="0">
+                <a:solidFill>
+                  <a:srgbClr val="FF9900"/>
+                </a:solidFill>
+              </a:rPr>
+              <a:t>Verificación de código</a:t>
+            </a:r>
+          </a:p>
+          <a:p>
+            <a:pPr algn="ctr"/>
+            <a:r>
+              <a:rPr lang="es-ES" sz="2400" dirty="0">
+                <a:solidFill>
+                  <a:srgbClr val="0070C0"/>
+                </a:solidFill>
+              </a:rPr>
+              <a:t>Validación de código</a:t>
+            </a:r>
+          </a:p>
+          <a:p>
+            <a:pPr algn="ctr"/>
+            <a:r>
+              <a:rPr lang="es-ES" sz="2400" dirty="0"/>
+              <a:t>Desarrollo de código</a:t>
+            </a:r>
+          </a:p>
+          <a:p>
+            <a:pPr algn="ctr"/>
+            <a:r>
+              <a:rPr lang="es-ES" sz="2400" dirty="0">
+                <a:solidFill>
+                  <a:srgbClr val="FF3399"/>
+                </a:solidFill>
+              </a:rPr>
+              <a:t>Entrega final</a:t>
+            </a:r>
+          </a:p>
+        </p:txBody>
+      </p:sp>
+      <p:sp>
+        <p:nvSpPr>
+          <p:cNvPr id="17" name="CuadroTexto 16">
+            <a:extLst>
+              <a:ext uri="{FF2B5EF4-FFF2-40B4-BE49-F238E27FC236}">
+                <a16:creationId xmlns:a16="http://schemas.microsoft.com/office/drawing/2014/main" id="{A22F5526-C04C-4EB2-A173-624F5B6D96A9}"/>
+              </a:ext>
+            </a:extLst>
+          </p:cNvPr>
+          <p:cNvSpPr txBox="1"/>
+          <p:nvPr/>
+        </p:nvSpPr>
+        <p:spPr>
+          <a:xfrm>
+            <a:off x="861711" y="6071362"/>
+            <a:ext cx="5509592" cy="400110"/>
+          </a:xfrm>
+          <a:prstGeom prst="rect">
+            <a:avLst/>
+          </a:prstGeom>
+          <a:noFill/>
+        </p:spPr>
+        <p:txBody>
+          <a:bodyPr wrap="square" rtlCol="0">
+            <a:spAutoFit/>
+          </a:bodyPr>
+          <a:lstStyle/>
+          <a:p>
+            <a:r>
+              <a:rPr lang="es-ES" sz="2000" dirty="0"/>
+              <a:t>Los días laborales están sombreados de amarillo</a:t>
+            </a:r>
+          </a:p>
+        </p:txBody>
+      </p:sp>
     </p:spTree>
     <p:extLst>
       <p:ext uri="{BB962C8B-B14F-4D97-AF65-F5344CB8AC3E}">
@@ -14959,13 +14626,6 @@
   <p:clrMapOvr>
     <a:masterClrMapping/>
   </p:clrMapOvr>
-  <p:timing>
-    <p:tnLst>
-      <p:par>
-        <p:cTn id="1" dur="indefinite" restart="never" nodeType="tmRoot"/>
-      </p:par>
-    </p:tnLst>
-  </p:timing>
 </p:sld>
 </file>
 
@@ -15988,7 +15648,7 @@
         </p:nvSpPr>
         <p:spPr>
           <a:xfrm>
-            <a:off x="942109" y="1524000"/>
+            <a:off x="942109" y="1704229"/>
             <a:ext cx="10986655" cy="4170218"/>
           </a:xfrm>
         </p:spPr>
@@ -16089,7 +15749,7 @@
         </p:nvSpPr>
         <p:spPr>
           <a:xfrm>
-            <a:off x="4031673" y="5694218"/>
+            <a:off x="3825196" y="6074993"/>
             <a:ext cx="7426036" cy="369332"/>
           </a:xfrm>
           <a:prstGeom prst="rect">
@@ -16161,8 +15821,8 @@
         </p:blipFill>
         <p:spPr>
           <a:xfrm>
-            <a:off x="9372601" y="367338"/>
-            <a:ext cx="2196078" cy="1565180"/>
+            <a:off x="8928276" y="12722"/>
+            <a:ext cx="3230066" cy="2302120"/>
           </a:xfrm>
           <a:prstGeom prst="rect">
             <a:avLst/>
